--- a/Food image classification.pptx
+++ b/Food image classification.pptx
@@ -7,14 +7,16 @@
   <p:sldIdLst>
     <p:sldId id="256" r:id="rId2"/>
     <p:sldId id="262" r:id="rId3"/>
-    <p:sldId id="257" r:id="rId4"/>
-    <p:sldId id="258" r:id="rId5"/>
-    <p:sldId id="259" r:id="rId6"/>
-    <p:sldId id="264" r:id="rId7"/>
-    <p:sldId id="260" r:id="rId8"/>
-    <p:sldId id="261" r:id="rId9"/>
-    <p:sldId id="265" r:id="rId10"/>
-    <p:sldId id="266" r:id="rId11"/>
+    <p:sldId id="267" r:id="rId4"/>
+    <p:sldId id="257" r:id="rId5"/>
+    <p:sldId id="258" r:id="rId6"/>
+    <p:sldId id="259" r:id="rId7"/>
+    <p:sldId id="264" r:id="rId8"/>
+    <p:sldId id="260" r:id="rId9"/>
+    <p:sldId id="266" r:id="rId10"/>
+    <p:sldId id="261" r:id="rId11"/>
+    <p:sldId id="268" r:id="rId12"/>
+    <p:sldId id="269" r:id="rId13"/>
   </p:sldIdLst>
   <p:sldSz cx="12192000" cy="6858000"/>
   <p:notesSz cx="6858000" cy="9144000"/>
@@ -873,6 +875,753 @@
 </file>
 
 <file path=ppt/diagrams/colors2.xml><?xml version="1.0" encoding="utf-8"?>
+<dgm:colorsDef xmlns:dgm="http://schemas.openxmlformats.org/drawingml/2006/diagram" xmlns:a="http://schemas.openxmlformats.org/drawingml/2006/main" uniqueId="urn:microsoft.com/office/officeart/2005/8/colors/accent1_2">
+  <dgm:title val=""/>
+  <dgm:desc val=""/>
+  <dgm:catLst>
+    <dgm:cat type="accent1" pri="11200"/>
+  </dgm:catLst>
+  <dgm:styleLbl name="node0">
+    <dgm:fillClrLst meth="repeat">
+      <a:schemeClr val="accent1"/>
+    </dgm:fillClrLst>
+    <dgm:linClrLst meth="repeat">
+      <a:schemeClr val="lt1"/>
+    </dgm:linClrLst>
+    <dgm:effectClrLst/>
+    <dgm:txLinClrLst/>
+    <dgm:txFillClrLst/>
+    <dgm:txEffectClrLst/>
+  </dgm:styleLbl>
+  <dgm:styleLbl name="alignNode1">
+    <dgm:fillClrLst meth="repeat">
+      <a:schemeClr val="accent1"/>
+    </dgm:fillClrLst>
+    <dgm:linClrLst meth="repeat">
+      <a:schemeClr val="accent1"/>
+    </dgm:linClrLst>
+    <dgm:effectClrLst/>
+    <dgm:txLinClrLst/>
+    <dgm:txFillClrLst/>
+    <dgm:txEffectClrLst/>
+  </dgm:styleLbl>
+  <dgm:styleLbl name="node1">
+    <dgm:fillClrLst meth="repeat">
+      <a:schemeClr val="accent1"/>
+    </dgm:fillClrLst>
+    <dgm:linClrLst meth="repeat">
+      <a:schemeClr val="lt1"/>
+    </dgm:linClrLst>
+    <dgm:effectClrLst/>
+    <dgm:txLinClrLst/>
+    <dgm:txFillClrLst/>
+    <dgm:txEffectClrLst/>
+  </dgm:styleLbl>
+  <dgm:styleLbl name="lnNode1">
+    <dgm:fillClrLst meth="repeat">
+      <a:schemeClr val="accent1"/>
+    </dgm:fillClrLst>
+    <dgm:linClrLst meth="repeat">
+      <a:schemeClr val="lt1"/>
+    </dgm:linClrLst>
+    <dgm:effectClrLst/>
+    <dgm:txLinClrLst/>
+    <dgm:txFillClrLst/>
+    <dgm:txEffectClrLst/>
+  </dgm:styleLbl>
+  <dgm:styleLbl name="vennNode1">
+    <dgm:fillClrLst meth="repeat">
+      <a:schemeClr val="accent1">
+        <a:alpha val="50000"/>
+      </a:schemeClr>
+    </dgm:fillClrLst>
+    <dgm:linClrLst meth="repeat">
+      <a:schemeClr val="lt1"/>
+    </dgm:linClrLst>
+    <dgm:effectClrLst/>
+    <dgm:txLinClrLst/>
+    <dgm:txFillClrLst/>
+    <dgm:txEffectClrLst/>
+  </dgm:styleLbl>
+  <dgm:styleLbl name="node2">
+    <dgm:fillClrLst meth="repeat">
+      <a:schemeClr val="accent1"/>
+    </dgm:fillClrLst>
+    <dgm:linClrLst meth="repeat">
+      <a:schemeClr val="lt1"/>
+    </dgm:linClrLst>
+    <dgm:effectClrLst/>
+    <dgm:txLinClrLst/>
+    <dgm:txFillClrLst/>
+    <dgm:txEffectClrLst/>
+  </dgm:styleLbl>
+  <dgm:styleLbl name="node3">
+    <dgm:fillClrLst meth="repeat">
+      <a:schemeClr val="accent1"/>
+    </dgm:fillClrLst>
+    <dgm:linClrLst meth="repeat">
+      <a:schemeClr val="lt1"/>
+    </dgm:linClrLst>
+    <dgm:effectClrLst/>
+    <dgm:txLinClrLst/>
+    <dgm:txFillClrLst/>
+    <dgm:txEffectClrLst/>
+  </dgm:styleLbl>
+  <dgm:styleLbl name="node4">
+    <dgm:fillClrLst meth="repeat">
+      <a:schemeClr val="accent1"/>
+    </dgm:fillClrLst>
+    <dgm:linClrLst meth="repeat">
+      <a:schemeClr val="lt1"/>
+    </dgm:linClrLst>
+    <dgm:effectClrLst/>
+    <dgm:txLinClrLst/>
+    <dgm:txFillClrLst/>
+    <dgm:txEffectClrLst/>
+  </dgm:styleLbl>
+  <dgm:styleLbl name="fgImgPlace1">
+    <dgm:fillClrLst meth="repeat">
+      <a:schemeClr val="accent1">
+        <a:tint val="50000"/>
+      </a:schemeClr>
+    </dgm:fillClrLst>
+    <dgm:linClrLst meth="repeat">
+      <a:schemeClr val="lt1"/>
+    </dgm:linClrLst>
+    <dgm:effectClrLst/>
+    <dgm:txLinClrLst/>
+    <dgm:txFillClrLst meth="repeat">
+      <a:schemeClr val="lt1"/>
+    </dgm:txFillClrLst>
+    <dgm:txEffectClrLst/>
+  </dgm:styleLbl>
+  <dgm:styleLbl name="alignImgPlace1">
+    <dgm:fillClrLst meth="repeat">
+      <a:schemeClr val="accent1">
+        <a:tint val="50000"/>
+      </a:schemeClr>
+    </dgm:fillClrLst>
+    <dgm:linClrLst meth="repeat">
+      <a:schemeClr val="lt1"/>
+    </dgm:linClrLst>
+    <dgm:effectClrLst/>
+    <dgm:txLinClrLst/>
+    <dgm:txFillClrLst meth="repeat">
+      <a:schemeClr val="lt1"/>
+    </dgm:txFillClrLst>
+    <dgm:txEffectClrLst/>
+  </dgm:styleLbl>
+  <dgm:styleLbl name="bgImgPlace1">
+    <dgm:fillClrLst meth="repeat">
+      <a:schemeClr val="accent1">
+        <a:tint val="50000"/>
+      </a:schemeClr>
+    </dgm:fillClrLst>
+    <dgm:linClrLst meth="repeat">
+      <a:schemeClr val="lt1"/>
+    </dgm:linClrLst>
+    <dgm:effectClrLst/>
+    <dgm:txLinClrLst/>
+    <dgm:txFillClrLst meth="repeat">
+      <a:schemeClr val="lt1"/>
+    </dgm:txFillClrLst>
+    <dgm:txEffectClrLst/>
+  </dgm:styleLbl>
+  <dgm:styleLbl name="sibTrans2D1">
+    <dgm:fillClrLst meth="repeat">
+      <a:schemeClr val="accent1">
+        <a:tint val="60000"/>
+      </a:schemeClr>
+    </dgm:fillClrLst>
+    <dgm:linClrLst meth="repeat">
+      <a:schemeClr val="accent1">
+        <a:tint val="60000"/>
+      </a:schemeClr>
+    </dgm:linClrLst>
+    <dgm:effectClrLst/>
+    <dgm:txLinClrLst/>
+    <dgm:txFillClrLst/>
+    <dgm:txEffectClrLst/>
+  </dgm:styleLbl>
+  <dgm:styleLbl name="fgSibTrans2D1">
+    <dgm:fillClrLst meth="repeat">
+      <a:schemeClr val="accent1">
+        <a:tint val="60000"/>
+      </a:schemeClr>
+    </dgm:fillClrLst>
+    <dgm:linClrLst meth="repeat">
+      <a:schemeClr val="accent1">
+        <a:tint val="60000"/>
+      </a:schemeClr>
+    </dgm:linClrLst>
+    <dgm:effectClrLst/>
+    <dgm:txLinClrLst/>
+    <dgm:txFillClrLst/>
+    <dgm:txEffectClrLst/>
+  </dgm:styleLbl>
+  <dgm:styleLbl name="bgSibTrans2D1">
+    <dgm:fillClrLst meth="repeat">
+      <a:schemeClr val="accent1">
+        <a:tint val="60000"/>
+      </a:schemeClr>
+    </dgm:fillClrLst>
+    <dgm:linClrLst meth="repeat">
+      <a:schemeClr val="accent1">
+        <a:tint val="60000"/>
+      </a:schemeClr>
+    </dgm:linClrLst>
+    <dgm:effectClrLst/>
+    <dgm:txLinClrLst/>
+    <dgm:txFillClrLst/>
+    <dgm:txEffectClrLst/>
+  </dgm:styleLbl>
+  <dgm:styleLbl name="sibTrans1D1">
+    <dgm:fillClrLst meth="repeat">
+      <a:schemeClr val="accent1"/>
+    </dgm:fillClrLst>
+    <dgm:linClrLst meth="repeat">
+      <a:schemeClr val="accent1"/>
+    </dgm:linClrLst>
+    <dgm:effectClrLst/>
+    <dgm:txLinClrLst/>
+    <dgm:txFillClrLst meth="repeat">
+      <a:schemeClr val="tx1"/>
+    </dgm:txFillClrLst>
+    <dgm:txEffectClrLst/>
+  </dgm:styleLbl>
+  <dgm:styleLbl name="callout">
+    <dgm:fillClrLst meth="repeat">
+      <a:schemeClr val="accent1"/>
+    </dgm:fillClrLst>
+    <dgm:linClrLst meth="repeat">
+      <a:schemeClr val="accent1">
+        <a:tint val="50000"/>
+      </a:schemeClr>
+    </dgm:linClrLst>
+    <dgm:effectClrLst/>
+    <dgm:txLinClrLst/>
+    <dgm:txFillClrLst meth="repeat">
+      <a:schemeClr val="tx1"/>
+    </dgm:txFillClrLst>
+    <dgm:txEffectClrLst/>
+  </dgm:styleLbl>
+  <dgm:styleLbl name="asst0">
+    <dgm:fillClrLst meth="repeat">
+      <a:schemeClr val="accent1"/>
+    </dgm:fillClrLst>
+    <dgm:linClrLst meth="repeat">
+      <a:schemeClr val="lt1"/>
+    </dgm:linClrLst>
+    <dgm:effectClrLst/>
+    <dgm:txLinClrLst/>
+    <dgm:txFillClrLst/>
+    <dgm:txEffectClrLst/>
+  </dgm:styleLbl>
+  <dgm:styleLbl name="asst1">
+    <dgm:fillClrLst meth="repeat">
+      <a:schemeClr val="accent1"/>
+    </dgm:fillClrLst>
+    <dgm:linClrLst meth="repeat">
+      <a:schemeClr val="lt1"/>
+    </dgm:linClrLst>
+    <dgm:effectClrLst/>
+    <dgm:txLinClrLst/>
+    <dgm:txFillClrLst/>
+    <dgm:txEffectClrLst/>
+  </dgm:styleLbl>
+  <dgm:styleLbl name="asst2">
+    <dgm:fillClrLst meth="repeat">
+      <a:schemeClr val="accent1"/>
+    </dgm:fillClrLst>
+    <dgm:linClrLst meth="repeat">
+      <a:schemeClr val="lt1"/>
+    </dgm:linClrLst>
+    <dgm:effectClrLst/>
+    <dgm:txLinClrLst/>
+    <dgm:txFillClrLst/>
+    <dgm:txEffectClrLst/>
+  </dgm:styleLbl>
+  <dgm:styleLbl name="asst3">
+    <dgm:fillClrLst meth="repeat">
+      <a:schemeClr val="accent1"/>
+    </dgm:fillClrLst>
+    <dgm:linClrLst meth="repeat">
+      <a:schemeClr val="lt1"/>
+    </dgm:linClrLst>
+    <dgm:effectClrLst/>
+    <dgm:txLinClrLst/>
+    <dgm:txFillClrLst/>
+    <dgm:txEffectClrLst/>
+  </dgm:styleLbl>
+  <dgm:styleLbl name="asst4">
+    <dgm:fillClrLst meth="repeat">
+      <a:schemeClr val="accent1"/>
+    </dgm:fillClrLst>
+    <dgm:linClrLst meth="repeat">
+      <a:schemeClr val="lt1"/>
+    </dgm:linClrLst>
+    <dgm:effectClrLst/>
+    <dgm:txLinClrLst/>
+    <dgm:txFillClrLst/>
+    <dgm:txEffectClrLst/>
+  </dgm:styleLbl>
+  <dgm:styleLbl name="parChTrans2D1">
+    <dgm:fillClrLst meth="repeat">
+      <a:schemeClr val="accent1">
+        <a:tint val="60000"/>
+      </a:schemeClr>
+    </dgm:fillClrLst>
+    <dgm:linClrLst meth="repeat">
+      <a:schemeClr val="accent1">
+        <a:tint val="60000"/>
+      </a:schemeClr>
+    </dgm:linClrLst>
+    <dgm:effectClrLst/>
+    <dgm:txLinClrLst/>
+    <dgm:txFillClrLst meth="repeat">
+      <a:schemeClr val="lt1"/>
+    </dgm:txFillClrLst>
+    <dgm:txEffectClrLst/>
+  </dgm:styleLbl>
+  <dgm:styleLbl name="parChTrans2D2">
+    <dgm:fillClrLst meth="repeat">
+      <a:schemeClr val="accent1"/>
+    </dgm:fillClrLst>
+    <dgm:linClrLst meth="repeat">
+      <a:schemeClr val="accent1"/>
+    </dgm:linClrLst>
+    <dgm:effectClrLst/>
+    <dgm:txLinClrLst/>
+    <dgm:txFillClrLst meth="repeat">
+      <a:schemeClr val="lt1"/>
+    </dgm:txFillClrLst>
+    <dgm:txEffectClrLst/>
+  </dgm:styleLbl>
+  <dgm:styleLbl name="parChTrans2D3">
+    <dgm:fillClrLst meth="repeat">
+      <a:schemeClr val="accent1"/>
+    </dgm:fillClrLst>
+    <dgm:linClrLst meth="repeat">
+      <a:schemeClr val="accent1"/>
+    </dgm:linClrLst>
+    <dgm:effectClrLst/>
+    <dgm:txLinClrLst/>
+    <dgm:txFillClrLst meth="repeat">
+      <a:schemeClr val="lt1"/>
+    </dgm:txFillClrLst>
+    <dgm:txEffectClrLst/>
+  </dgm:styleLbl>
+  <dgm:styleLbl name="parChTrans2D4">
+    <dgm:fillClrLst meth="repeat">
+      <a:schemeClr val="accent1"/>
+    </dgm:fillClrLst>
+    <dgm:linClrLst meth="repeat">
+      <a:schemeClr val="accent1"/>
+    </dgm:linClrLst>
+    <dgm:effectClrLst/>
+    <dgm:txLinClrLst/>
+    <dgm:txFillClrLst meth="repeat">
+      <a:schemeClr val="lt1"/>
+    </dgm:txFillClrLst>
+    <dgm:txEffectClrLst/>
+  </dgm:styleLbl>
+  <dgm:styleLbl name="parChTrans1D1">
+    <dgm:fillClrLst meth="repeat">
+      <a:schemeClr val="accent1"/>
+    </dgm:fillClrLst>
+    <dgm:linClrLst meth="repeat">
+      <a:schemeClr val="accent1">
+        <a:shade val="60000"/>
+      </a:schemeClr>
+    </dgm:linClrLst>
+    <dgm:effectClrLst/>
+    <dgm:txLinClrLst/>
+    <dgm:txFillClrLst meth="repeat">
+      <a:schemeClr val="tx1"/>
+    </dgm:txFillClrLst>
+    <dgm:txEffectClrLst/>
+  </dgm:styleLbl>
+  <dgm:styleLbl name="parChTrans1D2">
+    <dgm:fillClrLst meth="repeat">
+      <a:schemeClr val="accent1"/>
+    </dgm:fillClrLst>
+    <dgm:linClrLst meth="repeat">
+      <a:schemeClr val="accent1">
+        <a:shade val="60000"/>
+      </a:schemeClr>
+    </dgm:linClrLst>
+    <dgm:effectClrLst/>
+    <dgm:txLinClrLst/>
+    <dgm:txFillClrLst meth="repeat">
+      <a:schemeClr val="tx1"/>
+    </dgm:txFillClrLst>
+    <dgm:txEffectClrLst/>
+  </dgm:styleLbl>
+  <dgm:styleLbl name="parChTrans1D3">
+    <dgm:fillClrLst meth="repeat">
+      <a:schemeClr val="accent1"/>
+    </dgm:fillClrLst>
+    <dgm:linClrLst meth="repeat">
+      <a:schemeClr val="accent1">
+        <a:shade val="80000"/>
+      </a:schemeClr>
+    </dgm:linClrLst>
+    <dgm:effectClrLst/>
+    <dgm:txLinClrLst/>
+    <dgm:txFillClrLst meth="repeat">
+      <a:schemeClr val="tx1"/>
+    </dgm:txFillClrLst>
+    <dgm:txEffectClrLst/>
+  </dgm:styleLbl>
+  <dgm:styleLbl name="parChTrans1D4">
+    <dgm:fillClrLst meth="repeat">
+      <a:schemeClr val="accent1"/>
+    </dgm:fillClrLst>
+    <dgm:linClrLst meth="repeat">
+      <a:schemeClr val="accent1">
+        <a:shade val="80000"/>
+      </a:schemeClr>
+    </dgm:linClrLst>
+    <dgm:effectClrLst/>
+    <dgm:txLinClrLst/>
+    <dgm:txFillClrLst meth="repeat">
+      <a:schemeClr val="tx1"/>
+    </dgm:txFillClrLst>
+    <dgm:txEffectClrLst/>
+  </dgm:styleLbl>
+  <dgm:styleLbl name="fgAcc1">
+    <dgm:fillClrLst meth="repeat">
+      <a:schemeClr val="lt1">
+        <a:alpha val="90000"/>
+      </a:schemeClr>
+    </dgm:fillClrLst>
+    <dgm:linClrLst meth="repeat">
+      <a:schemeClr val="accent1"/>
+    </dgm:linClrLst>
+    <dgm:effectClrLst/>
+    <dgm:txLinClrLst/>
+    <dgm:txFillClrLst meth="repeat">
+      <a:schemeClr val="dk1"/>
+    </dgm:txFillClrLst>
+    <dgm:txEffectClrLst/>
+  </dgm:styleLbl>
+  <dgm:styleLbl name="conFgAcc1">
+    <dgm:fillClrLst meth="repeat">
+      <a:schemeClr val="lt1">
+        <a:alpha val="90000"/>
+      </a:schemeClr>
+    </dgm:fillClrLst>
+    <dgm:linClrLst meth="repeat">
+      <a:schemeClr val="accent1"/>
+    </dgm:linClrLst>
+    <dgm:effectClrLst/>
+    <dgm:txLinClrLst/>
+    <dgm:txFillClrLst meth="repeat">
+      <a:schemeClr val="dk1"/>
+    </dgm:txFillClrLst>
+    <dgm:txEffectClrLst/>
+  </dgm:styleLbl>
+  <dgm:styleLbl name="alignAcc1">
+    <dgm:fillClrLst meth="repeat">
+      <a:schemeClr val="lt1">
+        <a:alpha val="90000"/>
+      </a:schemeClr>
+    </dgm:fillClrLst>
+    <dgm:linClrLst meth="repeat">
+      <a:schemeClr val="accent1"/>
+    </dgm:linClrLst>
+    <dgm:effectClrLst/>
+    <dgm:txLinClrLst/>
+    <dgm:txFillClrLst meth="repeat">
+      <a:schemeClr val="dk1"/>
+    </dgm:txFillClrLst>
+    <dgm:txEffectClrLst/>
+  </dgm:styleLbl>
+  <dgm:styleLbl name="trAlignAcc1">
+    <dgm:fillClrLst meth="repeat">
+      <a:schemeClr val="lt1">
+        <a:alpha val="40000"/>
+      </a:schemeClr>
+    </dgm:fillClrLst>
+    <dgm:linClrLst meth="repeat">
+      <a:schemeClr val="accent1"/>
+    </dgm:linClrLst>
+    <dgm:effectClrLst/>
+    <dgm:txLinClrLst/>
+    <dgm:txFillClrLst meth="repeat">
+      <a:schemeClr val="dk1"/>
+    </dgm:txFillClrLst>
+    <dgm:txEffectClrLst/>
+  </dgm:styleLbl>
+  <dgm:styleLbl name="bgAcc1">
+    <dgm:fillClrLst meth="repeat">
+      <a:schemeClr val="lt1">
+        <a:alpha val="90000"/>
+      </a:schemeClr>
+    </dgm:fillClrLst>
+    <dgm:linClrLst meth="repeat">
+      <a:schemeClr val="accent1"/>
+    </dgm:linClrLst>
+    <dgm:effectClrLst/>
+    <dgm:txLinClrLst/>
+    <dgm:txFillClrLst meth="repeat">
+      <a:schemeClr val="dk1"/>
+    </dgm:txFillClrLst>
+    <dgm:txEffectClrLst/>
+  </dgm:styleLbl>
+  <dgm:styleLbl name="solidFgAcc1">
+    <dgm:fillClrLst meth="repeat">
+      <a:schemeClr val="lt1"/>
+    </dgm:fillClrLst>
+    <dgm:linClrLst meth="repeat">
+      <a:schemeClr val="accent1"/>
+    </dgm:linClrLst>
+    <dgm:effectClrLst/>
+    <dgm:txLinClrLst/>
+    <dgm:txFillClrLst meth="repeat">
+      <a:schemeClr val="dk1"/>
+    </dgm:txFillClrLst>
+    <dgm:txEffectClrLst/>
+  </dgm:styleLbl>
+  <dgm:styleLbl name="solidAlignAcc1">
+    <dgm:fillClrLst meth="repeat">
+      <a:schemeClr val="lt1"/>
+    </dgm:fillClrLst>
+    <dgm:linClrLst meth="repeat">
+      <a:schemeClr val="accent1"/>
+    </dgm:linClrLst>
+    <dgm:effectClrLst/>
+    <dgm:txLinClrLst/>
+    <dgm:txFillClrLst meth="repeat">
+      <a:schemeClr val="dk1"/>
+    </dgm:txFillClrLst>
+    <dgm:txEffectClrLst/>
+  </dgm:styleLbl>
+  <dgm:styleLbl name="solidBgAcc1">
+    <dgm:fillClrLst meth="repeat">
+      <a:schemeClr val="lt1"/>
+    </dgm:fillClrLst>
+    <dgm:linClrLst meth="repeat">
+      <a:schemeClr val="accent1"/>
+    </dgm:linClrLst>
+    <dgm:effectClrLst/>
+    <dgm:txLinClrLst/>
+    <dgm:txFillClrLst meth="repeat">
+      <a:schemeClr val="dk1"/>
+    </dgm:txFillClrLst>
+    <dgm:txEffectClrLst/>
+  </dgm:styleLbl>
+  <dgm:styleLbl name="fgAccFollowNode1">
+    <dgm:fillClrLst meth="repeat">
+      <a:schemeClr val="accent1">
+        <a:alpha val="90000"/>
+        <a:tint val="40000"/>
+      </a:schemeClr>
+    </dgm:fillClrLst>
+    <dgm:linClrLst meth="repeat">
+      <a:schemeClr val="accent1">
+        <a:alpha val="90000"/>
+        <a:tint val="40000"/>
+      </a:schemeClr>
+    </dgm:linClrLst>
+    <dgm:effectClrLst/>
+    <dgm:txLinClrLst/>
+    <dgm:txFillClrLst meth="repeat">
+      <a:schemeClr val="dk1"/>
+    </dgm:txFillClrLst>
+    <dgm:txEffectClrLst/>
+  </dgm:styleLbl>
+  <dgm:styleLbl name="alignAccFollowNode1">
+    <dgm:fillClrLst meth="repeat">
+      <a:schemeClr val="accent1">
+        <a:alpha val="90000"/>
+        <a:tint val="40000"/>
+      </a:schemeClr>
+    </dgm:fillClrLst>
+    <dgm:linClrLst meth="repeat">
+      <a:schemeClr val="accent1">
+        <a:alpha val="90000"/>
+        <a:tint val="40000"/>
+      </a:schemeClr>
+    </dgm:linClrLst>
+    <dgm:effectClrLst/>
+    <dgm:txLinClrLst/>
+    <dgm:txFillClrLst meth="repeat">
+      <a:schemeClr val="dk1"/>
+    </dgm:txFillClrLst>
+    <dgm:txEffectClrLst/>
+  </dgm:styleLbl>
+  <dgm:styleLbl name="bgAccFollowNode1">
+    <dgm:fillClrLst meth="repeat">
+      <a:schemeClr val="accent1">
+        <a:alpha val="90000"/>
+        <a:tint val="40000"/>
+      </a:schemeClr>
+    </dgm:fillClrLst>
+    <dgm:linClrLst meth="repeat">
+      <a:schemeClr val="accent1">
+        <a:alpha val="90000"/>
+        <a:tint val="40000"/>
+      </a:schemeClr>
+    </dgm:linClrLst>
+    <dgm:effectClrLst/>
+    <dgm:txLinClrLst/>
+    <dgm:txFillClrLst meth="repeat">
+      <a:schemeClr val="dk1"/>
+    </dgm:txFillClrLst>
+    <dgm:txEffectClrLst/>
+  </dgm:styleLbl>
+  <dgm:styleLbl name="fgAcc0">
+    <dgm:fillClrLst meth="repeat">
+      <a:schemeClr val="lt1">
+        <a:alpha val="90000"/>
+      </a:schemeClr>
+    </dgm:fillClrLst>
+    <dgm:linClrLst meth="repeat">
+      <a:schemeClr val="accent1"/>
+    </dgm:linClrLst>
+    <dgm:effectClrLst/>
+    <dgm:txLinClrLst/>
+    <dgm:txFillClrLst meth="repeat">
+      <a:schemeClr val="dk1"/>
+    </dgm:txFillClrLst>
+    <dgm:txEffectClrLst/>
+  </dgm:styleLbl>
+  <dgm:styleLbl name="fgAcc2">
+    <dgm:fillClrLst meth="repeat">
+      <a:schemeClr val="lt1">
+        <a:alpha val="90000"/>
+      </a:schemeClr>
+    </dgm:fillClrLst>
+    <dgm:linClrLst meth="repeat">
+      <a:schemeClr val="accent1"/>
+    </dgm:linClrLst>
+    <dgm:effectClrLst/>
+    <dgm:txLinClrLst/>
+    <dgm:txFillClrLst meth="repeat">
+      <a:schemeClr val="dk1"/>
+    </dgm:txFillClrLst>
+    <dgm:txEffectClrLst/>
+  </dgm:styleLbl>
+  <dgm:styleLbl name="fgAcc3">
+    <dgm:fillClrLst meth="repeat">
+      <a:schemeClr val="lt1">
+        <a:alpha val="90000"/>
+      </a:schemeClr>
+    </dgm:fillClrLst>
+    <dgm:linClrLst meth="repeat">
+      <a:schemeClr val="accent1"/>
+    </dgm:linClrLst>
+    <dgm:effectClrLst/>
+    <dgm:txLinClrLst/>
+    <dgm:txFillClrLst meth="repeat">
+      <a:schemeClr val="dk1"/>
+    </dgm:txFillClrLst>
+    <dgm:txEffectClrLst/>
+  </dgm:styleLbl>
+  <dgm:styleLbl name="fgAcc4">
+    <dgm:fillClrLst meth="repeat">
+      <a:schemeClr val="lt1">
+        <a:alpha val="90000"/>
+      </a:schemeClr>
+    </dgm:fillClrLst>
+    <dgm:linClrLst meth="repeat">
+      <a:schemeClr val="accent1"/>
+    </dgm:linClrLst>
+    <dgm:effectClrLst/>
+    <dgm:txLinClrLst/>
+    <dgm:txFillClrLst meth="repeat">
+      <a:schemeClr val="dk1"/>
+    </dgm:txFillClrLst>
+    <dgm:txEffectClrLst/>
+  </dgm:styleLbl>
+  <dgm:styleLbl name="bgShp">
+    <dgm:fillClrLst meth="repeat">
+      <a:schemeClr val="accent1">
+        <a:tint val="40000"/>
+      </a:schemeClr>
+    </dgm:fillClrLst>
+    <dgm:linClrLst meth="repeat">
+      <a:schemeClr val="accent1"/>
+    </dgm:linClrLst>
+    <dgm:effectClrLst/>
+    <dgm:txLinClrLst/>
+    <dgm:txFillClrLst meth="repeat">
+      <a:schemeClr val="dk1"/>
+    </dgm:txFillClrLst>
+    <dgm:txEffectClrLst/>
+  </dgm:styleLbl>
+  <dgm:styleLbl name="dkBgShp">
+    <dgm:fillClrLst meth="repeat">
+      <a:schemeClr val="accent1">
+        <a:shade val="80000"/>
+      </a:schemeClr>
+    </dgm:fillClrLst>
+    <dgm:linClrLst meth="repeat">
+      <a:schemeClr val="accent1"/>
+    </dgm:linClrLst>
+    <dgm:effectClrLst/>
+    <dgm:txLinClrLst/>
+    <dgm:txFillClrLst meth="repeat">
+      <a:schemeClr val="lt1"/>
+    </dgm:txFillClrLst>
+    <dgm:txEffectClrLst/>
+  </dgm:styleLbl>
+  <dgm:styleLbl name="trBgShp">
+    <dgm:fillClrLst meth="repeat">
+      <a:schemeClr val="accent1">
+        <a:tint val="50000"/>
+        <a:alpha val="40000"/>
+      </a:schemeClr>
+    </dgm:fillClrLst>
+    <dgm:linClrLst meth="repeat">
+      <a:schemeClr val="accent1"/>
+    </dgm:linClrLst>
+    <dgm:effectClrLst/>
+    <dgm:txLinClrLst/>
+    <dgm:txFillClrLst meth="repeat">
+      <a:schemeClr val="lt1"/>
+    </dgm:txFillClrLst>
+    <dgm:txEffectClrLst/>
+  </dgm:styleLbl>
+  <dgm:styleLbl name="fgShp">
+    <dgm:fillClrLst meth="repeat">
+      <a:schemeClr val="accent1">
+        <a:tint val="60000"/>
+      </a:schemeClr>
+    </dgm:fillClrLst>
+    <dgm:linClrLst meth="repeat">
+      <a:schemeClr val="lt1"/>
+    </dgm:linClrLst>
+    <dgm:effectClrLst/>
+    <dgm:txLinClrLst/>
+    <dgm:txFillClrLst meth="repeat">
+      <a:schemeClr val="dk1"/>
+    </dgm:txFillClrLst>
+    <dgm:txEffectClrLst/>
+  </dgm:styleLbl>
+  <dgm:styleLbl name="revTx">
+    <dgm:fillClrLst meth="repeat">
+      <a:schemeClr val="lt1">
+        <a:alpha val="0"/>
+      </a:schemeClr>
+    </dgm:fillClrLst>
+    <dgm:linClrLst meth="repeat">
+      <a:schemeClr val="dk1">
+        <a:alpha val="0"/>
+      </a:schemeClr>
+    </dgm:linClrLst>
+    <dgm:effectClrLst/>
+    <dgm:txLinClrLst/>
+    <dgm:txFillClrLst meth="repeat">
+      <a:schemeClr val="tx1"/>
+    </dgm:txFillClrLst>
+    <dgm:txEffectClrLst/>
+  </dgm:styleLbl>
+</dgm:colorsDef>
+</file>
+
+<file path=ppt/diagrams/colors3.xml><?xml version="1.0" encoding="utf-8"?>
 <dgm:colorsDef xmlns:dgm="http://schemas.openxmlformats.org/drawingml/2006/diagram" xmlns:a="http://schemas.openxmlformats.org/drawingml/2006/main" uniqueId="urn:microsoft.com/office/officeart/2005/8/colors/accent1_2">
   <dgm:title val=""/>
   <dgm:desc val=""/>
@@ -1930,6 +2679,13 @@
         </dgm:presLayoutVars>
       </dgm:prSet>
       <dgm:spPr/>
+      <dgm:t>
+        <a:bodyPr/>
+        <a:lstStyle/>
+        <a:p>
+          <a:endParaRPr lang="en-US"/>
+        </a:p>
+      </dgm:t>
     </dgm:pt>
     <dgm:pt modelId="{02637D9C-A960-4B41-9F1C-9CA948F8EA64}" type="pres">
       <dgm:prSet presAssocID="{123D657C-F612-4B7B-9139-2E9ED766C1EB}" presName="composite" presStyleCnt="0"/>
@@ -1943,6 +2699,13 @@
         </dgm:presLayoutVars>
       </dgm:prSet>
       <dgm:spPr/>
+      <dgm:t>
+        <a:bodyPr/>
+        <a:lstStyle/>
+        <a:p>
+          <a:endParaRPr lang="en-US"/>
+        </a:p>
+      </dgm:t>
     </dgm:pt>
     <dgm:pt modelId="{ABC29AC8-A386-4691-853C-2933C21F47B1}" type="pres">
       <dgm:prSet presAssocID="{123D657C-F612-4B7B-9139-2E9ED766C1EB}" presName="descendantText" presStyleLbl="alignAcc1" presStyleIdx="0" presStyleCnt="4">
@@ -1951,6 +2714,13 @@
         </dgm:presLayoutVars>
       </dgm:prSet>
       <dgm:spPr/>
+      <dgm:t>
+        <a:bodyPr/>
+        <a:lstStyle/>
+        <a:p>
+          <a:endParaRPr lang="en-US"/>
+        </a:p>
+      </dgm:t>
     </dgm:pt>
     <dgm:pt modelId="{0D2CAEA8-6ADD-4691-AB37-DAB164BD5137}" type="pres">
       <dgm:prSet presAssocID="{FF560CAF-1AA5-45CB-983B-B544582BBD49}" presName="sp" presStyleCnt="0"/>
@@ -1968,6 +2738,13 @@
         </dgm:presLayoutVars>
       </dgm:prSet>
       <dgm:spPr/>
+      <dgm:t>
+        <a:bodyPr/>
+        <a:lstStyle/>
+        <a:p>
+          <a:endParaRPr lang="en-US"/>
+        </a:p>
+      </dgm:t>
     </dgm:pt>
     <dgm:pt modelId="{14E3FE33-9A55-48DA-9069-032F908F9BD6}" type="pres">
       <dgm:prSet presAssocID="{72F061D7-94C7-4714-AB9A-48A10A64DDB7}" presName="descendantText" presStyleLbl="alignAcc1" presStyleIdx="1" presStyleCnt="4">
@@ -1976,6 +2753,13 @@
         </dgm:presLayoutVars>
       </dgm:prSet>
       <dgm:spPr/>
+      <dgm:t>
+        <a:bodyPr/>
+        <a:lstStyle/>
+        <a:p>
+          <a:endParaRPr lang="en-US"/>
+        </a:p>
+      </dgm:t>
     </dgm:pt>
     <dgm:pt modelId="{E755B0F8-20E2-4523-94CE-691F1D3AF153}" type="pres">
       <dgm:prSet presAssocID="{FA30737A-E318-4E0A-AD6C-CB4840AAE8EA}" presName="sp" presStyleCnt="0"/>
@@ -1993,6 +2777,13 @@
         </dgm:presLayoutVars>
       </dgm:prSet>
       <dgm:spPr/>
+      <dgm:t>
+        <a:bodyPr/>
+        <a:lstStyle/>
+        <a:p>
+          <a:endParaRPr lang="en-US"/>
+        </a:p>
+      </dgm:t>
     </dgm:pt>
     <dgm:pt modelId="{5E6B47BE-1879-4F11-B511-4EB1CC39F0B0}" type="pres">
       <dgm:prSet presAssocID="{566B8628-A2B0-4C48-9523-FA97E89CCFE0}" presName="descendantText" presStyleLbl="alignAcc1" presStyleIdx="2" presStyleCnt="4">
@@ -2001,6 +2792,13 @@
         </dgm:presLayoutVars>
       </dgm:prSet>
       <dgm:spPr/>
+      <dgm:t>
+        <a:bodyPr/>
+        <a:lstStyle/>
+        <a:p>
+          <a:endParaRPr lang="en-US"/>
+        </a:p>
+      </dgm:t>
     </dgm:pt>
     <dgm:pt modelId="{BF29FDA4-B25A-4FCA-B377-C6F3BA92DEB1}" type="pres">
       <dgm:prSet presAssocID="{A3C8102F-E480-49F8-A76C-F2B22F60A814}" presName="sp" presStyleCnt="0"/>
@@ -2018,6 +2816,13 @@
         </dgm:presLayoutVars>
       </dgm:prSet>
       <dgm:spPr/>
+      <dgm:t>
+        <a:bodyPr/>
+        <a:lstStyle/>
+        <a:p>
+          <a:endParaRPr lang="en-US"/>
+        </a:p>
+      </dgm:t>
     </dgm:pt>
     <dgm:pt modelId="{16BD8B98-D9F0-4426-9A32-8FC752C746F7}" type="pres">
       <dgm:prSet presAssocID="{636816DC-87B1-4FFB-867E-BBE061841ABD}" presName="descendantText" presStyleLbl="alignAcc1" presStyleIdx="3" presStyleCnt="4">
@@ -2026,26 +2831,33 @@
         </dgm:presLayoutVars>
       </dgm:prSet>
       <dgm:spPr/>
+      <dgm:t>
+        <a:bodyPr/>
+        <a:lstStyle/>
+        <a:p>
+          <a:endParaRPr lang="en-US"/>
+        </a:p>
+      </dgm:t>
     </dgm:pt>
   </dgm:ptLst>
   <dgm:cxnLst>
-    <dgm:cxn modelId="{19B36318-8445-453B-BCD0-3A5014CDC74C}" srcId="{566B8628-A2B0-4C48-9523-FA97E89CCFE0}" destId="{9450EBF9-C308-4970-852A-FCDFD650ABAF}" srcOrd="0" destOrd="0" parTransId="{EF1BC739-245B-4610-BAEC-82E1A4C6E829}" sibTransId="{4CD95D47-4426-4B41-9BBE-5E556D2605CF}"/>
-    <dgm:cxn modelId="{7015D93D-076D-40C7-87FF-57EF17A605FC}" type="presOf" srcId="{BFB7A6F8-E239-424B-BB9A-2C360B9204C0}" destId="{79CB5075-BA48-4B21-A973-48ED0D57125C}" srcOrd="0" destOrd="0" presId="urn:microsoft.com/office/officeart/2005/8/layout/chevron2"/>
-    <dgm:cxn modelId="{10973F67-2F06-4972-9065-5A2EE735FE96}" srcId="{636816DC-87B1-4FFB-867E-BBE061841ABD}" destId="{A77E825B-A4BB-4CF7-8351-C001A1779FED}" srcOrd="0" destOrd="0" parTransId="{B34CAA83-0BB6-44C2-8A3E-71294C96D3DE}" sibTransId="{18FD56A3-5934-4DA6-A8DB-0096EDF51483}"/>
-    <dgm:cxn modelId="{5E7F2D6E-7063-4FCE-8051-C7F2AE073B3A}" type="presOf" srcId="{56E24188-B477-4232-9836-45008C24CD4D}" destId="{14E3FE33-9A55-48DA-9069-032F908F9BD6}" srcOrd="0" destOrd="0" presId="urn:microsoft.com/office/officeart/2005/8/layout/chevron2"/>
     <dgm:cxn modelId="{C8EBF77A-3638-44D4-9D3E-D2E45D09421C}" srcId="{BFB7A6F8-E239-424B-BB9A-2C360B9204C0}" destId="{123D657C-F612-4B7B-9139-2E9ED766C1EB}" srcOrd="0" destOrd="0" parTransId="{1F033579-0063-446F-9104-40DB03849A5C}" sibTransId="{FF560CAF-1AA5-45CB-983B-B544582BBD49}"/>
-    <dgm:cxn modelId="{9E27457F-1F95-42CE-8ECF-49037E80381E}" type="presOf" srcId="{A29652BD-F85A-49A4-8894-D26179FD2791}" destId="{ABC29AC8-A386-4691-853C-2933C21F47B1}" srcOrd="0" destOrd="0" presId="urn:microsoft.com/office/officeart/2005/8/layout/chevron2"/>
-    <dgm:cxn modelId="{EB689D83-DD11-4471-8DB0-3D4C08BFA344}" type="presOf" srcId="{72F061D7-94C7-4714-AB9A-48A10A64DDB7}" destId="{D6EC95C1-3276-43A4-BE1E-167790E00098}" srcOrd="0" destOrd="0" presId="urn:microsoft.com/office/officeart/2005/8/layout/chevron2"/>
-    <dgm:cxn modelId="{7D783C93-F988-4A49-9636-88B13E8E9BA7}" srcId="{BFB7A6F8-E239-424B-BB9A-2C360B9204C0}" destId="{566B8628-A2B0-4C48-9523-FA97E89CCFE0}" srcOrd="2" destOrd="0" parTransId="{AB3FC260-F1E7-462A-BBA0-CED448853EBD}" sibTransId="{A3C8102F-E480-49F8-A76C-F2B22F60A814}"/>
-    <dgm:cxn modelId="{DAECF793-5525-4C73-A1EF-86E3C1C25C3D}" type="presOf" srcId="{123D657C-F612-4B7B-9139-2E9ED766C1EB}" destId="{1378324E-114E-4A2C-B5AC-7BFE54FF2DE7}" srcOrd="0" destOrd="0" presId="urn:microsoft.com/office/officeart/2005/8/layout/chevron2"/>
-    <dgm:cxn modelId="{ECC4B3BA-DFA7-4981-83A4-1C2A41A32834}" srcId="{123D657C-F612-4B7B-9139-2E9ED766C1EB}" destId="{A29652BD-F85A-49A4-8894-D26179FD2791}" srcOrd="0" destOrd="0" parTransId="{78BF352C-27A3-4EB7-849D-DAB5071F2A9E}" sibTransId="{6EB9DD74-5700-4EC1-96A3-440681F4FCF4}"/>
-    <dgm:cxn modelId="{7A3B94BC-EC21-417E-BF7E-F8C460224DB5}" type="presOf" srcId="{A77E825B-A4BB-4CF7-8351-C001A1779FED}" destId="{16BD8B98-D9F0-4426-9A32-8FC752C746F7}" srcOrd="0" destOrd="0" presId="urn:microsoft.com/office/officeart/2005/8/layout/chevron2"/>
-    <dgm:cxn modelId="{415EEFBC-3D45-4E0B-B568-9F2A6DE21516}" srcId="{72F061D7-94C7-4714-AB9A-48A10A64DDB7}" destId="{56E24188-B477-4232-9836-45008C24CD4D}" srcOrd="0" destOrd="0" parTransId="{E37A8C4A-04AB-4C96-9B59-E27E97289B3A}" sibTransId="{006056A8-2488-4228-A240-A8F44B6E2741}"/>
-    <dgm:cxn modelId="{3E6C0DD3-208C-48B3-8B60-EB8E349CAC7A}" type="presOf" srcId="{636816DC-87B1-4FFB-867E-BBE061841ABD}" destId="{52C7AC44-4E7C-4C15-83FD-3E867BF175A7}" srcOrd="0" destOrd="0" presId="urn:microsoft.com/office/officeart/2005/8/layout/chevron2"/>
-    <dgm:cxn modelId="{752FDFDF-7C5E-404A-A1A0-A0780001F02B}" srcId="{BFB7A6F8-E239-424B-BB9A-2C360B9204C0}" destId="{72F061D7-94C7-4714-AB9A-48A10A64DDB7}" srcOrd="1" destOrd="0" parTransId="{742BF0DB-6031-46F0-B358-98382C48E02F}" sibTransId="{FA30737A-E318-4E0A-AD6C-CB4840AAE8EA}"/>
-    <dgm:cxn modelId="{176734E7-0B0C-42F9-BEF4-E0729A5B2C55}" type="presOf" srcId="{9450EBF9-C308-4970-852A-FCDFD650ABAF}" destId="{5E6B47BE-1879-4F11-B511-4EB1CC39F0B0}" srcOrd="0" destOrd="0" presId="urn:microsoft.com/office/officeart/2005/8/layout/chevron2"/>
     <dgm:cxn modelId="{F286E7ED-722B-446D-84B2-803840078F5D}" srcId="{BFB7A6F8-E239-424B-BB9A-2C360B9204C0}" destId="{636816DC-87B1-4FFB-867E-BBE061841ABD}" srcOrd="3" destOrd="0" parTransId="{D6A35670-69D6-495A-B79A-C375BDE06D3B}" sibTransId="{3BB301D1-EE70-46BD-9A62-FE6E7B681F1E}"/>
     <dgm:cxn modelId="{62C7D1F4-7855-4404-BF57-5386F87EAC7B}" type="presOf" srcId="{566B8628-A2B0-4C48-9523-FA97E89CCFE0}" destId="{F49734FD-3E2A-4EBE-9998-F3C81CF274E0}" srcOrd="0" destOrd="0" presId="urn:microsoft.com/office/officeart/2005/8/layout/chevron2"/>
+    <dgm:cxn modelId="{176734E7-0B0C-42F9-BEF4-E0729A5B2C55}" type="presOf" srcId="{9450EBF9-C308-4970-852A-FCDFD650ABAF}" destId="{5E6B47BE-1879-4F11-B511-4EB1CC39F0B0}" srcOrd="0" destOrd="0" presId="urn:microsoft.com/office/officeart/2005/8/layout/chevron2"/>
+    <dgm:cxn modelId="{7A3B94BC-EC21-417E-BF7E-F8C460224DB5}" type="presOf" srcId="{A77E825B-A4BB-4CF7-8351-C001A1779FED}" destId="{16BD8B98-D9F0-4426-9A32-8FC752C746F7}" srcOrd="0" destOrd="0" presId="urn:microsoft.com/office/officeart/2005/8/layout/chevron2"/>
+    <dgm:cxn modelId="{ECC4B3BA-DFA7-4981-83A4-1C2A41A32834}" srcId="{123D657C-F612-4B7B-9139-2E9ED766C1EB}" destId="{A29652BD-F85A-49A4-8894-D26179FD2791}" srcOrd="0" destOrd="0" parTransId="{78BF352C-27A3-4EB7-849D-DAB5071F2A9E}" sibTransId="{6EB9DD74-5700-4EC1-96A3-440681F4FCF4}"/>
+    <dgm:cxn modelId="{DAECF793-5525-4C73-A1EF-86E3C1C25C3D}" type="presOf" srcId="{123D657C-F612-4B7B-9139-2E9ED766C1EB}" destId="{1378324E-114E-4A2C-B5AC-7BFE54FF2DE7}" srcOrd="0" destOrd="0" presId="urn:microsoft.com/office/officeart/2005/8/layout/chevron2"/>
+    <dgm:cxn modelId="{752FDFDF-7C5E-404A-A1A0-A0780001F02B}" srcId="{BFB7A6F8-E239-424B-BB9A-2C360B9204C0}" destId="{72F061D7-94C7-4714-AB9A-48A10A64DDB7}" srcOrd="1" destOrd="0" parTransId="{742BF0DB-6031-46F0-B358-98382C48E02F}" sibTransId="{FA30737A-E318-4E0A-AD6C-CB4840AAE8EA}"/>
+    <dgm:cxn modelId="{7015D93D-076D-40C7-87FF-57EF17A605FC}" type="presOf" srcId="{BFB7A6F8-E239-424B-BB9A-2C360B9204C0}" destId="{79CB5075-BA48-4B21-A973-48ED0D57125C}" srcOrd="0" destOrd="0" presId="urn:microsoft.com/office/officeart/2005/8/layout/chevron2"/>
+    <dgm:cxn modelId="{7D783C93-F988-4A49-9636-88B13E8E9BA7}" srcId="{BFB7A6F8-E239-424B-BB9A-2C360B9204C0}" destId="{566B8628-A2B0-4C48-9523-FA97E89CCFE0}" srcOrd="2" destOrd="0" parTransId="{AB3FC260-F1E7-462A-BBA0-CED448853EBD}" sibTransId="{A3C8102F-E480-49F8-A76C-F2B22F60A814}"/>
+    <dgm:cxn modelId="{10973F67-2F06-4972-9065-5A2EE735FE96}" srcId="{636816DC-87B1-4FFB-867E-BBE061841ABD}" destId="{A77E825B-A4BB-4CF7-8351-C001A1779FED}" srcOrd="0" destOrd="0" parTransId="{B34CAA83-0BB6-44C2-8A3E-71294C96D3DE}" sibTransId="{18FD56A3-5934-4DA6-A8DB-0096EDF51483}"/>
+    <dgm:cxn modelId="{EB689D83-DD11-4471-8DB0-3D4C08BFA344}" type="presOf" srcId="{72F061D7-94C7-4714-AB9A-48A10A64DDB7}" destId="{D6EC95C1-3276-43A4-BE1E-167790E00098}" srcOrd="0" destOrd="0" presId="urn:microsoft.com/office/officeart/2005/8/layout/chevron2"/>
+    <dgm:cxn modelId="{5E7F2D6E-7063-4FCE-8051-C7F2AE073B3A}" type="presOf" srcId="{56E24188-B477-4232-9836-45008C24CD4D}" destId="{14E3FE33-9A55-48DA-9069-032F908F9BD6}" srcOrd="0" destOrd="0" presId="urn:microsoft.com/office/officeart/2005/8/layout/chevron2"/>
+    <dgm:cxn modelId="{3E6C0DD3-208C-48B3-8B60-EB8E349CAC7A}" type="presOf" srcId="{636816DC-87B1-4FFB-867E-BBE061841ABD}" destId="{52C7AC44-4E7C-4C15-83FD-3E867BF175A7}" srcOrd="0" destOrd="0" presId="urn:microsoft.com/office/officeart/2005/8/layout/chevron2"/>
+    <dgm:cxn modelId="{415EEFBC-3D45-4E0B-B568-9F2A6DE21516}" srcId="{72F061D7-94C7-4714-AB9A-48A10A64DDB7}" destId="{56E24188-B477-4232-9836-45008C24CD4D}" srcOrd="0" destOrd="0" parTransId="{E37A8C4A-04AB-4C96-9B59-E27E97289B3A}" sibTransId="{006056A8-2488-4228-A240-A8F44B6E2741}"/>
+    <dgm:cxn modelId="{19B36318-8445-453B-BCD0-3A5014CDC74C}" srcId="{566B8628-A2B0-4C48-9523-FA97E89CCFE0}" destId="{9450EBF9-C308-4970-852A-FCDFD650ABAF}" srcOrd="0" destOrd="0" parTransId="{EF1BC739-245B-4610-BAEC-82E1A4C6E829}" sibTransId="{4CD95D47-4426-4B41-9BBE-5E556D2605CF}"/>
+    <dgm:cxn modelId="{9E27457F-1F95-42CE-8ECF-49037E80381E}" type="presOf" srcId="{A29652BD-F85A-49A4-8894-D26179FD2791}" destId="{ABC29AC8-A386-4691-853C-2933C21F47B1}" srcOrd="0" destOrd="0" presId="urn:microsoft.com/office/officeart/2005/8/layout/chevron2"/>
     <dgm:cxn modelId="{C6A180BC-4F6D-47E9-AF43-9309F529CA67}" type="presParOf" srcId="{79CB5075-BA48-4B21-A973-48ED0D57125C}" destId="{02637D9C-A960-4B41-9F1C-9CA948F8EA64}" srcOrd="0" destOrd="0" presId="urn:microsoft.com/office/officeart/2005/8/layout/chevron2"/>
     <dgm:cxn modelId="{7BC77A33-304B-4F39-857C-484A8099A99E}" type="presParOf" srcId="{02637D9C-A960-4B41-9F1C-9CA948F8EA64}" destId="{1378324E-114E-4A2C-B5AC-7BFE54FF2DE7}" srcOrd="0" destOrd="0" presId="urn:microsoft.com/office/officeart/2005/8/layout/chevron2"/>
     <dgm:cxn modelId="{B36D7E91-5E7E-4DD7-81C3-544FD70948A5}" type="presParOf" srcId="{02637D9C-A960-4B41-9F1C-9CA948F8EA64}" destId="{ABC29AC8-A386-4691-853C-2933C21F47B1}" srcOrd="1" destOrd="0" presId="urn:microsoft.com/office/officeart/2005/8/layout/chevron2"/>
@@ -2347,8 +3159,13 @@
         <a:p>
           <a:r>
             <a:rPr lang="en-US" dirty="0"/>
-            <a:t>Applied the SVM algorithm in order to make three clusters which is an supervised learning algorithm</a:t>
+            <a:t>Applied the SVM algorithm </a:t>
           </a:r>
+          <a:r>
+            <a:rPr lang="en-US" dirty="0" smtClean="0"/>
+            <a:t>to train and test the randomized image samples</a:t>
+          </a:r>
+          <a:endParaRPr lang="en-US" dirty="0"/>
         </a:p>
       </dgm:t>
     </dgm:pt>
@@ -2383,6 +3200,13 @@
         </dgm:presLayoutVars>
       </dgm:prSet>
       <dgm:spPr/>
+      <dgm:t>
+        <a:bodyPr/>
+        <a:lstStyle/>
+        <a:p>
+          <a:endParaRPr lang="en-US"/>
+        </a:p>
+      </dgm:t>
     </dgm:pt>
     <dgm:pt modelId="{02637D9C-A960-4B41-9F1C-9CA948F8EA64}" type="pres">
       <dgm:prSet presAssocID="{123D657C-F612-4B7B-9139-2E9ED766C1EB}" presName="composite" presStyleCnt="0"/>
@@ -2396,6 +3220,13 @@
         </dgm:presLayoutVars>
       </dgm:prSet>
       <dgm:spPr/>
+      <dgm:t>
+        <a:bodyPr/>
+        <a:lstStyle/>
+        <a:p>
+          <a:endParaRPr lang="en-US"/>
+        </a:p>
+      </dgm:t>
     </dgm:pt>
     <dgm:pt modelId="{ABC29AC8-A386-4691-853C-2933C21F47B1}" type="pres">
       <dgm:prSet presAssocID="{123D657C-F612-4B7B-9139-2E9ED766C1EB}" presName="descendantText" presStyleLbl="alignAcc1" presStyleIdx="0" presStyleCnt="4">
@@ -2404,6 +3235,13 @@
         </dgm:presLayoutVars>
       </dgm:prSet>
       <dgm:spPr/>
+      <dgm:t>
+        <a:bodyPr/>
+        <a:lstStyle/>
+        <a:p>
+          <a:endParaRPr lang="en-US"/>
+        </a:p>
+      </dgm:t>
     </dgm:pt>
     <dgm:pt modelId="{0D2CAEA8-6ADD-4691-AB37-DAB164BD5137}" type="pres">
       <dgm:prSet presAssocID="{FF560CAF-1AA5-45CB-983B-B544582BBD49}" presName="sp" presStyleCnt="0"/>
@@ -2421,6 +3259,13 @@
         </dgm:presLayoutVars>
       </dgm:prSet>
       <dgm:spPr/>
+      <dgm:t>
+        <a:bodyPr/>
+        <a:lstStyle/>
+        <a:p>
+          <a:endParaRPr lang="en-US"/>
+        </a:p>
+      </dgm:t>
     </dgm:pt>
     <dgm:pt modelId="{14E3FE33-9A55-48DA-9069-032F908F9BD6}" type="pres">
       <dgm:prSet presAssocID="{72F061D7-94C7-4714-AB9A-48A10A64DDB7}" presName="descendantText" presStyleLbl="alignAcc1" presStyleIdx="1" presStyleCnt="4">
@@ -2429,6 +3274,13 @@
         </dgm:presLayoutVars>
       </dgm:prSet>
       <dgm:spPr/>
+      <dgm:t>
+        <a:bodyPr/>
+        <a:lstStyle/>
+        <a:p>
+          <a:endParaRPr lang="en-US"/>
+        </a:p>
+      </dgm:t>
     </dgm:pt>
     <dgm:pt modelId="{E755B0F8-20E2-4523-94CE-691F1D3AF153}" type="pres">
       <dgm:prSet presAssocID="{FA30737A-E318-4E0A-AD6C-CB4840AAE8EA}" presName="sp" presStyleCnt="0"/>
@@ -2446,6 +3298,13 @@
         </dgm:presLayoutVars>
       </dgm:prSet>
       <dgm:spPr/>
+      <dgm:t>
+        <a:bodyPr/>
+        <a:lstStyle/>
+        <a:p>
+          <a:endParaRPr lang="en-US"/>
+        </a:p>
+      </dgm:t>
     </dgm:pt>
     <dgm:pt modelId="{5E6B47BE-1879-4F11-B511-4EB1CC39F0B0}" type="pres">
       <dgm:prSet presAssocID="{566B8628-A2B0-4C48-9523-FA97E89CCFE0}" presName="descendantText" presStyleLbl="alignAcc1" presStyleIdx="2" presStyleCnt="4">
@@ -2454,6 +3313,13 @@
         </dgm:presLayoutVars>
       </dgm:prSet>
       <dgm:spPr/>
+      <dgm:t>
+        <a:bodyPr/>
+        <a:lstStyle/>
+        <a:p>
+          <a:endParaRPr lang="en-US"/>
+        </a:p>
+      </dgm:t>
     </dgm:pt>
     <dgm:pt modelId="{BF29FDA4-B25A-4FCA-B377-C6F3BA92DEB1}" type="pres">
       <dgm:prSet presAssocID="{A3C8102F-E480-49F8-A76C-F2B22F60A814}" presName="sp" presStyleCnt="0"/>
@@ -2471,6 +3337,13 @@
         </dgm:presLayoutVars>
       </dgm:prSet>
       <dgm:spPr/>
+      <dgm:t>
+        <a:bodyPr/>
+        <a:lstStyle/>
+        <a:p>
+          <a:endParaRPr lang="en-US"/>
+        </a:p>
+      </dgm:t>
     </dgm:pt>
     <dgm:pt modelId="{16BD8B98-D9F0-4426-9A32-8FC752C746F7}" type="pres">
       <dgm:prSet presAssocID="{636816DC-87B1-4FFB-867E-BBE061841ABD}" presName="descendantText" presStyleLbl="alignAcc1" presStyleIdx="3" presStyleCnt="4">
@@ -2479,26 +3352,33 @@
         </dgm:presLayoutVars>
       </dgm:prSet>
       <dgm:spPr/>
+      <dgm:t>
+        <a:bodyPr/>
+        <a:lstStyle/>
+        <a:p>
+          <a:endParaRPr lang="en-US"/>
+        </a:p>
+      </dgm:t>
     </dgm:pt>
   </dgm:ptLst>
   <dgm:cxnLst>
-    <dgm:cxn modelId="{19B36318-8445-453B-BCD0-3A5014CDC74C}" srcId="{566B8628-A2B0-4C48-9523-FA97E89CCFE0}" destId="{9450EBF9-C308-4970-852A-FCDFD650ABAF}" srcOrd="0" destOrd="0" parTransId="{EF1BC739-245B-4610-BAEC-82E1A4C6E829}" sibTransId="{4CD95D47-4426-4B41-9BBE-5E556D2605CF}"/>
-    <dgm:cxn modelId="{7015D93D-076D-40C7-87FF-57EF17A605FC}" type="presOf" srcId="{BFB7A6F8-E239-424B-BB9A-2C360B9204C0}" destId="{79CB5075-BA48-4B21-A973-48ED0D57125C}" srcOrd="0" destOrd="0" presId="urn:microsoft.com/office/officeart/2005/8/layout/chevron2"/>
-    <dgm:cxn modelId="{10973F67-2F06-4972-9065-5A2EE735FE96}" srcId="{636816DC-87B1-4FFB-867E-BBE061841ABD}" destId="{A77E825B-A4BB-4CF7-8351-C001A1779FED}" srcOrd="0" destOrd="0" parTransId="{B34CAA83-0BB6-44C2-8A3E-71294C96D3DE}" sibTransId="{18FD56A3-5934-4DA6-A8DB-0096EDF51483}"/>
-    <dgm:cxn modelId="{5E7F2D6E-7063-4FCE-8051-C7F2AE073B3A}" type="presOf" srcId="{56E24188-B477-4232-9836-45008C24CD4D}" destId="{14E3FE33-9A55-48DA-9069-032F908F9BD6}" srcOrd="0" destOrd="0" presId="urn:microsoft.com/office/officeart/2005/8/layout/chevron2"/>
     <dgm:cxn modelId="{C8EBF77A-3638-44D4-9D3E-D2E45D09421C}" srcId="{BFB7A6F8-E239-424B-BB9A-2C360B9204C0}" destId="{123D657C-F612-4B7B-9139-2E9ED766C1EB}" srcOrd="0" destOrd="0" parTransId="{1F033579-0063-446F-9104-40DB03849A5C}" sibTransId="{FF560CAF-1AA5-45CB-983B-B544582BBD49}"/>
-    <dgm:cxn modelId="{9E27457F-1F95-42CE-8ECF-49037E80381E}" type="presOf" srcId="{A29652BD-F85A-49A4-8894-D26179FD2791}" destId="{ABC29AC8-A386-4691-853C-2933C21F47B1}" srcOrd="0" destOrd="0" presId="urn:microsoft.com/office/officeart/2005/8/layout/chevron2"/>
-    <dgm:cxn modelId="{EB689D83-DD11-4471-8DB0-3D4C08BFA344}" type="presOf" srcId="{72F061D7-94C7-4714-AB9A-48A10A64DDB7}" destId="{D6EC95C1-3276-43A4-BE1E-167790E00098}" srcOrd="0" destOrd="0" presId="urn:microsoft.com/office/officeart/2005/8/layout/chevron2"/>
-    <dgm:cxn modelId="{7D783C93-F988-4A49-9636-88B13E8E9BA7}" srcId="{BFB7A6F8-E239-424B-BB9A-2C360B9204C0}" destId="{566B8628-A2B0-4C48-9523-FA97E89CCFE0}" srcOrd="2" destOrd="0" parTransId="{AB3FC260-F1E7-462A-BBA0-CED448853EBD}" sibTransId="{A3C8102F-E480-49F8-A76C-F2B22F60A814}"/>
-    <dgm:cxn modelId="{DAECF793-5525-4C73-A1EF-86E3C1C25C3D}" type="presOf" srcId="{123D657C-F612-4B7B-9139-2E9ED766C1EB}" destId="{1378324E-114E-4A2C-B5AC-7BFE54FF2DE7}" srcOrd="0" destOrd="0" presId="urn:microsoft.com/office/officeart/2005/8/layout/chevron2"/>
-    <dgm:cxn modelId="{ECC4B3BA-DFA7-4981-83A4-1C2A41A32834}" srcId="{123D657C-F612-4B7B-9139-2E9ED766C1EB}" destId="{A29652BD-F85A-49A4-8894-D26179FD2791}" srcOrd="0" destOrd="0" parTransId="{78BF352C-27A3-4EB7-849D-DAB5071F2A9E}" sibTransId="{6EB9DD74-5700-4EC1-96A3-440681F4FCF4}"/>
-    <dgm:cxn modelId="{7A3B94BC-EC21-417E-BF7E-F8C460224DB5}" type="presOf" srcId="{A77E825B-A4BB-4CF7-8351-C001A1779FED}" destId="{16BD8B98-D9F0-4426-9A32-8FC752C746F7}" srcOrd="0" destOrd="0" presId="urn:microsoft.com/office/officeart/2005/8/layout/chevron2"/>
-    <dgm:cxn modelId="{415EEFBC-3D45-4E0B-B568-9F2A6DE21516}" srcId="{72F061D7-94C7-4714-AB9A-48A10A64DDB7}" destId="{56E24188-B477-4232-9836-45008C24CD4D}" srcOrd="0" destOrd="0" parTransId="{E37A8C4A-04AB-4C96-9B59-E27E97289B3A}" sibTransId="{006056A8-2488-4228-A240-A8F44B6E2741}"/>
-    <dgm:cxn modelId="{3E6C0DD3-208C-48B3-8B60-EB8E349CAC7A}" type="presOf" srcId="{636816DC-87B1-4FFB-867E-BBE061841ABD}" destId="{52C7AC44-4E7C-4C15-83FD-3E867BF175A7}" srcOrd="0" destOrd="0" presId="urn:microsoft.com/office/officeart/2005/8/layout/chevron2"/>
-    <dgm:cxn modelId="{752FDFDF-7C5E-404A-A1A0-A0780001F02B}" srcId="{BFB7A6F8-E239-424B-BB9A-2C360B9204C0}" destId="{72F061D7-94C7-4714-AB9A-48A10A64DDB7}" srcOrd="1" destOrd="0" parTransId="{742BF0DB-6031-46F0-B358-98382C48E02F}" sibTransId="{FA30737A-E318-4E0A-AD6C-CB4840AAE8EA}"/>
-    <dgm:cxn modelId="{176734E7-0B0C-42F9-BEF4-E0729A5B2C55}" type="presOf" srcId="{9450EBF9-C308-4970-852A-FCDFD650ABAF}" destId="{5E6B47BE-1879-4F11-B511-4EB1CC39F0B0}" srcOrd="0" destOrd="0" presId="urn:microsoft.com/office/officeart/2005/8/layout/chevron2"/>
     <dgm:cxn modelId="{F286E7ED-722B-446D-84B2-803840078F5D}" srcId="{BFB7A6F8-E239-424B-BB9A-2C360B9204C0}" destId="{636816DC-87B1-4FFB-867E-BBE061841ABD}" srcOrd="3" destOrd="0" parTransId="{D6A35670-69D6-495A-B79A-C375BDE06D3B}" sibTransId="{3BB301D1-EE70-46BD-9A62-FE6E7B681F1E}"/>
     <dgm:cxn modelId="{62C7D1F4-7855-4404-BF57-5386F87EAC7B}" type="presOf" srcId="{566B8628-A2B0-4C48-9523-FA97E89CCFE0}" destId="{F49734FD-3E2A-4EBE-9998-F3C81CF274E0}" srcOrd="0" destOrd="0" presId="urn:microsoft.com/office/officeart/2005/8/layout/chevron2"/>
+    <dgm:cxn modelId="{176734E7-0B0C-42F9-BEF4-E0729A5B2C55}" type="presOf" srcId="{9450EBF9-C308-4970-852A-FCDFD650ABAF}" destId="{5E6B47BE-1879-4F11-B511-4EB1CC39F0B0}" srcOrd="0" destOrd="0" presId="urn:microsoft.com/office/officeart/2005/8/layout/chevron2"/>
+    <dgm:cxn modelId="{7A3B94BC-EC21-417E-BF7E-F8C460224DB5}" type="presOf" srcId="{A77E825B-A4BB-4CF7-8351-C001A1779FED}" destId="{16BD8B98-D9F0-4426-9A32-8FC752C746F7}" srcOrd="0" destOrd="0" presId="urn:microsoft.com/office/officeart/2005/8/layout/chevron2"/>
+    <dgm:cxn modelId="{ECC4B3BA-DFA7-4981-83A4-1C2A41A32834}" srcId="{123D657C-F612-4B7B-9139-2E9ED766C1EB}" destId="{A29652BD-F85A-49A4-8894-D26179FD2791}" srcOrd="0" destOrd="0" parTransId="{78BF352C-27A3-4EB7-849D-DAB5071F2A9E}" sibTransId="{6EB9DD74-5700-4EC1-96A3-440681F4FCF4}"/>
+    <dgm:cxn modelId="{DAECF793-5525-4C73-A1EF-86E3C1C25C3D}" type="presOf" srcId="{123D657C-F612-4B7B-9139-2E9ED766C1EB}" destId="{1378324E-114E-4A2C-B5AC-7BFE54FF2DE7}" srcOrd="0" destOrd="0" presId="urn:microsoft.com/office/officeart/2005/8/layout/chevron2"/>
+    <dgm:cxn modelId="{752FDFDF-7C5E-404A-A1A0-A0780001F02B}" srcId="{BFB7A6F8-E239-424B-BB9A-2C360B9204C0}" destId="{72F061D7-94C7-4714-AB9A-48A10A64DDB7}" srcOrd="1" destOrd="0" parTransId="{742BF0DB-6031-46F0-B358-98382C48E02F}" sibTransId="{FA30737A-E318-4E0A-AD6C-CB4840AAE8EA}"/>
+    <dgm:cxn modelId="{7015D93D-076D-40C7-87FF-57EF17A605FC}" type="presOf" srcId="{BFB7A6F8-E239-424B-BB9A-2C360B9204C0}" destId="{79CB5075-BA48-4B21-A973-48ED0D57125C}" srcOrd="0" destOrd="0" presId="urn:microsoft.com/office/officeart/2005/8/layout/chevron2"/>
+    <dgm:cxn modelId="{7D783C93-F988-4A49-9636-88B13E8E9BA7}" srcId="{BFB7A6F8-E239-424B-BB9A-2C360B9204C0}" destId="{566B8628-A2B0-4C48-9523-FA97E89CCFE0}" srcOrd="2" destOrd="0" parTransId="{AB3FC260-F1E7-462A-BBA0-CED448853EBD}" sibTransId="{A3C8102F-E480-49F8-A76C-F2B22F60A814}"/>
+    <dgm:cxn modelId="{10973F67-2F06-4972-9065-5A2EE735FE96}" srcId="{636816DC-87B1-4FFB-867E-BBE061841ABD}" destId="{A77E825B-A4BB-4CF7-8351-C001A1779FED}" srcOrd="0" destOrd="0" parTransId="{B34CAA83-0BB6-44C2-8A3E-71294C96D3DE}" sibTransId="{18FD56A3-5934-4DA6-A8DB-0096EDF51483}"/>
+    <dgm:cxn modelId="{EB689D83-DD11-4471-8DB0-3D4C08BFA344}" type="presOf" srcId="{72F061D7-94C7-4714-AB9A-48A10A64DDB7}" destId="{D6EC95C1-3276-43A4-BE1E-167790E00098}" srcOrd="0" destOrd="0" presId="urn:microsoft.com/office/officeart/2005/8/layout/chevron2"/>
+    <dgm:cxn modelId="{5E7F2D6E-7063-4FCE-8051-C7F2AE073B3A}" type="presOf" srcId="{56E24188-B477-4232-9836-45008C24CD4D}" destId="{14E3FE33-9A55-48DA-9069-032F908F9BD6}" srcOrd="0" destOrd="0" presId="urn:microsoft.com/office/officeart/2005/8/layout/chevron2"/>
+    <dgm:cxn modelId="{3E6C0DD3-208C-48B3-8B60-EB8E349CAC7A}" type="presOf" srcId="{636816DC-87B1-4FFB-867E-BBE061841ABD}" destId="{52C7AC44-4E7C-4C15-83FD-3E867BF175A7}" srcOrd="0" destOrd="0" presId="urn:microsoft.com/office/officeart/2005/8/layout/chevron2"/>
+    <dgm:cxn modelId="{415EEFBC-3D45-4E0B-B568-9F2A6DE21516}" srcId="{72F061D7-94C7-4714-AB9A-48A10A64DDB7}" destId="{56E24188-B477-4232-9836-45008C24CD4D}" srcOrd="0" destOrd="0" parTransId="{E37A8C4A-04AB-4C96-9B59-E27E97289B3A}" sibTransId="{006056A8-2488-4228-A240-A8F44B6E2741}"/>
+    <dgm:cxn modelId="{19B36318-8445-453B-BCD0-3A5014CDC74C}" srcId="{566B8628-A2B0-4C48-9523-FA97E89CCFE0}" destId="{9450EBF9-C308-4970-852A-FCDFD650ABAF}" srcOrd="0" destOrd="0" parTransId="{EF1BC739-245B-4610-BAEC-82E1A4C6E829}" sibTransId="{4CD95D47-4426-4B41-9BBE-5E556D2605CF}"/>
+    <dgm:cxn modelId="{9E27457F-1F95-42CE-8ECF-49037E80381E}" type="presOf" srcId="{A29652BD-F85A-49A4-8894-D26179FD2791}" destId="{ABC29AC8-A386-4691-853C-2933C21F47B1}" srcOrd="0" destOrd="0" presId="urn:microsoft.com/office/officeart/2005/8/layout/chevron2"/>
     <dgm:cxn modelId="{C6A180BC-4F6D-47E9-AF43-9309F529CA67}" type="presParOf" srcId="{79CB5075-BA48-4B21-A973-48ED0D57125C}" destId="{02637D9C-A960-4B41-9F1C-9CA948F8EA64}" srcOrd="0" destOrd="0" presId="urn:microsoft.com/office/officeart/2005/8/layout/chevron2"/>
     <dgm:cxn modelId="{7BC77A33-304B-4F39-857C-484A8099A99E}" type="presParOf" srcId="{02637D9C-A960-4B41-9F1C-9CA948F8EA64}" destId="{1378324E-114E-4A2C-B5AC-7BFE54FF2DE7}" srcOrd="0" destOrd="0" presId="urn:microsoft.com/office/officeart/2005/8/layout/chevron2"/>
     <dgm:cxn modelId="{B36D7E91-5E7E-4DD7-81C3-544FD70948A5}" type="presParOf" srcId="{02637D9C-A960-4B41-9F1C-9CA948F8EA64}" destId="{ABC29AC8-A386-4691-853C-2933C21F47B1}" srcOrd="1" destOrd="0" presId="urn:microsoft.com/office/officeart/2005/8/layout/chevron2"/>
@@ -2514,6 +3394,788 @@
     <dgm:cxn modelId="{CACBA550-2D6F-4742-9D6B-61CAD7C35E6D}" type="presParOf" srcId="{79CB5075-BA48-4B21-A973-48ED0D57125C}" destId="{876E5266-A4C6-46F3-8F7A-711C52B9B448}" srcOrd="6" destOrd="0" presId="urn:microsoft.com/office/officeart/2005/8/layout/chevron2"/>
     <dgm:cxn modelId="{F48B0AD1-600B-49B2-BE37-F51609ABD107}" type="presParOf" srcId="{876E5266-A4C6-46F3-8F7A-711C52B9B448}" destId="{52C7AC44-4E7C-4C15-83FD-3E867BF175A7}" srcOrd="0" destOrd="0" presId="urn:microsoft.com/office/officeart/2005/8/layout/chevron2"/>
     <dgm:cxn modelId="{0515C55C-8E7C-4838-9B5A-D27179A5BF6C}" type="presParOf" srcId="{876E5266-A4C6-46F3-8F7A-711C52B9B448}" destId="{16BD8B98-D9F0-4426-9A32-8FC752C746F7}" srcOrd="1" destOrd="0" presId="urn:microsoft.com/office/officeart/2005/8/layout/chevron2"/>
+  </dgm:cxnLst>
+  <dgm:bg/>
+  <dgm:whole/>
+  <dgm:extLst>
+    <a:ext uri="http://schemas.microsoft.com/office/drawing/2008/diagram">
+      <dsp:dataModelExt xmlns:dsp="http://schemas.microsoft.com/office/drawing/2008/diagram" relId="rId6" minVer="http://schemas.openxmlformats.org/drawingml/2006/diagram"/>
+    </a:ext>
+  </dgm:extLst>
+</dgm:dataModel>
+</file>
+
+<file path=ppt/diagrams/data3.xml><?xml version="1.0" encoding="utf-8"?>
+<dgm:dataModel xmlns:dgm="http://schemas.openxmlformats.org/drawingml/2006/diagram" xmlns:a="http://schemas.openxmlformats.org/drawingml/2006/main">
+  <dgm:ptLst>
+    <dgm:pt modelId="{BFB7A6F8-E239-424B-BB9A-2C360B9204C0}" type="doc">
+      <dgm:prSet loTypeId="urn:microsoft.com/office/officeart/2005/8/layout/chevron2" loCatId="list" qsTypeId="urn:microsoft.com/office/officeart/2005/8/quickstyle/simple1" qsCatId="simple" csTypeId="urn:microsoft.com/office/officeart/2005/8/colors/accent1_2" csCatId="accent1" phldr="1"/>
+      <dgm:spPr/>
+      <dgm:t>
+        <a:bodyPr/>
+        <a:lstStyle/>
+        <a:p>
+          <a:endParaRPr lang="en-US"/>
+        </a:p>
+      </dgm:t>
+    </dgm:pt>
+    <dgm:pt modelId="{123D657C-F612-4B7B-9139-2E9ED766C1EB}">
+      <dgm:prSet phldrT="[Text]"/>
+      <dgm:spPr/>
+      <dgm:t>
+        <a:bodyPr/>
+        <a:lstStyle/>
+        <a:p>
+          <a:r>
+            <a:rPr lang="en-US" dirty="0"/>
+            <a:t>Resizing the image</a:t>
+          </a:r>
+        </a:p>
+      </dgm:t>
+    </dgm:pt>
+    <dgm:pt modelId="{1F033579-0063-446F-9104-40DB03849A5C}" type="parTrans" cxnId="{C8EBF77A-3638-44D4-9D3E-D2E45D09421C}">
+      <dgm:prSet/>
+      <dgm:spPr/>
+      <dgm:t>
+        <a:bodyPr/>
+        <a:lstStyle/>
+        <a:p>
+          <a:endParaRPr lang="en-US"/>
+        </a:p>
+      </dgm:t>
+    </dgm:pt>
+    <dgm:pt modelId="{FF560CAF-1AA5-45CB-983B-B544582BBD49}" type="sibTrans" cxnId="{C8EBF77A-3638-44D4-9D3E-D2E45D09421C}">
+      <dgm:prSet/>
+      <dgm:spPr/>
+      <dgm:t>
+        <a:bodyPr/>
+        <a:lstStyle/>
+        <a:p>
+          <a:endParaRPr lang="en-US"/>
+        </a:p>
+      </dgm:t>
+    </dgm:pt>
+    <dgm:pt modelId="{A29652BD-F85A-49A4-8894-D26179FD2791}">
+      <dgm:prSet phldrT="[Text]"/>
+      <dgm:spPr/>
+      <dgm:t>
+        <a:bodyPr/>
+        <a:lstStyle/>
+        <a:p>
+          <a:r>
+            <a:rPr lang="en-US" dirty="0" smtClean="0"/>
+            <a:t>Resize the random image </a:t>
+          </a:r>
+          <a:r>
+            <a:rPr lang="en-US" dirty="0"/>
+            <a:t>to </a:t>
+          </a:r>
+          <a:r>
+            <a:rPr lang="en-US" dirty="0" smtClean="0"/>
+            <a:t>size 300</a:t>
+          </a:r>
+          <a:endParaRPr lang="en-US" dirty="0"/>
+        </a:p>
+      </dgm:t>
+    </dgm:pt>
+    <dgm:pt modelId="{78BF352C-27A3-4EB7-849D-DAB5071F2A9E}" type="parTrans" cxnId="{ECC4B3BA-DFA7-4981-83A4-1C2A41A32834}">
+      <dgm:prSet/>
+      <dgm:spPr/>
+      <dgm:t>
+        <a:bodyPr/>
+        <a:lstStyle/>
+        <a:p>
+          <a:endParaRPr lang="en-US"/>
+        </a:p>
+      </dgm:t>
+    </dgm:pt>
+    <dgm:pt modelId="{6EB9DD74-5700-4EC1-96A3-440681F4FCF4}" type="sibTrans" cxnId="{ECC4B3BA-DFA7-4981-83A4-1C2A41A32834}">
+      <dgm:prSet/>
+      <dgm:spPr/>
+      <dgm:t>
+        <a:bodyPr/>
+        <a:lstStyle/>
+        <a:p>
+          <a:endParaRPr lang="en-US"/>
+        </a:p>
+      </dgm:t>
+    </dgm:pt>
+    <dgm:pt modelId="{72F061D7-94C7-4714-AB9A-48A10A64DDB7}">
+      <dgm:prSet phldrT="[Text]"/>
+      <dgm:spPr/>
+      <dgm:t>
+        <a:bodyPr/>
+        <a:lstStyle/>
+        <a:p>
+          <a:r>
+            <a:rPr lang="en-US" dirty="0" smtClean="0"/>
+            <a:t>Canny Edge Detection </a:t>
+          </a:r>
+          <a:endParaRPr lang="en-US" dirty="0"/>
+        </a:p>
+      </dgm:t>
+    </dgm:pt>
+    <dgm:pt modelId="{742BF0DB-6031-46F0-B358-98382C48E02F}" type="parTrans" cxnId="{752FDFDF-7C5E-404A-A1A0-A0780001F02B}">
+      <dgm:prSet/>
+      <dgm:spPr/>
+      <dgm:t>
+        <a:bodyPr/>
+        <a:lstStyle/>
+        <a:p>
+          <a:endParaRPr lang="en-US"/>
+        </a:p>
+      </dgm:t>
+    </dgm:pt>
+    <dgm:pt modelId="{FA30737A-E318-4E0A-AD6C-CB4840AAE8EA}" type="sibTrans" cxnId="{752FDFDF-7C5E-404A-A1A0-A0780001F02B}">
+      <dgm:prSet/>
+      <dgm:spPr/>
+      <dgm:t>
+        <a:bodyPr/>
+        <a:lstStyle/>
+        <a:p>
+          <a:endParaRPr lang="en-US"/>
+        </a:p>
+      </dgm:t>
+    </dgm:pt>
+    <dgm:pt modelId="{56E24188-B477-4232-9836-45008C24CD4D}">
+      <dgm:prSet phldrT="[Text]"/>
+      <dgm:spPr/>
+      <dgm:t>
+        <a:bodyPr/>
+        <a:lstStyle/>
+        <a:p>
+          <a:r>
+            <a:rPr lang="en-US" dirty="0" smtClean="0"/>
+            <a:t>Apply Canny function on resized image to detect edges.</a:t>
+          </a:r>
+          <a:endParaRPr lang="en-US" dirty="0"/>
+        </a:p>
+      </dgm:t>
+    </dgm:pt>
+    <dgm:pt modelId="{E37A8C4A-04AB-4C96-9B59-E27E97289B3A}" type="parTrans" cxnId="{415EEFBC-3D45-4E0B-B568-9F2A6DE21516}">
+      <dgm:prSet/>
+      <dgm:spPr/>
+      <dgm:t>
+        <a:bodyPr/>
+        <a:lstStyle/>
+        <a:p>
+          <a:endParaRPr lang="en-US"/>
+        </a:p>
+      </dgm:t>
+    </dgm:pt>
+    <dgm:pt modelId="{006056A8-2488-4228-A240-A8F44B6E2741}" type="sibTrans" cxnId="{415EEFBC-3D45-4E0B-B568-9F2A6DE21516}">
+      <dgm:prSet/>
+      <dgm:spPr/>
+      <dgm:t>
+        <a:bodyPr/>
+        <a:lstStyle/>
+        <a:p>
+          <a:endParaRPr lang="en-US"/>
+        </a:p>
+      </dgm:t>
+    </dgm:pt>
+    <dgm:pt modelId="{566B8628-A2B0-4C48-9523-FA97E89CCFE0}">
+      <dgm:prSet phldrT="[Text]"/>
+      <dgm:spPr/>
+      <dgm:t>
+        <a:bodyPr/>
+        <a:lstStyle/>
+        <a:p>
+          <a:r>
+            <a:rPr lang="en-US" dirty="0" smtClean="0"/>
+            <a:t>Find Contours</a:t>
+          </a:r>
+          <a:endParaRPr lang="en-US" dirty="0"/>
+        </a:p>
+      </dgm:t>
+    </dgm:pt>
+    <dgm:pt modelId="{AB3FC260-F1E7-462A-BBA0-CED448853EBD}" type="parTrans" cxnId="{7D783C93-F988-4A49-9636-88B13E8E9BA7}">
+      <dgm:prSet/>
+      <dgm:spPr/>
+      <dgm:t>
+        <a:bodyPr/>
+        <a:lstStyle/>
+        <a:p>
+          <a:endParaRPr lang="en-US"/>
+        </a:p>
+      </dgm:t>
+    </dgm:pt>
+    <dgm:pt modelId="{A3C8102F-E480-49F8-A76C-F2B22F60A814}" type="sibTrans" cxnId="{7D783C93-F988-4A49-9636-88B13E8E9BA7}">
+      <dgm:prSet/>
+      <dgm:spPr/>
+      <dgm:t>
+        <a:bodyPr/>
+        <a:lstStyle/>
+        <a:p>
+          <a:endParaRPr lang="en-US"/>
+        </a:p>
+      </dgm:t>
+    </dgm:pt>
+    <dgm:pt modelId="{9450EBF9-C308-4970-852A-FCDFD650ABAF}">
+      <dgm:prSet phldrT="[Text]"/>
+      <dgm:spPr/>
+      <dgm:t>
+        <a:bodyPr/>
+        <a:lstStyle/>
+        <a:p>
+          <a:r>
+            <a:rPr lang="en-US" dirty="0" smtClean="0"/>
+            <a:t>Using </a:t>
+          </a:r>
+          <a:r>
+            <a:rPr lang="en-US" dirty="0" err="1" smtClean="0"/>
+            <a:t>OpenCV</a:t>
+          </a:r>
+          <a:r>
+            <a:rPr lang="en-US" dirty="0" smtClean="0"/>
+            <a:t> </a:t>
+          </a:r>
+          <a:r>
+            <a:rPr lang="en-US" dirty="0" err="1" smtClean="0"/>
+            <a:t>findContours</a:t>
+          </a:r>
+          <a:r>
+            <a:rPr lang="en-US" dirty="0" smtClean="0"/>
+            <a:t> to collect all image contours in the above image. </a:t>
+          </a:r>
+          <a:endParaRPr lang="en-US" dirty="0"/>
+        </a:p>
+      </dgm:t>
+    </dgm:pt>
+    <dgm:pt modelId="{EF1BC739-245B-4610-BAEC-82E1A4C6E829}" type="parTrans" cxnId="{19B36318-8445-453B-BCD0-3A5014CDC74C}">
+      <dgm:prSet/>
+      <dgm:spPr/>
+      <dgm:t>
+        <a:bodyPr/>
+        <a:lstStyle/>
+        <a:p>
+          <a:endParaRPr lang="en-US"/>
+        </a:p>
+      </dgm:t>
+    </dgm:pt>
+    <dgm:pt modelId="{4CD95D47-4426-4B41-9BBE-5E556D2605CF}" type="sibTrans" cxnId="{19B36318-8445-453B-BCD0-3A5014CDC74C}">
+      <dgm:prSet/>
+      <dgm:spPr/>
+      <dgm:t>
+        <a:bodyPr/>
+        <a:lstStyle/>
+        <a:p>
+          <a:endParaRPr lang="en-US"/>
+        </a:p>
+      </dgm:t>
+    </dgm:pt>
+    <dgm:pt modelId="{636816DC-87B1-4FFB-867E-BBE061841ABD}">
+      <dgm:prSet phldrT="[Text]"/>
+      <dgm:spPr/>
+      <dgm:t>
+        <a:bodyPr/>
+        <a:lstStyle/>
+        <a:p>
+          <a:r>
+            <a:rPr lang="en-US" dirty="0" smtClean="0"/>
+            <a:t>Extract Original Image Crops</a:t>
+          </a:r>
+          <a:endParaRPr lang="en-US" dirty="0"/>
+        </a:p>
+      </dgm:t>
+    </dgm:pt>
+    <dgm:pt modelId="{D6A35670-69D6-495A-B79A-C375BDE06D3B}" type="parTrans" cxnId="{F286E7ED-722B-446D-84B2-803840078F5D}">
+      <dgm:prSet/>
+      <dgm:spPr/>
+      <dgm:t>
+        <a:bodyPr/>
+        <a:lstStyle/>
+        <a:p>
+          <a:endParaRPr lang="en-US"/>
+        </a:p>
+      </dgm:t>
+    </dgm:pt>
+    <dgm:pt modelId="{3BB301D1-EE70-46BD-9A62-FE6E7B681F1E}" type="sibTrans" cxnId="{F286E7ED-722B-446D-84B2-803840078F5D}">
+      <dgm:prSet/>
+      <dgm:spPr/>
+      <dgm:t>
+        <a:bodyPr/>
+        <a:lstStyle/>
+        <a:p>
+          <a:endParaRPr lang="en-US"/>
+        </a:p>
+      </dgm:t>
+    </dgm:pt>
+    <dgm:pt modelId="{A77E825B-A4BB-4CF7-8351-C001A1779FED}">
+      <dgm:prSet phldrT="[Text]"/>
+      <dgm:spPr/>
+      <dgm:t>
+        <a:bodyPr/>
+        <a:lstStyle/>
+        <a:p>
+          <a:r>
+            <a:rPr lang="en-US" dirty="0" smtClean="0"/>
+            <a:t>Crop from the original image using the contour rectangles</a:t>
+          </a:r>
+          <a:endParaRPr lang="en-US" dirty="0"/>
+        </a:p>
+      </dgm:t>
+    </dgm:pt>
+    <dgm:pt modelId="{B34CAA83-0BB6-44C2-8A3E-71294C96D3DE}" type="parTrans" cxnId="{10973F67-2F06-4972-9065-5A2EE735FE96}">
+      <dgm:prSet/>
+      <dgm:spPr/>
+      <dgm:t>
+        <a:bodyPr/>
+        <a:lstStyle/>
+        <a:p>
+          <a:endParaRPr lang="en-US"/>
+        </a:p>
+      </dgm:t>
+    </dgm:pt>
+    <dgm:pt modelId="{18FD56A3-5934-4DA6-A8DB-0096EDF51483}" type="sibTrans" cxnId="{10973F67-2F06-4972-9065-5A2EE735FE96}">
+      <dgm:prSet/>
+      <dgm:spPr/>
+      <dgm:t>
+        <a:bodyPr/>
+        <a:lstStyle/>
+        <a:p>
+          <a:endParaRPr lang="en-US"/>
+        </a:p>
+      </dgm:t>
+    </dgm:pt>
+    <dgm:pt modelId="{BB7C809C-FBA3-4495-AAD4-D25E195C8118}">
+      <dgm:prSet phldrT="[Text]"/>
+      <dgm:spPr/>
+      <dgm:t>
+        <a:bodyPr/>
+        <a:lstStyle/>
+        <a:p>
+          <a:r>
+            <a:rPr lang="en-US" dirty="0" smtClean="0"/>
+            <a:t>Predict Using SVM</a:t>
+          </a:r>
+          <a:endParaRPr lang="en-US" dirty="0"/>
+        </a:p>
+      </dgm:t>
+    </dgm:pt>
+    <dgm:pt modelId="{382A470B-CB0D-4E7B-81A0-3FB0542C40E7}" type="parTrans" cxnId="{0ABCAE9F-2068-47C8-A70C-C39BC9075190}">
+      <dgm:prSet/>
+      <dgm:spPr/>
+      <dgm:t>
+        <a:bodyPr/>
+        <a:lstStyle/>
+        <a:p>
+          <a:endParaRPr lang="en-US"/>
+        </a:p>
+      </dgm:t>
+    </dgm:pt>
+    <dgm:pt modelId="{430A368C-46E4-43DA-B74D-E2B0C2B00D2D}" type="sibTrans" cxnId="{0ABCAE9F-2068-47C8-A70C-C39BC9075190}">
+      <dgm:prSet/>
+      <dgm:spPr/>
+      <dgm:t>
+        <a:bodyPr/>
+        <a:lstStyle/>
+        <a:p>
+          <a:endParaRPr lang="en-US"/>
+        </a:p>
+      </dgm:t>
+    </dgm:pt>
+    <dgm:pt modelId="{89BA4AD3-B80A-4F87-9F51-5745FA915744}">
+      <dgm:prSet/>
+      <dgm:spPr/>
+      <dgm:t>
+        <a:bodyPr/>
+        <a:lstStyle/>
+        <a:p>
+          <a:r>
+            <a:rPr lang="en-US" dirty="0" smtClean="0"/>
+            <a:t>Predict the food type using the SVC and the cropped image</a:t>
+          </a:r>
+          <a:endParaRPr lang="en-US" dirty="0"/>
+        </a:p>
+      </dgm:t>
+    </dgm:pt>
+    <dgm:pt modelId="{D1D5F127-D3E7-438C-8DE1-614E3FC8381E}" type="parTrans" cxnId="{A1B54EA7-2BDE-4F95-8CA2-646AE9528750}">
+      <dgm:prSet/>
+      <dgm:spPr/>
+      <dgm:t>
+        <a:bodyPr/>
+        <a:lstStyle/>
+        <a:p>
+          <a:endParaRPr lang="en-US"/>
+        </a:p>
+      </dgm:t>
+    </dgm:pt>
+    <dgm:pt modelId="{E69DC135-30F0-491F-B56E-E5668E4A1E61}" type="sibTrans" cxnId="{A1B54EA7-2BDE-4F95-8CA2-646AE9528750}">
+      <dgm:prSet/>
+      <dgm:spPr/>
+      <dgm:t>
+        <a:bodyPr/>
+        <a:lstStyle/>
+        <a:p>
+          <a:endParaRPr lang="en-US"/>
+        </a:p>
+      </dgm:t>
+    </dgm:pt>
+    <dgm:pt modelId="{395B8AC7-DB73-489C-BB1E-E8854937680D}">
+      <dgm:prSet/>
+      <dgm:spPr/>
+      <dgm:t>
+        <a:bodyPr/>
+        <a:lstStyle/>
+        <a:p>
+          <a:r>
+            <a:rPr lang="en-US" dirty="0" smtClean="0"/>
+            <a:t>Mark on original Image</a:t>
+          </a:r>
+          <a:endParaRPr lang="en-US" dirty="0"/>
+        </a:p>
+      </dgm:t>
+    </dgm:pt>
+    <dgm:pt modelId="{4A6A66EB-6D72-491E-9A22-EE4BBDFF402C}" type="parTrans" cxnId="{F3B39055-0433-4045-B3BC-4F23CABE36CA}">
+      <dgm:prSet/>
+      <dgm:spPr/>
+      <dgm:t>
+        <a:bodyPr/>
+        <a:lstStyle/>
+        <a:p>
+          <a:endParaRPr lang="en-US"/>
+        </a:p>
+      </dgm:t>
+    </dgm:pt>
+    <dgm:pt modelId="{48E604F9-89D7-4783-A9FD-8EDF70AFC52A}" type="sibTrans" cxnId="{F3B39055-0433-4045-B3BC-4F23CABE36CA}">
+      <dgm:prSet/>
+      <dgm:spPr/>
+      <dgm:t>
+        <a:bodyPr/>
+        <a:lstStyle/>
+        <a:p>
+          <a:endParaRPr lang="en-US"/>
+        </a:p>
+      </dgm:t>
+    </dgm:pt>
+    <dgm:pt modelId="{181518BA-BB12-4063-AE2A-35EA0A39433F}">
+      <dgm:prSet/>
+      <dgm:spPr/>
+      <dgm:t>
+        <a:bodyPr/>
+        <a:lstStyle/>
+        <a:p>
+          <a:r>
+            <a:rPr lang="en-US" dirty="0" smtClean="0"/>
+            <a:t>If the predicted cropped image is a food, mark with a rectangle on the original image</a:t>
+          </a:r>
+          <a:endParaRPr lang="en-US" dirty="0"/>
+        </a:p>
+      </dgm:t>
+    </dgm:pt>
+    <dgm:pt modelId="{6B6FAC9E-8B12-4C56-85F0-063425FCCB2C}" type="parTrans" cxnId="{E67359AE-188A-4814-8EA5-16CC1F63D2E0}">
+      <dgm:prSet/>
+      <dgm:spPr/>
+      <dgm:t>
+        <a:bodyPr/>
+        <a:lstStyle/>
+        <a:p>
+          <a:endParaRPr lang="en-US"/>
+        </a:p>
+      </dgm:t>
+    </dgm:pt>
+    <dgm:pt modelId="{2DED6E67-EE3E-4A7C-8ACB-49A0EB89A6A6}" type="sibTrans" cxnId="{E67359AE-188A-4814-8EA5-16CC1F63D2E0}">
+      <dgm:prSet/>
+      <dgm:spPr/>
+      <dgm:t>
+        <a:bodyPr/>
+        <a:lstStyle/>
+        <a:p>
+          <a:endParaRPr lang="en-US"/>
+        </a:p>
+      </dgm:t>
+    </dgm:pt>
+    <dgm:pt modelId="{79CB5075-BA48-4B21-A973-48ED0D57125C}" type="pres">
+      <dgm:prSet presAssocID="{BFB7A6F8-E239-424B-BB9A-2C360B9204C0}" presName="linearFlow" presStyleCnt="0">
+        <dgm:presLayoutVars>
+          <dgm:dir/>
+          <dgm:animLvl val="lvl"/>
+          <dgm:resizeHandles val="exact"/>
+        </dgm:presLayoutVars>
+      </dgm:prSet>
+      <dgm:spPr/>
+      <dgm:t>
+        <a:bodyPr/>
+        <a:lstStyle/>
+        <a:p>
+          <a:endParaRPr lang="en-US"/>
+        </a:p>
+      </dgm:t>
+    </dgm:pt>
+    <dgm:pt modelId="{02637D9C-A960-4B41-9F1C-9CA948F8EA64}" type="pres">
+      <dgm:prSet presAssocID="{123D657C-F612-4B7B-9139-2E9ED766C1EB}" presName="composite" presStyleCnt="0"/>
+      <dgm:spPr/>
+    </dgm:pt>
+    <dgm:pt modelId="{1378324E-114E-4A2C-B5AC-7BFE54FF2DE7}" type="pres">
+      <dgm:prSet presAssocID="{123D657C-F612-4B7B-9139-2E9ED766C1EB}" presName="parentText" presStyleLbl="alignNode1" presStyleIdx="0" presStyleCnt="6">
+        <dgm:presLayoutVars>
+          <dgm:chMax val="1"/>
+          <dgm:bulletEnabled val="1"/>
+        </dgm:presLayoutVars>
+      </dgm:prSet>
+      <dgm:spPr/>
+      <dgm:t>
+        <a:bodyPr/>
+        <a:lstStyle/>
+        <a:p>
+          <a:endParaRPr lang="en-US"/>
+        </a:p>
+      </dgm:t>
+    </dgm:pt>
+    <dgm:pt modelId="{ABC29AC8-A386-4691-853C-2933C21F47B1}" type="pres">
+      <dgm:prSet presAssocID="{123D657C-F612-4B7B-9139-2E9ED766C1EB}" presName="descendantText" presStyleLbl="alignAcc1" presStyleIdx="0" presStyleCnt="6">
+        <dgm:presLayoutVars>
+          <dgm:bulletEnabled val="1"/>
+        </dgm:presLayoutVars>
+      </dgm:prSet>
+      <dgm:spPr/>
+      <dgm:t>
+        <a:bodyPr/>
+        <a:lstStyle/>
+        <a:p>
+          <a:endParaRPr lang="en-US"/>
+        </a:p>
+      </dgm:t>
+    </dgm:pt>
+    <dgm:pt modelId="{0D2CAEA8-6ADD-4691-AB37-DAB164BD5137}" type="pres">
+      <dgm:prSet presAssocID="{FF560CAF-1AA5-45CB-983B-B544582BBD49}" presName="sp" presStyleCnt="0"/>
+      <dgm:spPr/>
+    </dgm:pt>
+    <dgm:pt modelId="{5D1A7E19-C1A7-4B69-9454-1B36F597FEB9}" type="pres">
+      <dgm:prSet presAssocID="{72F061D7-94C7-4714-AB9A-48A10A64DDB7}" presName="composite" presStyleCnt="0"/>
+      <dgm:spPr/>
+    </dgm:pt>
+    <dgm:pt modelId="{D6EC95C1-3276-43A4-BE1E-167790E00098}" type="pres">
+      <dgm:prSet presAssocID="{72F061D7-94C7-4714-AB9A-48A10A64DDB7}" presName="parentText" presStyleLbl="alignNode1" presStyleIdx="1" presStyleCnt="6">
+        <dgm:presLayoutVars>
+          <dgm:chMax val="1"/>
+          <dgm:bulletEnabled val="1"/>
+        </dgm:presLayoutVars>
+      </dgm:prSet>
+      <dgm:spPr/>
+      <dgm:t>
+        <a:bodyPr/>
+        <a:lstStyle/>
+        <a:p>
+          <a:endParaRPr lang="en-US"/>
+        </a:p>
+      </dgm:t>
+    </dgm:pt>
+    <dgm:pt modelId="{14E3FE33-9A55-48DA-9069-032F908F9BD6}" type="pres">
+      <dgm:prSet presAssocID="{72F061D7-94C7-4714-AB9A-48A10A64DDB7}" presName="descendantText" presStyleLbl="alignAcc1" presStyleIdx="1" presStyleCnt="6">
+        <dgm:presLayoutVars>
+          <dgm:bulletEnabled val="1"/>
+        </dgm:presLayoutVars>
+      </dgm:prSet>
+      <dgm:spPr/>
+      <dgm:t>
+        <a:bodyPr/>
+        <a:lstStyle/>
+        <a:p>
+          <a:endParaRPr lang="en-US"/>
+        </a:p>
+      </dgm:t>
+    </dgm:pt>
+    <dgm:pt modelId="{E755B0F8-20E2-4523-94CE-691F1D3AF153}" type="pres">
+      <dgm:prSet presAssocID="{FA30737A-E318-4E0A-AD6C-CB4840AAE8EA}" presName="sp" presStyleCnt="0"/>
+      <dgm:spPr/>
+    </dgm:pt>
+    <dgm:pt modelId="{F7292386-88D4-4433-8AAF-5DA63B896C64}" type="pres">
+      <dgm:prSet presAssocID="{566B8628-A2B0-4C48-9523-FA97E89CCFE0}" presName="composite" presStyleCnt="0"/>
+      <dgm:spPr/>
+    </dgm:pt>
+    <dgm:pt modelId="{F49734FD-3E2A-4EBE-9998-F3C81CF274E0}" type="pres">
+      <dgm:prSet presAssocID="{566B8628-A2B0-4C48-9523-FA97E89CCFE0}" presName="parentText" presStyleLbl="alignNode1" presStyleIdx="2" presStyleCnt="6">
+        <dgm:presLayoutVars>
+          <dgm:chMax val="1"/>
+          <dgm:bulletEnabled val="1"/>
+        </dgm:presLayoutVars>
+      </dgm:prSet>
+      <dgm:spPr/>
+      <dgm:t>
+        <a:bodyPr/>
+        <a:lstStyle/>
+        <a:p>
+          <a:endParaRPr lang="en-US"/>
+        </a:p>
+      </dgm:t>
+    </dgm:pt>
+    <dgm:pt modelId="{5E6B47BE-1879-4F11-B511-4EB1CC39F0B0}" type="pres">
+      <dgm:prSet presAssocID="{566B8628-A2B0-4C48-9523-FA97E89CCFE0}" presName="descendantText" presStyleLbl="alignAcc1" presStyleIdx="2" presStyleCnt="6">
+        <dgm:presLayoutVars>
+          <dgm:bulletEnabled val="1"/>
+        </dgm:presLayoutVars>
+      </dgm:prSet>
+      <dgm:spPr/>
+      <dgm:t>
+        <a:bodyPr/>
+        <a:lstStyle/>
+        <a:p>
+          <a:endParaRPr lang="en-US"/>
+        </a:p>
+      </dgm:t>
+    </dgm:pt>
+    <dgm:pt modelId="{BF29FDA4-B25A-4FCA-B377-C6F3BA92DEB1}" type="pres">
+      <dgm:prSet presAssocID="{A3C8102F-E480-49F8-A76C-F2B22F60A814}" presName="sp" presStyleCnt="0"/>
+      <dgm:spPr/>
+    </dgm:pt>
+    <dgm:pt modelId="{876E5266-A4C6-46F3-8F7A-711C52B9B448}" type="pres">
+      <dgm:prSet presAssocID="{636816DC-87B1-4FFB-867E-BBE061841ABD}" presName="composite" presStyleCnt="0"/>
+      <dgm:spPr/>
+    </dgm:pt>
+    <dgm:pt modelId="{52C7AC44-4E7C-4C15-83FD-3E867BF175A7}" type="pres">
+      <dgm:prSet presAssocID="{636816DC-87B1-4FFB-867E-BBE061841ABD}" presName="parentText" presStyleLbl="alignNode1" presStyleIdx="3" presStyleCnt="6">
+        <dgm:presLayoutVars>
+          <dgm:chMax val="1"/>
+          <dgm:bulletEnabled val="1"/>
+        </dgm:presLayoutVars>
+      </dgm:prSet>
+      <dgm:spPr/>
+      <dgm:t>
+        <a:bodyPr/>
+        <a:lstStyle/>
+        <a:p>
+          <a:endParaRPr lang="en-US"/>
+        </a:p>
+      </dgm:t>
+    </dgm:pt>
+    <dgm:pt modelId="{16BD8B98-D9F0-4426-9A32-8FC752C746F7}" type="pres">
+      <dgm:prSet presAssocID="{636816DC-87B1-4FFB-867E-BBE061841ABD}" presName="descendantText" presStyleLbl="alignAcc1" presStyleIdx="3" presStyleCnt="6">
+        <dgm:presLayoutVars>
+          <dgm:bulletEnabled val="1"/>
+        </dgm:presLayoutVars>
+      </dgm:prSet>
+      <dgm:spPr/>
+      <dgm:t>
+        <a:bodyPr/>
+        <a:lstStyle/>
+        <a:p>
+          <a:endParaRPr lang="en-US"/>
+        </a:p>
+      </dgm:t>
+    </dgm:pt>
+    <dgm:pt modelId="{43E89797-94A0-4DE2-84C7-6BC7B3AD4EFC}" type="pres">
+      <dgm:prSet presAssocID="{3BB301D1-EE70-46BD-9A62-FE6E7B681F1E}" presName="sp" presStyleCnt="0"/>
+      <dgm:spPr/>
+    </dgm:pt>
+    <dgm:pt modelId="{65AD8F47-8BAC-4819-80BB-0D544DF704ED}" type="pres">
+      <dgm:prSet presAssocID="{BB7C809C-FBA3-4495-AAD4-D25E195C8118}" presName="composite" presStyleCnt="0"/>
+      <dgm:spPr/>
+    </dgm:pt>
+    <dgm:pt modelId="{94ADECC4-D894-463D-87B7-B384FB281C4E}" type="pres">
+      <dgm:prSet presAssocID="{BB7C809C-FBA3-4495-AAD4-D25E195C8118}" presName="parentText" presStyleLbl="alignNode1" presStyleIdx="4" presStyleCnt="6">
+        <dgm:presLayoutVars>
+          <dgm:chMax val="1"/>
+          <dgm:bulletEnabled val="1"/>
+        </dgm:presLayoutVars>
+      </dgm:prSet>
+      <dgm:spPr/>
+      <dgm:t>
+        <a:bodyPr/>
+        <a:lstStyle/>
+        <a:p>
+          <a:endParaRPr lang="en-US"/>
+        </a:p>
+      </dgm:t>
+    </dgm:pt>
+    <dgm:pt modelId="{F68D969D-2D49-4416-8BB8-88A0F6040589}" type="pres">
+      <dgm:prSet presAssocID="{BB7C809C-FBA3-4495-AAD4-D25E195C8118}" presName="descendantText" presStyleLbl="alignAcc1" presStyleIdx="4" presStyleCnt="6">
+        <dgm:presLayoutVars>
+          <dgm:bulletEnabled val="1"/>
+        </dgm:presLayoutVars>
+      </dgm:prSet>
+      <dgm:spPr/>
+      <dgm:t>
+        <a:bodyPr/>
+        <a:lstStyle/>
+        <a:p>
+          <a:endParaRPr lang="en-US"/>
+        </a:p>
+      </dgm:t>
+    </dgm:pt>
+    <dgm:pt modelId="{A67FF710-FBDE-4E42-A444-55C40139AD35}" type="pres">
+      <dgm:prSet presAssocID="{430A368C-46E4-43DA-B74D-E2B0C2B00D2D}" presName="sp" presStyleCnt="0"/>
+      <dgm:spPr/>
+    </dgm:pt>
+    <dgm:pt modelId="{88450473-1A2E-412F-89DE-D00322DB4305}" type="pres">
+      <dgm:prSet presAssocID="{395B8AC7-DB73-489C-BB1E-E8854937680D}" presName="composite" presStyleCnt="0"/>
+      <dgm:spPr/>
+    </dgm:pt>
+    <dgm:pt modelId="{6F713EA9-F59C-4C51-8970-C7746DF5C3F2}" type="pres">
+      <dgm:prSet presAssocID="{395B8AC7-DB73-489C-BB1E-E8854937680D}" presName="parentText" presStyleLbl="alignNode1" presStyleIdx="5" presStyleCnt="6">
+        <dgm:presLayoutVars>
+          <dgm:chMax val="1"/>
+          <dgm:bulletEnabled val="1"/>
+        </dgm:presLayoutVars>
+      </dgm:prSet>
+      <dgm:spPr/>
+    </dgm:pt>
+    <dgm:pt modelId="{BC1E10C5-94EF-4AAE-98DB-19924E6A5216}" type="pres">
+      <dgm:prSet presAssocID="{395B8AC7-DB73-489C-BB1E-E8854937680D}" presName="descendantText" presStyleLbl="alignAcc1" presStyleIdx="5" presStyleCnt="6">
+        <dgm:presLayoutVars>
+          <dgm:bulletEnabled val="1"/>
+        </dgm:presLayoutVars>
+      </dgm:prSet>
+      <dgm:spPr/>
+      <dgm:t>
+        <a:bodyPr/>
+        <a:lstStyle/>
+        <a:p>
+          <a:endParaRPr lang="en-US"/>
+        </a:p>
+      </dgm:t>
+    </dgm:pt>
+  </dgm:ptLst>
+  <dgm:cxnLst>
+    <dgm:cxn modelId="{702E6C9A-FE81-42CC-9F0D-4565BDA7C3A3}" type="presOf" srcId="{181518BA-BB12-4063-AE2A-35EA0A39433F}" destId="{BC1E10C5-94EF-4AAE-98DB-19924E6A5216}" srcOrd="0" destOrd="0" presId="urn:microsoft.com/office/officeart/2005/8/layout/chevron2"/>
+    <dgm:cxn modelId="{10973F67-2F06-4972-9065-5A2EE735FE96}" srcId="{636816DC-87B1-4FFB-867E-BBE061841ABD}" destId="{A77E825B-A4BB-4CF7-8351-C001A1779FED}" srcOrd="0" destOrd="0" parTransId="{B34CAA83-0BB6-44C2-8A3E-71294C96D3DE}" sibTransId="{18FD56A3-5934-4DA6-A8DB-0096EDF51483}"/>
+    <dgm:cxn modelId="{3E6C0DD3-208C-48B3-8B60-EB8E349CAC7A}" type="presOf" srcId="{636816DC-87B1-4FFB-867E-BBE061841ABD}" destId="{52C7AC44-4E7C-4C15-83FD-3E867BF175A7}" srcOrd="0" destOrd="0" presId="urn:microsoft.com/office/officeart/2005/8/layout/chevron2"/>
+    <dgm:cxn modelId="{628A4AA9-2BD4-407C-9941-EEF7C066D33A}" type="presOf" srcId="{BB7C809C-FBA3-4495-AAD4-D25E195C8118}" destId="{94ADECC4-D894-463D-87B7-B384FB281C4E}" srcOrd="0" destOrd="0" presId="urn:microsoft.com/office/officeart/2005/8/layout/chevron2"/>
+    <dgm:cxn modelId="{ECC4B3BA-DFA7-4981-83A4-1C2A41A32834}" srcId="{123D657C-F612-4B7B-9139-2E9ED766C1EB}" destId="{A29652BD-F85A-49A4-8894-D26179FD2791}" srcOrd="0" destOrd="0" parTransId="{78BF352C-27A3-4EB7-849D-DAB5071F2A9E}" sibTransId="{6EB9DD74-5700-4EC1-96A3-440681F4FCF4}"/>
+    <dgm:cxn modelId="{E67359AE-188A-4814-8EA5-16CC1F63D2E0}" srcId="{395B8AC7-DB73-489C-BB1E-E8854937680D}" destId="{181518BA-BB12-4063-AE2A-35EA0A39433F}" srcOrd="0" destOrd="0" parTransId="{6B6FAC9E-8B12-4C56-85F0-063425FCCB2C}" sibTransId="{2DED6E67-EE3E-4A7C-8ACB-49A0EB89A6A6}"/>
+    <dgm:cxn modelId="{93625687-3D6F-483D-A0B1-5313B4B25C4A}" type="presOf" srcId="{395B8AC7-DB73-489C-BB1E-E8854937680D}" destId="{6F713EA9-F59C-4C51-8970-C7746DF5C3F2}" srcOrd="0" destOrd="0" presId="urn:microsoft.com/office/officeart/2005/8/layout/chevron2"/>
+    <dgm:cxn modelId="{92182AFB-CFE2-43E3-A1BD-4A024208052C}" type="presOf" srcId="{89BA4AD3-B80A-4F87-9F51-5745FA915744}" destId="{F68D969D-2D49-4416-8BB8-88A0F6040589}" srcOrd="0" destOrd="0" presId="urn:microsoft.com/office/officeart/2005/8/layout/chevron2"/>
+    <dgm:cxn modelId="{19B36318-8445-453B-BCD0-3A5014CDC74C}" srcId="{566B8628-A2B0-4C48-9523-FA97E89CCFE0}" destId="{9450EBF9-C308-4970-852A-FCDFD650ABAF}" srcOrd="0" destOrd="0" parTransId="{EF1BC739-245B-4610-BAEC-82E1A4C6E829}" sibTransId="{4CD95D47-4426-4B41-9BBE-5E556D2605CF}"/>
+    <dgm:cxn modelId="{EB689D83-DD11-4471-8DB0-3D4C08BFA344}" type="presOf" srcId="{72F061D7-94C7-4714-AB9A-48A10A64DDB7}" destId="{D6EC95C1-3276-43A4-BE1E-167790E00098}" srcOrd="0" destOrd="0" presId="urn:microsoft.com/office/officeart/2005/8/layout/chevron2"/>
+    <dgm:cxn modelId="{9E27457F-1F95-42CE-8ECF-49037E80381E}" type="presOf" srcId="{A29652BD-F85A-49A4-8894-D26179FD2791}" destId="{ABC29AC8-A386-4691-853C-2933C21F47B1}" srcOrd="0" destOrd="0" presId="urn:microsoft.com/office/officeart/2005/8/layout/chevron2"/>
+    <dgm:cxn modelId="{7A3B94BC-EC21-417E-BF7E-F8C460224DB5}" type="presOf" srcId="{A77E825B-A4BB-4CF7-8351-C001A1779FED}" destId="{16BD8B98-D9F0-4426-9A32-8FC752C746F7}" srcOrd="0" destOrd="0" presId="urn:microsoft.com/office/officeart/2005/8/layout/chevron2"/>
+    <dgm:cxn modelId="{415EEFBC-3D45-4E0B-B568-9F2A6DE21516}" srcId="{72F061D7-94C7-4714-AB9A-48A10A64DDB7}" destId="{56E24188-B477-4232-9836-45008C24CD4D}" srcOrd="0" destOrd="0" parTransId="{E37A8C4A-04AB-4C96-9B59-E27E97289B3A}" sibTransId="{006056A8-2488-4228-A240-A8F44B6E2741}"/>
+    <dgm:cxn modelId="{62C7D1F4-7855-4404-BF57-5386F87EAC7B}" type="presOf" srcId="{566B8628-A2B0-4C48-9523-FA97E89CCFE0}" destId="{F49734FD-3E2A-4EBE-9998-F3C81CF274E0}" srcOrd="0" destOrd="0" presId="urn:microsoft.com/office/officeart/2005/8/layout/chevron2"/>
+    <dgm:cxn modelId="{F3B39055-0433-4045-B3BC-4F23CABE36CA}" srcId="{BFB7A6F8-E239-424B-BB9A-2C360B9204C0}" destId="{395B8AC7-DB73-489C-BB1E-E8854937680D}" srcOrd="5" destOrd="0" parTransId="{4A6A66EB-6D72-491E-9A22-EE4BBDFF402C}" sibTransId="{48E604F9-89D7-4783-A9FD-8EDF70AFC52A}"/>
+    <dgm:cxn modelId="{F286E7ED-722B-446D-84B2-803840078F5D}" srcId="{BFB7A6F8-E239-424B-BB9A-2C360B9204C0}" destId="{636816DC-87B1-4FFB-867E-BBE061841ABD}" srcOrd="3" destOrd="0" parTransId="{D6A35670-69D6-495A-B79A-C375BDE06D3B}" sibTransId="{3BB301D1-EE70-46BD-9A62-FE6E7B681F1E}"/>
+    <dgm:cxn modelId="{7D783C93-F988-4A49-9636-88B13E8E9BA7}" srcId="{BFB7A6F8-E239-424B-BB9A-2C360B9204C0}" destId="{566B8628-A2B0-4C48-9523-FA97E89CCFE0}" srcOrd="2" destOrd="0" parTransId="{AB3FC260-F1E7-462A-BBA0-CED448853EBD}" sibTransId="{A3C8102F-E480-49F8-A76C-F2B22F60A814}"/>
+    <dgm:cxn modelId="{C8EBF77A-3638-44D4-9D3E-D2E45D09421C}" srcId="{BFB7A6F8-E239-424B-BB9A-2C360B9204C0}" destId="{123D657C-F612-4B7B-9139-2E9ED766C1EB}" srcOrd="0" destOrd="0" parTransId="{1F033579-0063-446F-9104-40DB03849A5C}" sibTransId="{FF560CAF-1AA5-45CB-983B-B544582BBD49}"/>
+    <dgm:cxn modelId="{7015D93D-076D-40C7-87FF-57EF17A605FC}" type="presOf" srcId="{BFB7A6F8-E239-424B-BB9A-2C360B9204C0}" destId="{79CB5075-BA48-4B21-A973-48ED0D57125C}" srcOrd="0" destOrd="0" presId="urn:microsoft.com/office/officeart/2005/8/layout/chevron2"/>
+    <dgm:cxn modelId="{DAECF793-5525-4C73-A1EF-86E3C1C25C3D}" type="presOf" srcId="{123D657C-F612-4B7B-9139-2E9ED766C1EB}" destId="{1378324E-114E-4A2C-B5AC-7BFE54FF2DE7}" srcOrd="0" destOrd="0" presId="urn:microsoft.com/office/officeart/2005/8/layout/chevron2"/>
+    <dgm:cxn modelId="{0ABCAE9F-2068-47C8-A70C-C39BC9075190}" srcId="{BFB7A6F8-E239-424B-BB9A-2C360B9204C0}" destId="{BB7C809C-FBA3-4495-AAD4-D25E195C8118}" srcOrd="4" destOrd="0" parTransId="{382A470B-CB0D-4E7B-81A0-3FB0542C40E7}" sibTransId="{430A368C-46E4-43DA-B74D-E2B0C2B00D2D}"/>
+    <dgm:cxn modelId="{A1B54EA7-2BDE-4F95-8CA2-646AE9528750}" srcId="{BB7C809C-FBA3-4495-AAD4-D25E195C8118}" destId="{89BA4AD3-B80A-4F87-9F51-5745FA915744}" srcOrd="0" destOrd="0" parTransId="{D1D5F127-D3E7-438C-8DE1-614E3FC8381E}" sibTransId="{E69DC135-30F0-491F-B56E-E5668E4A1E61}"/>
+    <dgm:cxn modelId="{752FDFDF-7C5E-404A-A1A0-A0780001F02B}" srcId="{BFB7A6F8-E239-424B-BB9A-2C360B9204C0}" destId="{72F061D7-94C7-4714-AB9A-48A10A64DDB7}" srcOrd="1" destOrd="0" parTransId="{742BF0DB-6031-46F0-B358-98382C48E02F}" sibTransId="{FA30737A-E318-4E0A-AD6C-CB4840AAE8EA}"/>
+    <dgm:cxn modelId="{176734E7-0B0C-42F9-BEF4-E0729A5B2C55}" type="presOf" srcId="{9450EBF9-C308-4970-852A-FCDFD650ABAF}" destId="{5E6B47BE-1879-4F11-B511-4EB1CC39F0B0}" srcOrd="0" destOrd="0" presId="urn:microsoft.com/office/officeart/2005/8/layout/chevron2"/>
+    <dgm:cxn modelId="{5E7F2D6E-7063-4FCE-8051-C7F2AE073B3A}" type="presOf" srcId="{56E24188-B477-4232-9836-45008C24CD4D}" destId="{14E3FE33-9A55-48DA-9069-032F908F9BD6}" srcOrd="0" destOrd="0" presId="urn:microsoft.com/office/officeart/2005/8/layout/chevron2"/>
+    <dgm:cxn modelId="{C6A180BC-4F6D-47E9-AF43-9309F529CA67}" type="presParOf" srcId="{79CB5075-BA48-4B21-A973-48ED0D57125C}" destId="{02637D9C-A960-4B41-9F1C-9CA948F8EA64}" srcOrd="0" destOrd="0" presId="urn:microsoft.com/office/officeart/2005/8/layout/chevron2"/>
+    <dgm:cxn modelId="{7BC77A33-304B-4F39-857C-484A8099A99E}" type="presParOf" srcId="{02637D9C-A960-4B41-9F1C-9CA948F8EA64}" destId="{1378324E-114E-4A2C-B5AC-7BFE54FF2DE7}" srcOrd="0" destOrd="0" presId="urn:microsoft.com/office/officeart/2005/8/layout/chevron2"/>
+    <dgm:cxn modelId="{B36D7E91-5E7E-4DD7-81C3-544FD70948A5}" type="presParOf" srcId="{02637D9C-A960-4B41-9F1C-9CA948F8EA64}" destId="{ABC29AC8-A386-4691-853C-2933C21F47B1}" srcOrd="1" destOrd="0" presId="urn:microsoft.com/office/officeart/2005/8/layout/chevron2"/>
+    <dgm:cxn modelId="{744345BF-6A19-492A-9D21-FF47C8131D7D}" type="presParOf" srcId="{79CB5075-BA48-4B21-A973-48ED0D57125C}" destId="{0D2CAEA8-6ADD-4691-AB37-DAB164BD5137}" srcOrd="1" destOrd="0" presId="urn:microsoft.com/office/officeart/2005/8/layout/chevron2"/>
+    <dgm:cxn modelId="{6CE7804E-E1E0-4879-8B4E-FC2043789540}" type="presParOf" srcId="{79CB5075-BA48-4B21-A973-48ED0D57125C}" destId="{5D1A7E19-C1A7-4B69-9454-1B36F597FEB9}" srcOrd="2" destOrd="0" presId="urn:microsoft.com/office/officeart/2005/8/layout/chevron2"/>
+    <dgm:cxn modelId="{4E58902D-60D2-4544-BE14-F990F977D239}" type="presParOf" srcId="{5D1A7E19-C1A7-4B69-9454-1B36F597FEB9}" destId="{D6EC95C1-3276-43A4-BE1E-167790E00098}" srcOrd="0" destOrd="0" presId="urn:microsoft.com/office/officeart/2005/8/layout/chevron2"/>
+    <dgm:cxn modelId="{C0D1C2C7-2113-4E13-B311-FD7EF1DE651A}" type="presParOf" srcId="{5D1A7E19-C1A7-4B69-9454-1B36F597FEB9}" destId="{14E3FE33-9A55-48DA-9069-032F908F9BD6}" srcOrd="1" destOrd="0" presId="urn:microsoft.com/office/officeart/2005/8/layout/chevron2"/>
+    <dgm:cxn modelId="{B06F7E52-7A39-4A2C-BC12-B5A99B5B78AB}" type="presParOf" srcId="{79CB5075-BA48-4B21-A973-48ED0D57125C}" destId="{E755B0F8-20E2-4523-94CE-691F1D3AF153}" srcOrd="3" destOrd="0" presId="urn:microsoft.com/office/officeart/2005/8/layout/chevron2"/>
+    <dgm:cxn modelId="{2CB5DC66-3570-4051-A13E-6CDB8BD0422E}" type="presParOf" srcId="{79CB5075-BA48-4B21-A973-48ED0D57125C}" destId="{F7292386-88D4-4433-8AAF-5DA63B896C64}" srcOrd="4" destOrd="0" presId="urn:microsoft.com/office/officeart/2005/8/layout/chevron2"/>
+    <dgm:cxn modelId="{7B0346F8-6C80-4B2B-87A6-128CCAD8E695}" type="presParOf" srcId="{F7292386-88D4-4433-8AAF-5DA63B896C64}" destId="{F49734FD-3E2A-4EBE-9998-F3C81CF274E0}" srcOrd="0" destOrd="0" presId="urn:microsoft.com/office/officeart/2005/8/layout/chevron2"/>
+    <dgm:cxn modelId="{036369A6-A7D6-4DC5-BBAD-2419F8998201}" type="presParOf" srcId="{F7292386-88D4-4433-8AAF-5DA63B896C64}" destId="{5E6B47BE-1879-4F11-B511-4EB1CC39F0B0}" srcOrd="1" destOrd="0" presId="urn:microsoft.com/office/officeart/2005/8/layout/chevron2"/>
+    <dgm:cxn modelId="{802AB8EF-03DD-4FE0-941C-E230772B9897}" type="presParOf" srcId="{79CB5075-BA48-4B21-A973-48ED0D57125C}" destId="{BF29FDA4-B25A-4FCA-B377-C6F3BA92DEB1}" srcOrd="5" destOrd="0" presId="urn:microsoft.com/office/officeart/2005/8/layout/chevron2"/>
+    <dgm:cxn modelId="{CACBA550-2D6F-4742-9D6B-61CAD7C35E6D}" type="presParOf" srcId="{79CB5075-BA48-4B21-A973-48ED0D57125C}" destId="{876E5266-A4C6-46F3-8F7A-711C52B9B448}" srcOrd="6" destOrd="0" presId="urn:microsoft.com/office/officeart/2005/8/layout/chevron2"/>
+    <dgm:cxn modelId="{F48B0AD1-600B-49B2-BE37-F51609ABD107}" type="presParOf" srcId="{876E5266-A4C6-46F3-8F7A-711C52B9B448}" destId="{52C7AC44-4E7C-4C15-83FD-3E867BF175A7}" srcOrd="0" destOrd="0" presId="urn:microsoft.com/office/officeart/2005/8/layout/chevron2"/>
+    <dgm:cxn modelId="{0515C55C-8E7C-4838-9B5A-D27179A5BF6C}" type="presParOf" srcId="{876E5266-A4C6-46F3-8F7A-711C52B9B448}" destId="{16BD8B98-D9F0-4426-9A32-8FC752C746F7}" srcOrd="1" destOrd="0" presId="urn:microsoft.com/office/officeart/2005/8/layout/chevron2"/>
+    <dgm:cxn modelId="{BE27DDA6-1E16-4492-AD08-A19D0BA0BA06}" type="presParOf" srcId="{79CB5075-BA48-4B21-A973-48ED0D57125C}" destId="{43E89797-94A0-4DE2-84C7-6BC7B3AD4EFC}" srcOrd="7" destOrd="0" presId="urn:microsoft.com/office/officeart/2005/8/layout/chevron2"/>
+    <dgm:cxn modelId="{A68471A0-01D2-46A2-BEDD-FC6F6F8A1D17}" type="presParOf" srcId="{79CB5075-BA48-4B21-A973-48ED0D57125C}" destId="{65AD8F47-8BAC-4819-80BB-0D544DF704ED}" srcOrd="8" destOrd="0" presId="urn:microsoft.com/office/officeart/2005/8/layout/chevron2"/>
+    <dgm:cxn modelId="{5CB3A911-82BF-4F55-BA54-8D0F3E9EAFE5}" type="presParOf" srcId="{65AD8F47-8BAC-4819-80BB-0D544DF704ED}" destId="{94ADECC4-D894-463D-87B7-B384FB281C4E}" srcOrd="0" destOrd="0" presId="urn:microsoft.com/office/officeart/2005/8/layout/chevron2"/>
+    <dgm:cxn modelId="{04DDDBF4-3BC3-4695-A4C9-31A8AC248D5D}" type="presParOf" srcId="{65AD8F47-8BAC-4819-80BB-0D544DF704ED}" destId="{F68D969D-2D49-4416-8BB8-88A0F6040589}" srcOrd="1" destOrd="0" presId="urn:microsoft.com/office/officeart/2005/8/layout/chevron2"/>
+    <dgm:cxn modelId="{AF7992AD-00ED-4627-8D12-E5964C7B16D5}" type="presParOf" srcId="{79CB5075-BA48-4B21-A973-48ED0D57125C}" destId="{A67FF710-FBDE-4E42-A444-55C40139AD35}" srcOrd="9" destOrd="0" presId="urn:microsoft.com/office/officeart/2005/8/layout/chevron2"/>
+    <dgm:cxn modelId="{36608052-C37E-4A65-A60B-974E4C6E2DF3}" type="presParOf" srcId="{79CB5075-BA48-4B21-A973-48ED0D57125C}" destId="{88450473-1A2E-412F-89DE-D00322DB4305}" srcOrd="10" destOrd="0" presId="urn:microsoft.com/office/officeart/2005/8/layout/chevron2"/>
+    <dgm:cxn modelId="{EC7FD67E-5A66-4922-AA1C-A74186F7CDA8}" type="presParOf" srcId="{88450473-1A2E-412F-89DE-D00322DB4305}" destId="{6F713EA9-F59C-4C51-8970-C7746DF5C3F2}" srcOrd="0" destOrd="0" presId="urn:microsoft.com/office/officeart/2005/8/layout/chevron2"/>
+    <dgm:cxn modelId="{AAD4A7B9-A935-4321-A425-8237DDD15D61}" type="presParOf" srcId="{88450473-1A2E-412F-89DE-D00322DB4305}" destId="{BC1E10C5-94EF-4AAE-98DB-19924E6A5216}" srcOrd="1" destOrd="0" presId="urn:microsoft.com/office/officeart/2005/8/layout/chevron2"/>
   </dgm:cxnLst>
   <dgm:bg/>
   <dgm:whole/>
@@ -2588,7 +4250,7 @@
         </a:bodyPr>
         <a:lstStyle/>
         <a:p>
-          <a:pPr marL="0" lvl="0" indent="0" algn="ctr" defTabSz="533400">
+          <a:pPr lvl="0" algn="ctr" defTabSz="533400">
             <a:lnSpc>
               <a:spcPct val="90000"/>
             </a:lnSpc>
@@ -2598,7 +4260,6 @@
             <a:spcAft>
               <a:spcPct val="35000"/>
             </a:spcAft>
-            <a:buNone/>
           </a:pPr>
           <a:r>
             <a:rPr lang="en-US" sz="1200" kern="1200" dirty="0"/>
@@ -2675,7 +4336,7 @@
             <a:spcAft>
               <a:spcPct val="15000"/>
             </a:spcAft>
-            <a:buChar char="•"/>
+            <a:buChar char="••"/>
           </a:pPr>
           <a:r>
             <a:rPr lang="en-US" sz="2400" kern="1200" dirty="0"/>
@@ -2743,7 +4404,7 @@
         </a:bodyPr>
         <a:lstStyle/>
         <a:p>
-          <a:pPr marL="0" lvl="0" indent="0" algn="ctr" defTabSz="533400">
+          <a:pPr lvl="0" algn="ctr" defTabSz="533400">
             <a:lnSpc>
               <a:spcPct val="90000"/>
             </a:lnSpc>
@@ -2753,7 +4414,6 @@
             <a:spcAft>
               <a:spcPct val="35000"/>
             </a:spcAft>
-            <a:buNone/>
           </a:pPr>
           <a:r>
             <a:rPr lang="en-US" sz="1200" kern="1200" dirty="0"/>
@@ -2830,7 +4490,7 @@
             <a:spcAft>
               <a:spcPct val="15000"/>
             </a:spcAft>
-            <a:buChar char="•"/>
+            <a:buChar char="••"/>
           </a:pPr>
           <a:r>
             <a:rPr lang="en-US" sz="2400" kern="1200" dirty="0"/>
@@ -2898,7 +4558,7 @@
         </a:bodyPr>
         <a:lstStyle/>
         <a:p>
-          <a:pPr marL="0" lvl="0" indent="0" algn="ctr" defTabSz="533400">
+          <a:pPr lvl="0" algn="ctr" defTabSz="533400">
             <a:lnSpc>
               <a:spcPct val="90000"/>
             </a:lnSpc>
@@ -2908,7 +4568,6 @@
             <a:spcAft>
               <a:spcPct val="35000"/>
             </a:spcAft>
-            <a:buNone/>
           </a:pPr>
           <a:r>
             <a:rPr lang="en-US" sz="1200" kern="1200" dirty="0"/>
@@ -2985,7 +4644,7 @@
             <a:spcAft>
               <a:spcPct val="15000"/>
             </a:spcAft>
-            <a:buChar char="•"/>
+            <a:buChar char="••"/>
           </a:pPr>
           <a:r>
             <a:rPr lang="en-US" sz="2400" kern="1200" dirty="0"/>
@@ -3053,7 +4712,7 @@
         </a:bodyPr>
         <a:lstStyle/>
         <a:p>
-          <a:pPr marL="0" lvl="0" indent="0" algn="ctr" defTabSz="533400">
+          <a:pPr lvl="0" algn="ctr" defTabSz="533400">
             <a:lnSpc>
               <a:spcPct val="90000"/>
             </a:lnSpc>
@@ -3063,7 +4722,6 @@
             <a:spcAft>
               <a:spcPct val="35000"/>
             </a:spcAft>
-            <a:buNone/>
           </a:pPr>
           <a:r>
             <a:rPr lang="en-US" sz="1200" kern="1200" dirty="0"/>
@@ -3140,7 +4798,7 @@
             <a:spcAft>
               <a:spcPct val="15000"/>
             </a:spcAft>
-            <a:buChar char="•"/>
+            <a:buChar char="••"/>
           </a:pPr>
           <a:r>
             <a:rPr lang="en-US" sz="2400" kern="1200" dirty="0"/>
@@ -3220,7 +4878,7 @@
         </a:bodyPr>
         <a:lstStyle/>
         <a:p>
-          <a:pPr marL="0" lvl="0" indent="0" algn="ctr" defTabSz="533400">
+          <a:pPr lvl="0" algn="ctr" defTabSz="533400">
             <a:lnSpc>
               <a:spcPct val="90000"/>
             </a:lnSpc>
@@ -3230,7 +4888,6 @@
             <a:spcAft>
               <a:spcPct val="35000"/>
             </a:spcAft>
-            <a:buNone/>
           </a:pPr>
           <a:r>
             <a:rPr lang="en-US" sz="1200" kern="1200" dirty="0"/>
@@ -3307,7 +4964,7 @@
             <a:spcAft>
               <a:spcPct val="15000"/>
             </a:spcAft>
-            <a:buChar char="•"/>
+            <a:buChar char="••"/>
           </a:pPr>
           <a:r>
             <a:rPr lang="en-US" sz="2400" kern="1200" dirty="0"/>
@@ -3375,7 +5032,7 @@
         </a:bodyPr>
         <a:lstStyle/>
         <a:p>
-          <a:pPr marL="0" lvl="0" indent="0" algn="ctr" defTabSz="533400">
+          <a:pPr lvl="0" algn="ctr" defTabSz="533400">
             <a:lnSpc>
               <a:spcPct val="90000"/>
             </a:lnSpc>
@@ -3385,7 +5042,6 @@
             <a:spcAft>
               <a:spcPct val="35000"/>
             </a:spcAft>
-            <a:buNone/>
           </a:pPr>
           <a:r>
             <a:rPr lang="en-US" sz="1200" kern="1200" dirty="0"/>
@@ -3462,7 +5118,7 @@
             <a:spcAft>
               <a:spcPct val="15000"/>
             </a:spcAft>
-            <a:buChar char="•"/>
+            <a:buChar char="••"/>
           </a:pPr>
           <a:r>
             <a:rPr lang="en-US" sz="2400" kern="1200" dirty="0"/>
@@ -3530,7 +5186,7 @@
         </a:bodyPr>
         <a:lstStyle/>
         <a:p>
-          <a:pPr marL="0" lvl="0" indent="0" algn="ctr" defTabSz="533400">
+          <a:pPr lvl="0" algn="ctr" defTabSz="533400">
             <a:lnSpc>
               <a:spcPct val="90000"/>
             </a:lnSpc>
@@ -3540,7 +5196,6 @@
             <a:spcAft>
               <a:spcPct val="35000"/>
             </a:spcAft>
-            <a:buNone/>
           </a:pPr>
           <a:r>
             <a:rPr lang="en-US" sz="1200" kern="1200" dirty="0"/>
@@ -3617,7 +5272,7 @@
             <a:spcAft>
               <a:spcPct val="15000"/>
             </a:spcAft>
-            <a:buChar char="•"/>
+            <a:buChar char="••"/>
           </a:pPr>
           <a:r>
             <a:rPr lang="en-US" sz="2400" kern="1200" dirty="0"/>
@@ -3685,7 +5340,7 @@
         </a:bodyPr>
         <a:lstStyle/>
         <a:p>
-          <a:pPr marL="0" lvl="0" indent="0" algn="ctr" defTabSz="533400">
+          <a:pPr lvl="0" algn="ctr" defTabSz="533400">
             <a:lnSpc>
               <a:spcPct val="90000"/>
             </a:lnSpc>
@@ -3695,7 +5350,6 @@
             <a:spcAft>
               <a:spcPct val="35000"/>
             </a:spcAft>
-            <a:buNone/>
           </a:pPr>
           <a:r>
             <a:rPr lang="en-US" sz="1200" kern="1200" dirty="0"/>
@@ -3772,17 +5426,993 @@
             <a:spcAft>
               <a:spcPct val="15000"/>
             </a:spcAft>
-            <a:buChar char="•"/>
+            <a:buChar char="••"/>
           </a:pPr>
           <a:r>
             <a:rPr lang="en-US" sz="2400" kern="1200" dirty="0"/>
-            <a:t>Applied the SVM algorithm in order to make three clusters which is an supervised learning algorithm</a:t>
+            <a:t>Applied the SVM algorithm </a:t>
           </a:r>
+          <a:r>
+            <a:rPr lang="en-US" sz="2400" kern="1200" dirty="0" smtClean="0"/>
+            <a:t>to train and test the randomized image samples</a:t>
+          </a:r>
+          <a:endParaRPr lang="en-US" sz="2400" kern="1200" dirty="0"/>
         </a:p>
       </dsp:txBody>
       <dsp:txXfrm rot="-5400000">
         <a:off x="838822" y="3190728"/>
         <a:ext cx="9638754" cy="702860"/>
+      </dsp:txXfrm>
+    </dsp:sp>
+  </dsp:spTree>
+</dsp:drawing>
+</file>
+
+<file path=ppt/diagrams/drawing3.xml><?xml version="1.0" encoding="utf-8"?>
+<dsp:drawing xmlns:dgm="http://schemas.openxmlformats.org/drawingml/2006/diagram" xmlns:dsp="http://schemas.microsoft.com/office/drawing/2008/diagram" xmlns:a="http://schemas.openxmlformats.org/drawingml/2006/main">
+  <dsp:spTree>
+    <dsp:nvGrpSpPr>
+      <dsp:cNvPr id="0" name=""/>
+      <dsp:cNvGrpSpPr/>
+    </dsp:nvGrpSpPr>
+    <dsp:grpSpPr/>
+    <dsp:sp modelId="{1378324E-114E-4A2C-B5AC-7BFE54FF2DE7}">
+      <dsp:nvSpPr>
+        <dsp:cNvPr id="0" name=""/>
+        <dsp:cNvSpPr/>
+      </dsp:nvSpPr>
+      <dsp:spPr>
+        <a:xfrm rot="5400000">
+          <a:off x="-153015" y="154372"/>
+          <a:ext cx="1020105" cy="714073"/>
+        </a:xfrm>
+        <a:prstGeom prst="chevron">
+          <a:avLst/>
+        </a:prstGeom>
+        <a:solidFill>
+          <a:schemeClr val="accent1">
+            <a:hueOff val="0"/>
+            <a:satOff val="0"/>
+            <a:lumOff val="0"/>
+            <a:alphaOff val="0"/>
+          </a:schemeClr>
+        </a:solidFill>
+        <a:ln w="12700" cap="flat" cmpd="sng" algn="ctr">
+          <a:solidFill>
+            <a:schemeClr val="accent1">
+              <a:hueOff val="0"/>
+              <a:satOff val="0"/>
+              <a:lumOff val="0"/>
+              <a:alphaOff val="0"/>
+            </a:schemeClr>
+          </a:solidFill>
+          <a:prstDash val="solid"/>
+          <a:miter lim="800000"/>
+        </a:ln>
+        <a:effectLst/>
+      </dsp:spPr>
+      <dsp:style>
+        <a:lnRef idx="2">
+          <a:scrgbClr r="0" g="0" b="0"/>
+        </a:lnRef>
+        <a:fillRef idx="1">
+          <a:scrgbClr r="0" g="0" b="0"/>
+        </a:fillRef>
+        <a:effectRef idx="0">
+          <a:scrgbClr r="0" g="0" b="0"/>
+        </a:effectRef>
+        <a:fontRef idx="minor">
+          <a:schemeClr val="lt1"/>
+        </a:fontRef>
+      </dsp:style>
+      <dsp:txBody>
+        <a:bodyPr spcFirstLastPara="0" vert="horz" wrap="square" lIns="5080" tIns="5080" rIns="5080" bIns="5080" numCol="1" spcCol="1270" anchor="ctr" anchorCtr="0">
+          <a:noAutofit/>
+        </a:bodyPr>
+        <a:lstStyle/>
+        <a:p>
+          <a:pPr lvl="0" algn="ctr" defTabSz="355600">
+            <a:lnSpc>
+              <a:spcPct val="90000"/>
+            </a:lnSpc>
+            <a:spcBef>
+              <a:spcPct val="0"/>
+            </a:spcBef>
+            <a:spcAft>
+              <a:spcPct val="35000"/>
+            </a:spcAft>
+          </a:pPr>
+          <a:r>
+            <a:rPr lang="en-US" sz="800" kern="1200" dirty="0"/>
+            <a:t>Resizing the image</a:t>
+          </a:r>
+        </a:p>
+      </dsp:txBody>
+      <dsp:txXfrm rot="-5400000">
+        <a:off x="2" y="358393"/>
+        <a:ext cx="714073" cy="306032"/>
+      </dsp:txXfrm>
+    </dsp:sp>
+    <dsp:sp modelId="{ABC29AC8-A386-4691-853C-2933C21F47B1}">
+      <dsp:nvSpPr>
+        <dsp:cNvPr id="0" name=""/>
+        <dsp:cNvSpPr/>
+      </dsp:nvSpPr>
+      <dsp:spPr>
+        <a:xfrm rot="5400000">
+          <a:off x="5583022" y="-4867592"/>
+          <a:ext cx="663068" cy="10400966"/>
+        </a:xfrm>
+        <a:prstGeom prst="round2SameRect">
+          <a:avLst/>
+        </a:prstGeom>
+        <a:solidFill>
+          <a:schemeClr val="lt1">
+            <a:alpha val="90000"/>
+            <a:hueOff val="0"/>
+            <a:satOff val="0"/>
+            <a:lumOff val="0"/>
+            <a:alphaOff val="0"/>
+          </a:schemeClr>
+        </a:solidFill>
+        <a:ln w="12700" cap="flat" cmpd="sng" algn="ctr">
+          <a:solidFill>
+            <a:schemeClr val="accent1">
+              <a:hueOff val="0"/>
+              <a:satOff val="0"/>
+              <a:lumOff val="0"/>
+              <a:alphaOff val="0"/>
+            </a:schemeClr>
+          </a:solidFill>
+          <a:prstDash val="solid"/>
+          <a:miter lim="800000"/>
+        </a:ln>
+        <a:effectLst/>
+      </dsp:spPr>
+      <dsp:style>
+        <a:lnRef idx="2">
+          <a:scrgbClr r="0" g="0" b="0"/>
+        </a:lnRef>
+        <a:fillRef idx="1">
+          <a:scrgbClr r="0" g="0" b="0"/>
+        </a:fillRef>
+        <a:effectRef idx="0">
+          <a:scrgbClr r="0" g="0" b="0"/>
+        </a:effectRef>
+        <a:fontRef idx="minor"/>
+      </dsp:style>
+      <dsp:txBody>
+        <a:bodyPr spcFirstLastPara="0" vert="horz" wrap="square" lIns="156464" tIns="13970" rIns="13970" bIns="13970" numCol="1" spcCol="1270" anchor="ctr" anchorCtr="0">
+          <a:noAutofit/>
+        </a:bodyPr>
+        <a:lstStyle/>
+        <a:p>
+          <a:pPr marL="228600" lvl="1" indent="-228600" algn="l" defTabSz="977900">
+            <a:lnSpc>
+              <a:spcPct val="90000"/>
+            </a:lnSpc>
+            <a:spcBef>
+              <a:spcPct val="0"/>
+            </a:spcBef>
+            <a:spcAft>
+              <a:spcPct val="15000"/>
+            </a:spcAft>
+            <a:buChar char="••"/>
+          </a:pPr>
+          <a:r>
+            <a:rPr lang="en-US" sz="2200" kern="1200" dirty="0" smtClean="0"/>
+            <a:t>Resize the random image </a:t>
+          </a:r>
+          <a:r>
+            <a:rPr lang="en-US" sz="2200" kern="1200" dirty="0"/>
+            <a:t>to </a:t>
+          </a:r>
+          <a:r>
+            <a:rPr lang="en-US" sz="2200" kern="1200" dirty="0" smtClean="0"/>
+            <a:t>size 300</a:t>
+          </a:r>
+          <a:endParaRPr lang="en-US" sz="2200" kern="1200" dirty="0"/>
+        </a:p>
+      </dsp:txBody>
+      <dsp:txXfrm rot="-5400000">
+        <a:off x="714073" y="33725"/>
+        <a:ext cx="10368598" cy="598332"/>
+      </dsp:txXfrm>
+    </dsp:sp>
+    <dsp:sp modelId="{D6EC95C1-3276-43A4-BE1E-167790E00098}">
+      <dsp:nvSpPr>
+        <dsp:cNvPr id="0" name=""/>
+        <dsp:cNvSpPr/>
+      </dsp:nvSpPr>
+      <dsp:spPr>
+        <a:xfrm rot="5400000">
+          <a:off x="-153015" y="1077568"/>
+          <a:ext cx="1020105" cy="714073"/>
+        </a:xfrm>
+        <a:prstGeom prst="chevron">
+          <a:avLst/>
+        </a:prstGeom>
+        <a:solidFill>
+          <a:schemeClr val="accent1">
+            <a:hueOff val="0"/>
+            <a:satOff val="0"/>
+            <a:lumOff val="0"/>
+            <a:alphaOff val="0"/>
+          </a:schemeClr>
+        </a:solidFill>
+        <a:ln w="12700" cap="flat" cmpd="sng" algn="ctr">
+          <a:solidFill>
+            <a:schemeClr val="accent1">
+              <a:hueOff val="0"/>
+              <a:satOff val="0"/>
+              <a:lumOff val="0"/>
+              <a:alphaOff val="0"/>
+            </a:schemeClr>
+          </a:solidFill>
+          <a:prstDash val="solid"/>
+          <a:miter lim="800000"/>
+        </a:ln>
+        <a:effectLst/>
+      </dsp:spPr>
+      <dsp:style>
+        <a:lnRef idx="2">
+          <a:scrgbClr r="0" g="0" b="0"/>
+        </a:lnRef>
+        <a:fillRef idx="1">
+          <a:scrgbClr r="0" g="0" b="0"/>
+        </a:fillRef>
+        <a:effectRef idx="0">
+          <a:scrgbClr r="0" g="0" b="0"/>
+        </a:effectRef>
+        <a:fontRef idx="minor">
+          <a:schemeClr val="lt1"/>
+        </a:fontRef>
+      </dsp:style>
+      <dsp:txBody>
+        <a:bodyPr spcFirstLastPara="0" vert="horz" wrap="square" lIns="5080" tIns="5080" rIns="5080" bIns="5080" numCol="1" spcCol="1270" anchor="ctr" anchorCtr="0">
+          <a:noAutofit/>
+        </a:bodyPr>
+        <a:lstStyle/>
+        <a:p>
+          <a:pPr lvl="0" algn="ctr" defTabSz="355600">
+            <a:lnSpc>
+              <a:spcPct val="90000"/>
+            </a:lnSpc>
+            <a:spcBef>
+              <a:spcPct val="0"/>
+            </a:spcBef>
+            <a:spcAft>
+              <a:spcPct val="35000"/>
+            </a:spcAft>
+          </a:pPr>
+          <a:r>
+            <a:rPr lang="en-US" sz="800" kern="1200" dirty="0" smtClean="0"/>
+            <a:t>Canny Edge Detection </a:t>
+          </a:r>
+          <a:endParaRPr lang="en-US" sz="800" kern="1200" dirty="0"/>
+        </a:p>
+      </dsp:txBody>
+      <dsp:txXfrm rot="-5400000">
+        <a:off x="2" y="1281589"/>
+        <a:ext cx="714073" cy="306032"/>
+      </dsp:txXfrm>
+    </dsp:sp>
+    <dsp:sp modelId="{14E3FE33-9A55-48DA-9069-032F908F9BD6}">
+      <dsp:nvSpPr>
+        <dsp:cNvPr id="0" name=""/>
+        <dsp:cNvSpPr/>
+      </dsp:nvSpPr>
+      <dsp:spPr>
+        <a:xfrm rot="5400000">
+          <a:off x="5583022" y="-3944395"/>
+          <a:ext cx="663068" cy="10400966"/>
+        </a:xfrm>
+        <a:prstGeom prst="round2SameRect">
+          <a:avLst/>
+        </a:prstGeom>
+        <a:solidFill>
+          <a:schemeClr val="lt1">
+            <a:alpha val="90000"/>
+            <a:hueOff val="0"/>
+            <a:satOff val="0"/>
+            <a:lumOff val="0"/>
+            <a:alphaOff val="0"/>
+          </a:schemeClr>
+        </a:solidFill>
+        <a:ln w="12700" cap="flat" cmpd="sng" algn="ctr">
+          <a:solidFill>
+            <a:schemeClr val="accent1">
+              <a:hueOff val="0"/>
+              <a:satOff val="0"/>
+              <a:lumOff val="0"/>
+              <a:alphaOff val="0"/>
+            </a:schemeClr>
+          </a:solidFill>
+          <a:prstDash val="solid"/>
+          <a:miter lim="800000"/>
+        </a:ln>
+        <a:effectLst/>
+      </dsp:spPr>
+      <dsp:style>
+        <a:lnRef idx="2">
+          <a:scrgbClr r="0" g="0" b="0"/>
+        </a:lnRef>
+        <a:fillRef idx="1">
+          <a:scrgbClr r="0" g="0" b="0"/>
+        </a:fillRef>
+        <a:effectRef idx="0">
+          <a:scrgbClr r="0" g="0" b="0"/>
+        </a:effectRef>
+        <a:fontRef idx="minor"/>
+      </dsp:style>
+      <dsp:txBody>
+        <a:bodyPr spcFirstLastPara="0" vert="horz" wrap="square" lIns="156464" tIns="13970" rIns="13970" bIns="13970" numCol="1" spcCol="1270" anchor="ctr" anchorCtr="0">
+          <a:noAutofit/>
+        </a:bodyPr>
+        <a:lstStyle/>
+        <a:p>
+          <a:pPr marL="228600" lvl="1" indent="-228600" algn="l" defTabSz="977900">
+            <a:lnSpc>
+              <a:spcPct val="90000"/>
+            </a:lnSpc>
+            <a:spcBef>
+              <a:spcPct val="0"/>
+            </a:spcBef>
+            <a:spcAft>
+              <a:spcPct val="15000"/>
+            </a:spcAft>
+            <a:buChar char="••"/>
+          </a:pPr>
+          <a:r>
+            <a:rPr lang="en-US" sz="2200" kern="1200" dirty="0" smtClean="0"/>
+            <a:t>Apply Canny function on resized image to detect edges.</a:t>
+          </a:r>
+          <a:endParaRPr lang="en-US" sz="2200" kern="1200" dirty="0"/>
+        </a:p>
+      </dsp:txBody>
+      <dsp:txXfrm rot="-5400000">
+        <a:off x="714073" y="956922"/>
+        <a:ext cx="10368598" cy="598332"/>
+      </dsp:txXfrm>
+    </dsp:sp>
+    <dsp:sp modelId="{F49734FD-3E2A-4EBE-9998-F3C81CF274E0}">
+      <dsp:nvSpPr>
+        <dsp:cNvPr id="0" name=""/>
+        <dsp:cNvSpPr/>
+      </dsp:nvSpPr>
+      <dsp:spPr>
+        <a:xfrm rot="5400000">
+          <a:off x="-153015" y="2000765"/>
+          <a:ext cx="1020105" cy="714073"/>
+        </a:xfrm>
+        <a:prstGeom prst="chevron">
+          <a:avLst/>
+        </a:prstGeom>
+        <a:solidFill>
+          <a:schemeClr val="accent1">
+            <a:hueOff val="0"/>
+            <a:satOff val="0"/>
+            <a:lumOff val="0"/>
+            <a:alphaOff val="0"/>
+          </a:schemeClr>
+        </a:solidFill>
+        <a:ln w="12700" cap="flat" cmpd="sng" algn="ctr">
+          <a:solidFill>
+            <a:schemeClr val="accent1">
+              <a:hueOff val="0"/>
+              <a:satOff val="0"/>
+              <a:lumOff val="0"/>
+              <a:alphaOff val="0"/>
+            </a:schemeClr>
+          </a:solidFill>
+          <a:prstDash val="solid"/>
+          <a:miter lim="800000"/>
+        </a:ln>
+        <a:effectLst/>
+      </dsp:spPr>
+      <dsp:style>
+        <a:lnRef idx="2">
+          <a:scrgbClr r="0" g="0" b="0"/>
+        </a:lnRef>
+        <a:fillRef idx="1">
+          <a:scrgbClr r="0" g="0" b="0"/>
+        </a:fillRef>
+        <a:effectRef idx="0">
+          <a:scrgbClr r="0" g="0" b="0"/>
+        </a:effectRef>
+        <a:fontRef idx="minor">
+          <a:schemeClr val="lt1"/>
+        </a:fontRef>
+      </dsp:style>
+      <dsp:txBody>
+        <a:bodyPr spcFirstLastPara="0" vert="horz" wrap="square" lIns="5080" tIns="5080" rIns="5080" bIns="5080" numCol="1" spcCol="1270" anchor="ctr" anchorCtr="0">
+          <a:noAutofit/>
+        </a:bodyPr>
+        <a:lstStyle/>
+        <a:p>
+          <a:pPr lvl="0" algn="ctr" defTabSz="355600">
+            <a:lnSpc>
+              <a:spcPct val="90000"/>
+            </a:lnSpc>
+            <a:spcBef>
+              <a:spcPct val="0"/>
+            </a:spcBef>
+            <a:spcAft>
+              <a:spcPct val="35000"/>
+            </a:spcAft>
+          </a:pPr>
+          <a:r>
+            <a:rPr lang="en-US" sz="800" kern="1200" dirty="0" smtClean="0"/>
+            <a:t>Find Contours</a:t>
+          </a:r>
+          <a:endParaRPr lang="en-US" sz="800" kern="1200" dirty="0"/>
+        </a:p>
+      </dsp:txBody>
+      <dsp:txXfrm rot="-5400000">
+        <a:off x="2" y="2204786"/>
+        <a:ext cx="714073" cy="306032"/>
+      </dsp:txXfrm>
+    </dsp:sp>
+    <dsp:sp modelId="{5E6B47BE-1879-4F11-B511-4EB1CC39F0B0}">
+      <dsp:nvSpPr>
+        <dsp:cNvPr id="0" name=""/>
+        <dsp:cNvSpPr/>
+      </dsp:nvSpPr>
+      <dsp:spPr>
+        <a:xfrm rot="5400000">
+          <a:off x="5583022" y="-3021199"/>
+          <a:ext cx="663068" cy="10400966"/>
+        </a:xfrm>
+        <a:prstGeom prst="round2SameRect">
+          <a:avLst/>
+        </a:prstGeom>
+        <a:solidFill>
+          <a:schemeClr val="lt1">
+            <a:alpha val="90000"/>
+            <a:hueOff val="0"/>
+            <a:satOff val="0"/>
+            <a:lumOff val="0"/>
+            <a:alphaOff val="0"/>
+          </a:schemeClr>
+        </a:solidFill>
+        <a:ln w="12700" cap="flat" cmpd="sng" algn="ctr">
+          <a:solidFill>
+            <a:schemeClr val="accent1">
+              <a:hueOff val="0"/>
+              <a:satOff val="0"/>
+              <a:lumOff val="0"/>
+              <a:alphaOff val="0"/>
+            </a:schemeClr>
+          </a:solidFill>
+          <a:prstDash val="solid"/>
+          <a:miter lim="800000"/>
+        </a:ln>
+        <a:effectLst/>
+      </dsp:spPr>
+      <dsp:style>
+        <a:lnRef idx="2">
+          <a:scrgbClr r="0" g="0" b="0"/>
+        </a:lnRef>
+        <a:fillRef idx="1">
+          <a:scrgbClr r="0" g="0" b="0"/>
+        </a:fillRef>
+        <a:effectRef idx="0">
+          <a:scrgbClr r="0" g="0" b="0"/>
+        </a:effectRef>
+        <a:fontRef idx="minor"/>
+      </dsp:style>
+      <dsp:txBody>
+        <a:bodyPr spcFirstLastPara="0" vert="horz" wrap="square" lIns="156464" tIns="13970" rIns="13970" bIns="13970" numCol="1" spcCol="1270" anchor="ctr" anchorCtr="0">
+          <a:noAutofit/>
+        </a:bodyPr>
+        <a:lstStyle/>
+        <a:p>
+          <a:pPr marL="228600" lvl="1" indent="-228600" algn="l" defTabSz="977900">
+            <a:lnSpc>
+              <a:spcPct val="90000"/>
+            </a:lnSpc>
+            <a:spcBef>
+              <a:spcPct val="0"/>
+            </a:spcBef>
+            <a:spcAft>
+              <a:spcPct val="15000"/>
+            </a:spcAft>
+            <a:buChar char="••"/>
+          </a:pPr>
+          <a:r>
+            <a:rPr lang="en-US" sz="2200" kern="1200" dirty="0" smtClean="0"/>
+            <a:t>Using </a:t>
+          </a:r>
+          <a:r>
+            <a:rPr lang="en-US" sz="2200" kern="1200" dirty="0" err="1" smtClean="0"/>
+            <a:t>OpenCV</a:t>
+          </a:r>
+          <a:r>
+            <a:rPr lang="en-US" sz="2200" kern="1200" dirty="0" smtClean="0"/>
+            <a:t> </a:t>
+          </a:r>
+          <a:r>
+            <a:rPr lang="en-US" sz="2200" kern="1200" dirty="0" err="1" smtClean="0"/>
+            <a:t>findContours</a:t>
+          </a:r>
+          <a:r>
+            <a:rPr lang="en-US" sz="2200" kern="1200" dirty="0" smtClean="0"/>
+            <a:t> to collect all image contours in the above image. </a:t>
+          </a:r>
+          <a:endParaRPr lang="en-US" sz="2200" kern="1200" dirty="0"/>
+        </a:p>
+      </dsp:txBody>
+      <dsp:txXfrm rot="-5400000">
+        <a:off x="714073" y="1880118"/>
+        <a:ext cx="10368598" cy="598332"/>
+      </dsp:txXfrm>
+    </dsp:sp>
+    <dsp:sp modelId="{52C7AC44-4E7C-4C15-83FD-3E867BF175A7}">
+      <dsp:nvSpPr>
+        <dsp:cNvPr id="0" name=""/>
+        <dsp:cNvSpPr/>
+      </dsp:nvSpPr>
+      <dsp:spPr>
+        <a:xfrm rot="5400000">
+          <a:off x="-153015" y="2923961"/>
+          <a:ext cx="1020105" cy="714073"/>
+        </a:xfrm>
+        <a:prstGeom prst="chevron">
+          <a:avLst/>
+        </a:prstGeom>
+        <a:solidFill>
+          <a:schemeClr val="accent1">
+            <a:hueOff val="0"/>
+            <a:satOff val="0"/>
+            <a:lumOff val="0"/>
+            <a:alphaOff val="0"/>
+          </a:schemeClr>
+        </a:solidFill>
+        <a:ln w="12700" cap="flat" cmpd="sng" algn="ctr">
+          <a:solidFill>
+            <a:schemeClr val="accent1">
+              <a:hueOff val="0"/>
+              <a:satOff val="0"/>
+              <a:lumOff val="0"/>
+              <a:alphaOff val="0"/>
+            </a:schemeClr>
+          </a:solidFill>
+          <a:prstDash val="solid"/>
+          <a:miter lim="800000"/>
+        </a:ln>
+        <a:effectLst/>
+      </dsp:spPr>
+      <dsp:style>
+        <a:lnRef idx="2">
+          <a:scrgbClr r="0" g="0" b="0"/>
+        </a:lnRef>
+        <a:fillRef idx="1">
+          <a:scrgbClr r="0" g="0" b="0"/>
+        </a:fillRef>
+        <a:effectRef idx="0">
+          <a:scrgbClr r="0" g="0" b="0"/>
+        </a:effectRef>
+        <a:fontRef idx="minor">
+          <a:schemeClr val="lt1"/>
+        </a:fontRef>
+      </dsp:style>
+      <dsp:txBody>
+        <a:bodyPr spcFirstLastPara="0" vert="horz" wrap="square" lIns="5080" tIns="5080" rIns="5080" bIns="5080" numCol="1" spcCol="1270" anchor="ctr" anchorCtr="0">
+          <a:noAutofit/>
+        </a:bodyPr>
+        <a:lstStyle/>
+        <a:p>
+          <a:pPr lvl="0" algn="ctr" defTabSz="355600">
+            <a:lnSpc>
+              <a:spcPct val="90000"/>
+            </a:lnSpc>
+            <a:spcBef>
+              <a:spcPct val="0"/>
+            </a:spcBef>
+            <a:spcAft>
+              <a:spcPct val="35000"/>
+            </a:spcAft>
+          </a:pPr>
+          <a:r>
+            <a:rPr lang="en-US" sz="800" kern="1200" dirty="0" smtClean="0"/>
+            <a:t>Extract Original Image Crops</a:t>
+          </a:r>
+          <a:endParaRPr lang="en-US" sz="800" kern="1200" dirty="0"/>
+        </a:p>
+      </dsp:txBody>
+      <dsp:txXfrm rot="-5400000">
+        <a:off x="2" y="3127982"/>
+        <a:ext cx="714073" cy="306032"/>
+      </dsp:txXfrm>
+    </dsp:sp>
+    <dsp:sp modelId="{16BD8B98-D9F0-4426-9A32-8FC752C746F7}">
+      <dsp:nvSpPr>
+        <dsp:cNvPr id="0" name=""/>
+        <dsp:cNvSpPr/>
+      </dsp:nvSpPr>
+      <dsp:spPr>
+        <a:xfrm rot="5400000">
+          <a:off x="5583022" y="-2098003"/>
+          <a:ext cx="663068" cy="10400966"/>
+        </a:xfrm>
+        <a:prstGeom prst="round2SameRect">
+          <a:avLst/>
+        </a:prstGeom>
+        <a:solidFill>
+          <a:schemeClr val="lt1">
+            <a:alpha val="90000"/>
+            <a:hueOff val="0"/>
+            <a:satOff val="0"/>
+            <a:lumOff val="0"/>
+            <a:alphaOff val="0"/>
+          </a:schemeClr>
+        </a:solidFill>
+        <a:ln w="12700" cap="flat" cmpd="sng" algn="ctr">
+          <a:solidFill>
+            <a:schemeClr val="accent1">
+              <a:hueOff val="0"/>
+              <a:satOff val="0"/>
+              <a:lumOff val="0"/>
+              <a:alphaOff val="0"/>
+            </a:schemeClr>
+          </a:solidFill>
+          <a:prstDash val="solid"/>
+          <a:miter lim="800000"/>
+        </a:ln>
+        <a:effectLst/>
+      </dsp:spPr>
+      <dsp:style>
+        <a:lnRef idx="2">
+          <a:scrgbClr r="0" g="0" b="0"/>
+        </a:lnRef>
+        <a:fillRef idx="1">
+          <a:scrgbClr r="0" g="0" b="0"/>
+        </a:fillRef>
+        <a:effectRef idx="0">
+          <a:scrgbClr r="0" g="0" b="0"/>
+        </a:effectRef>
+        <a:fontRef idx="minor"/>
+      </dsp:style>
+      <dsp:txBody>
+        <a:bodyPr spcFirstLastPara="0" vert="horz" wrap="square" lIns="156464" tIns="13970" rIns="13970" bIns="13970" numCol="1" spcCol="1270" anchor="ctr" anchorCtr="0">
+          <a:noAutofit/>
+        </a:bodyPr>
+        <a:lstStyle/>
+        <a:p>
+          <a:pPr marL="228600" lvl="1" indent="-228600" algn="l" defTabSz="977900">
+            <a:lnSpc>
+              <a:spcPct val="90000"/>
+            </a:lnSpc>
+            <a:spcBef>
+              <a:spcPct val="0"/>
+            </a:spcBef>
+            <a:spcAft>
+              <a:spcPct val="15000"/>
+            </a:spcAft>
+            <a:buChar char="••"/>
+          </a:pPr>
+          <a:r>
+            <a:rPr lang="en-US" sz="2200" kern="1200" dirty="0" smtClean="0"/>
+            <a:t>Crop from the original image using the contour rectangles</a:t>
+          </a:r>
+          <a:endParaRPr lang="en-US" sz="2200" kern="1200" dirty="0"/>
+        </a:p>
+      </dsp:txBody>
+      <dsp:txXfrm rot="-5400000">
+        <a:off x="714073" y="2803314"/>
+        <a:ext cx="10368598" cy="598332"/>
+      </dsp:txXfrm>
+    </dsp:sp>
+    <dsp:sp modelId="{94ADECC4-D894-463D-87B7-B384FB281C4E}">
+      <dsp:nvSpPr>
+        <dsp:cNvPr id="0" name=""/>
+        <dsp:cNvSpPr/>
+      </dsp:nvSpPr>
+      <dsp:spPr>
+        <a:xfrm rot="5400000">
+          <a:off x="-153015" y="3847157"/>
+          <a:ext cx="1020105" cy="714073"/>
+        </a:xfrm>
+        <a:prstGeom prst="chevron">
+          <a:avLst/>
+        </a:prstGeom>
+        <a:solidFill>
+          <a:schemeClr val="accent1">
+            <a:hueOff val="0"/>
+            <a:satOff val="0"/>
+            <a:lumOff val="0"/>
+            <a:alphaOff val="0"/>
+          </a:schemeClr>
+        </a:solidFill>
+        <a:ln w="12700" cap="flat" cmpd="sng" algn="ctr">
+          <a:solidFill>
+            <a:schemeClr val="accent1">
+              <a:hueOff val="0"/>
+              <a:satOff val="0"/>
+              <a:lumOff val="0"/>
+              <a:alphaOff val="0"/>
+            </a:schemeClr>
+          </a:solidFill>
+          <a:prstDash val="solid"/>
+          <a:miter lim="800000"/>
+        </a:ln>
+        <a:effectLst/>
+      </dsp:spPr>
+      <dsp:style>
+        <a:lnRef idx="2">
+          <a:scrgbClr r="0" g="0" b="0"/>
+        </a:lnRef>
+        <a:fillRef idx="1">
+          <a:scrgbClr r="0" g="0" b="0"/>
+        </a:fillRef>
+        <a:effectRef idx="0">
+          <a:scrgbClr r="0" g="0" b="0"/>
+        </a:effectRef>
+        <a:fontRef idx="minor">
+          <a:schemeClr val="lt1"/>
+        </a:fontRef>
+      </dsp:style>
+      <dsp:txBody>
+        <a:bodyPr spcFirstLastPara="0" vert="horz" wrap="square" lIns="5080" tIns="5080" rIns="5080" bIns="5080" numCol="1" spcCol="1270" anchor="ctr" anchorCtr="0">
+          <a:noAutofit/>
+        </a:bodyPr>
+        <a:lstStyle/>
+        <a:p>
+          <a:pPr lvl="0" algn="ctr" defTabSz="355600">
+            <a:lnSpc>
+              <a:spcPct val="90000"/>
+            </a:lnSpc>
+            <a:spcBef>
+              <a:spcPct val="0"/>
+            </a:spcBef>
+            <a:spcAft>
+              <a:spcPct val="35000"/>
+            </a:spcAft>
+          </a:pPr>
+          <a:r>
+            <a:rPr lang="en-US" sz="800" kern="1200" dirty="0" smtClean="0"/>
+            <a:t>Predict Using SVM</a:t>
+          </a:r>
+          <a:endParaRPr lang="en-US" sz="800" kern="1200" dirty="0"/>
+        </a:p>
+      </dsp:txBody>
+      <dsp:txXfrm rot="-5400000">
+        <a:off x="2" y="4051178"/>
+        <a:ext cx="714073" cy="306032"/>
+      </dsp:txXfrm>
+    </dsp:sp>
+    <dsp:sp modelId="{F68D969D-2D49-4416-8BB8-88A0F6040589}">
+      <dsp:nvSpPr>
+        <dsp:cNvPr id="0" name=""/>
+        <dsp:cNvSpPr/>
+      </dsp:nvSpPr>
+      <dsp:spPr>
+        <a:xfrm rot="5400000">
+          <a:off x="5583022" y="-1174807"/>
+          <a:ext cx="663068" cy="10400966"/>
+        </a:xfrm>
+        <a:prstGeom prst="round2SameRect">
+          <a:avLst/>
+        </a:prstGeom>
+        <a:solidFill>
+          <a:schemeClr val="lt1">
+            <a:alpha val="90000"/>
+            <a:hueOff val="0"/>
+            <a:satOff val="0"/>
+            <a:lumOff val="0"/>
+            <a:alphaOff val="0"/>
+          </a:schemeClr>
+        </a:solidFill>
+        <a:ln w="12700" cap="flat" cmpd="sng" algn="ctr">
+          <a:solidFill>
+            <a:schemeClr val="accent1">
+              <a:hueOff val="0"/>
+              <a:satOff val="0"/>
+              <a:lumOff val="0"/>
+              <a:alphaOff val="0"/>
+            </a:schemeClr>
+          </a:solidFill>
+          <a:prstDash val="solid"/>
+          <a:miter lim="800000"/>
+        </a:ln>
+        <a:effectLst/>
+      </dsp:spPr>
+      <dsp:style>
+        <a:lnRef idx="2">
+          <a:scrgbClr r="0" g="0" b="0"/>
+        </a:lnRef>
+        <a:fillRef idx="1">
+          <a:scrgbClr r="0" g="0" b="0"/>
+        </a:fillRef>
+        <a:effectRef idx="0">
+          <a:scrgbClr r="0" g="0" b="0"/>
+        </a:effectRef>
+        <a:fontRef idx="minor"/>
+      </dsp:style>
+      <dsp:txBody>
+        <a:bodyPr spcFirstLastPara="0" vert="horz" wrap="square" lIns="156464" tIns="13970" rIns="13970" bIns="13970" numCol="1" spcCol="1270" anchor="ctr" anchorCtr="0">
+          <a:noAutofit/>
+        </a:bodyPr>
+        <a:lstStyle/>
+        <a:p>
+          <a:pPr marL="228600" lvl="1" indent="-228600" algn="l" defTabSz="977900">
+            <a:lnSpc>
+              <a:spcPct val="90000"/>
+            </a:lnSpc>
+            <a:spcBef>
+              <a:spcPct val="0"/>
+            </a:spcBef>
+            <a:spcAft>
+              <a:spcPct val="15000"/>
+            </a:spcAft>
+            <a:buChar char="••"/>
+          </a:pPr>
+          <a:r>
+            <a:rPr lang="en-US" sz="2200" kern="1200" dirty="0" smtClean="0"/>
+            <a:t>Predict the food type using the SVC and the cropped image</a:t>
+          </a:r>
+          <a:endParaRPr lang="en-US" sz="2200" kern="1200" dirty="0"/>
+        </a:p>
+      </dsp:txBody>
+      <dsp:txXfrm rot="-5400000">
+        <a:off x="714073" y="3726510"/>
+        <a:ext cx="10368598" cy="598332"/>
+      </dsp:txXfrm>
+    </dsp:sp>
+    <dsp:sp modelId="{6F713EA9-F59C-4C51-8970-C7746DF5C3F2}">
+      <dsp:nvSpPr>
+        <dsp:cNvPr id="0" name=""/>
+        <dsp:cNvSpPr/>
+      </dsp:nvSpPr>
+      <dsp:spPr>
+        <a:xfrm rot="5400000">
+          <a:off x="-153015" y="4770353"/>
+          <a:ext cx="1020105" cy="714073"/>
+        </a:xfrm>
+        <a:prstGeom prst="chevron">
+          <a:avLst/>
+        </a:prstGeom>
+        <a:solidFill>
+          <a:schemeClr val="accent1">
+            <a:hueOff val="0"/>
+            <a:satOff val="0"/>
+            <a:lumOff val="0"/>
+            <a:alphaOff val="0"/>
+          </a:schemeClr>
+        </a:solidFill>
+        <a:ln w="12700" cap="flat" cmpd="sng" algn="ctr">
+          <a:solidFill>
+            <a:schemeClr val="accent1">
+              <a:hueOff val="0"/>
+              <a:satOff val="0"/>
+              <a:lumOff val="0"/>
+              <a:alphaOff val="0"/>
+            </a:schemeClr>
+          </a:solidFill>
+          <a:prstDash val="solid"/>
+          <a:miter lim="800000"/>
+        </a:ln>
+        <a:effectLst/>
+      </dsp:spPr>
+      <dsp:style>
+        <a:lnRef idx="2">
+          <a:scrgbClr r="0" g="0" b="0"/>
+        </a:lnRef>
+        <a:fillRef idx="1">
+          <a:scrgbClr r="0" g="0" b="0"/>
+        </a:fillRef>
+        <a:effectRef idx="0">
+          <a:scrgbClr r="0" g="0" b="0"/>
+        </a:effectRef>
+        <a:fontRef idx="minor">
+          <a:schemeClr val="lt1"/>
+        </a:fontRef>
+      </dsp:style>
+      <dsp:txBody>
+        <a:bodyPr spcFirstLastPara="0" vert="horz" wrap="square" lIns="5080" tIns="5080" rIns="5080" bIns="5080" numCol="1" spcCol="1270" anchor="ctr" anchorCtr="0">
+          <a:noAutofit/>
+        </a:bodyPr>
+        <a:lstStyle/>
+        <a:p>
+          <a:pPr lvl="0" algn="ctr" defTabSz="355600">
+            <a:lnSpc>
+              <a:spcPct val="90000"/>
+            </a:lnSpc>
+            <a:spcBef>
+              <a:spcPct val="0"/>
+            </a:spcBef>
+            <a:spcAft>
+              <a:spcPct val="35000"/>
+            </a:spcAft>
+          </a:pPr>
+          <a:r>
+            <a:rPr lang="en-US" sz="800" kern="1200" dirty="0" smtClean="0"/>
+            <a:t>Mark on original Image</a:t>
+          </a:r>
+          <a:endParaRPr lang="en-US" sz="800" kern="1200" dirty="0"/>
+        </a:p>
+      </dsp:txBody>
+      <dsp:txXfrm rot="-5400000">
+        <a:off x="2" y="4974374"/>
+        <a:ext cx="714073" cy="306032"/>
+      </dsp:txXfrm>
+    </dsp:sp>
+    <dsp:sp modelId="{BC1E10C5-94EF-4AAE-98DB-19924E6A5216}">
+      <dsp:nvSpPr>
+        <dsp:cNvPr id="0" name=""/>
+        <dsp:cNvSpPr/>
+      </dsp:nvSpPr>
+      <dsp:spPr>
+        <a:xfrm rot="5400000">
+          <a:off x="5583022" y="-251610"/>
+          <a:ext cx="663068" cy="10400966"/>
+        </a:xfrm>
+        <a:prstGeom prst="round2SameRect">
+          <a:avLst/>
+        </a:prstGeom>
+        <a:solidFill>
+          <a:schemeClr val="lt1">
+            <a:alpha val="90000"/>
+            <a:hueOff val="0"/>
+            <a:satOff val="0"/>
+            <a:lumOff val="0"/>
+            <a:alphaOff val="0"/>
+          </a:schemeClr>
+        </a:solidFill>
+        <a:ln w="12700" cap="flat" cmpd="sng" algn="ctr">
+          <a:solidFill>
+            <a:schemeClr val="accent1">
+              <a:hueOff val="0"/>
+              <a:satOff val="0"/>
+              <a:lumOff val="0"/>
+              <a:alphaOff val="0"/>
+            </a:schemeClr>
+          </a:solidFill>
+          <a:prstDash val="solid"/>
+          <a:miter lim="800000"/>
+        </a:ln>
+        <a:effectLst/>
+      </dsp:spPr>
+      <dsp:style>
+        <a:lnRef idx="2">
+          <a:scrgbClr r="0" g="0" b="0"/>
+        </a:lnRef>
+        <a:fillRef idx="1">
+          <a:scrgbClr r="0" g="0" b="0"/>
+        </a:fillRef>
+        <a:effectRef idx="0">
+          <a:scrgbClr r="0" g="0" b="0"/>
+        </a:effectRef>
+        <a:fontRef idx="minor"/>
+      </dsp:style>
+      <dsp:txBody>
+        <a:bodyPr spcFirstLastPara="0" vert="horz" wrap="square" lIns="156464" tIns="13970" rIns="13970" bIns="13970" numCol="1" spcCol="1270" anchor="ctr" anchorCtr="0">
+          <a:noAutofit/>
+        </a:bodyPr>
+        <a:lstStyle/>
+        <a:p>
+          <a:pPr marL="228600" lvl="1" indent="-228600" algn="l" defTabSz="977900">
+            <a:lnSpc>
+              <a:spcPct val="90000"/>
+            </a:lnSpc>
+            <a:spcBef>
+              <a:spcPct val="0"/>
+            </a:spcBef>
+            <a:spcAft>
+              <a:spcPct val="15000"/>
+            </a:spcAft>
+            <a:buChar char="••"/>
+          </a:pPr>
+          <a:r>
+            <a:rPr lang="en-US" sz="2200" kern="1200" dirty="0" smtClean="0"/>
+            <a:t>If the predicted cropped image is a food, mark with a rectangle on the original image</a:t>
+          </a:r>
+          <a:endParaRPr lang="en-US" sz="2200" kern="1200" dirty="0"/>
+        </a:p>
+      </dsp:txBody>
+      <dsp:txXfrm rot="-5400000">
+        <a:off x="714073" y="4649707"/>
+        <a:ext cx="10368598" cy="598332"/>
       </dsp:txXfrm>
     </dsp:sp>
   </dsp:spTree>
@@ -4301,6 +6931,262 @@
 </dgm:layoutDef>
 </file>
 
+<file path=ppt/diagrams/layout3.xml><?xml version="1.0" encoding="utf-8"?>
+<dgm:layoutDef xmlns:dgm="http://schemas.openxmlformats.org/drawingml/2006/diagram" xmlns:a="http://schemas.openxmlformats.org/drawingml/2006/main" uniqueId="urn:microsoft.com/office/officeart/2005/8/layout/chevron2">
+  <dgm:title val=""/>
+  <dgm:desc val=""/>
+  <dgm:catLst>
+    <dgm:cat type="process" pri="12000"/>
+    <dgm:cat type="list" pri="16000"/>
+    <dgm:cat type="convert" pri="11000"/>
+  </dgm:catLst>
+  <dgm:sampData>
+    <dgm:dataModel>
+      <dgm:ptLst>
+        <dgm:pt modelId="0" type="doc"/>
+        <dgm:pt modelId="1">
+          <dgm:prSet phldr="1"/>
+        </dgm:pt>
+        <dgm:pt modelId="11">
+          <dgm:prSet phldr="1"/>
+        </dgm:pt>
+        <dgm:pt modelId="12">
+          <dgm:prSet phldr="1"/>
+        </dgm:pt>
+        <dgm:pt modelId="2">
+          <dgm:prSet phldr="1"/>
+        </dgm:pt>
+        <dgm:pt modelId="21">
+          <dgm:prSet phldr="1"/>
+        </dgm:pt>
+        <dgm:pt modelId="22">
+          <dgm:prSet phldr="1"/>
+        </dgm:pt>
+        <dgm:pt modelId="3">
+          <dgm:prSet phldr="1"/>
+        </dgm:pt>
+        <dgm:pt modelId="31">
+          <dgm:prSet phldr="1"/>
+        </dgm:pt>
+        <dgm:pt modelId="32">
+          <dgm:prSet phldr="1"/>
+        </dgm:pt>
+      </dgm:ptLst>
+      <dgm:cxnLst>
+        <dgm:cxn modelId="4" srcId="0" destId="1" srcOrd="0" destOrd="0"/>
+        <dgm:cxn modelId="5" srcId="0" destId="2" srcOrd="1" destOrd="0"/>
+        <dgm:cxn modelId="6" srcId="0" destId="3" srcOrd="2" destOrd="0"/>
+        <dgm:cxn modelId="13" srcId="1" destId="11" srcOrd="0" destOrd="0"/>
+        <dgm:cxn modelId="14" srcId="1" destId="12" srcOrd="1" destOrd="0"/>
+        <dgm:cxn modelId="23" srcId="2" destId="21" srcOrd="0" destOrd="0"/>
+        <dgm:cxn modelId="24" srcId="2" destId="22" srcOrd="1" destOrd="0"/>
+        <dgm:cxn modelId="33" srcId="3" destId="31" srcOrd="0" destOrd="0"/>
+        <dgm:cxn modelId="34" srcId="3" destId="32" srcOrd="1" destOrd="0"/>
+      </dgm:cxnLst>
+      <dgm:bg/>
+      <dgm:whole/>
+    </dgm:dataModel>
+  </dgm:sampData>
+  <dgm:styleData>
+    <dgm:dataModel>
+      <dgm:ptLst>
+        <dgm:pt modelId="0" type="doc"/>
+        <dgm:pt modelId="1"/>
+      </dgm:ptLst>
+      <dgm:cxnLst>
+        <dgm:cxn modelId="4" srcId="0" destId="1" srcOrd="0" destOrd="0"/>
+      </dgm:cxnLst>
+      <dgm:bg/>
+      <dgm:whole/>
+    </dgm:dataModel>
+  </dgm:styleData>
+  <dgm:clrData>
+    <dgm:dataModel>
+      <dgm:ptLst>
+        <dgm:pt modelId="0" type="doc"/>
+        <dgm:pt modelId="1"/>
+        <dgm:pt modelId="11"/>
+        <dgm:pt modelId="2"/>
+        <dgm:pt modelId="21"/>
+        <dgm:pt modelId="3"/>
+        <dgm:pt modelId="31"/>
+        <dgm:pt modelId="4"/>
+        <dgm:pt modelId="41"/>
+      </dgm:ptLst>
+      <dgm:cxnLst>
+        <dgm:cxn modelId="5" srcId="0" destId="1" srcOrd="0" destOrd="0"/>
+        <dgm:cxn modelId="6" srcId="0" destId="2" srcOrd="1" destOrd="0"/>
+        <dgm:cxn modelId="7" srcId="0" destId="3" srcOrd="2" destOrd="0"/>
+        <dgm:cxn modelId="8" srcId="0" destId="4" srcOrd="3" destOrd="0"/>
+        <dgm:cxn modelId="13" srcId="1" destId="11" srcOrd="0" destOrd="0"/>
+        <dgm:cxn modelId="23" srcId="2" destId="21" srcOrd="0" destOrd="0"/>
+        <dgm:cxn modelId="33" srcId="3" destId="31" srcOrd="0" destOrd="0"/>
+        <dgm:cxn modelId="43" srcId="4" destId="41" srcOrd="0" destOrd="0"/>
+      </dgm:cxnLst>
+      <dgm:bg/>
+      <dgm:whole/>
+    </dgm:dataModel>
+  </dgm:clrData>
+  <dgm:layoutNode name="linearFlow">
+    <dgm:varLst>
+      <dgm:dir/>
+      <dgm:animLvl val="lvl"/>
+      <dgm:resizeHandles val="exact"/>
+    </dgm:varLst>
+    <dgm:alg type="lin">
+      <dgm:param type="linDir" val="fromT"/>
+      <dgm:param type="nodeHorzAlign" val="l"/>
+    </dgm:alg>
+    <dgm:shape xmlns:r="http://schemas.openxmlformats.org/officeDocument/2006/relationships" r:blip="">
+      <dgm:adjLst/>
+    </dgm:shape>
+    <dgm:presOf/>
+    <dgm:constrLst>
+      <dgm:constr type="h" for="ch" forName="composite" refType="h"/>
+      <dgm:constr type="w" for="ch" forName="composite" refType="w"/>
+      <dgm:constr type="h" for="des" forName="parentText" op="equ"/>
+      <dgm:constr type="h" for="ch" forName="sp" val="-14.88"/>
+      <dgm:constr type="h" for="ch" forName="sp" refType="w" refFor="des" refForName="parentText" op="gte" fact="-0.3"/>
+      <dgm:constr type="primFontSz" for="des" forName="parentText" op="equ" val="65"/>
+      <dgm:constr type="primFontSz" for="des" forName="descendantText" op="equ" val="65"/>
+    </dgm:constrLst>
+    <dgm:ruleLst/>
+    <dgm:forEach name="Name0" axis="ch" ptType="node">
+      <dgm:layoutNode name="composite">
+        <dgm:alg type="composite"/>
+        <dgm:shape xmlns:r="http://schemas.openxmlformats.org/officeDocument/2006/relationships" r:blip="">
+          <dgm:adjLst/>
+        </dgm:shape>
+        <dgm:presOf/>
+        <dgm:choose name="Name1">
+          <dgm:if name="Name2" func="var" arg="dir" op="equ" val="norm">
+            <dgm:constrLst>
+              <dgm:constr type="t" for="ch" forName="parentText"/>
+              <dgm:constr type="l" for="ch" forName="parentText"/>
+              <dgm:constr type="w" for="ch" forName="parentText" refType="w" fact="0.4"/>
+              <dgm:constr type="h" for="ch" forName="parentText" refType="h"/>
+              <dgm:constr type="w" for="ch" forName="parentText" refType="w" op="lte" fact="0.5"/>
+              <dgm:constr type="w" for="ch" forName="parentText" refType="h" refFor="ch" refForName="parentText" op="lte" fact="0.7"/>
+              <dgm:constr type="h" for="ch" forName="parentText" refType="w" refFor="ch" refForName="parentText" op="lte" fact="3"/>
+              <dgm:constr type="l" for="ch" forName="descendantText" refType="w" refFor="ch" refForName="parentText"/>
+              <dgm:constr type="w" for="ch" forName="descendantText" refType="w"/>
+              <dgm:constr type="wOff" for="ch" forName="descendantText" refType="w" refFor="ch" refForName="parentText" fact="-1"/>
+              <dgm:constr type="t" for="ch" forName="descendantText"/>
+              <dgm:constr type="b" for="ch" forName="descendantText" refType="h" refFor="ch" refForName="parentText"/>
+              <dgm:constr type="bOff" for="ch" forName="descendantText" refType="w" refFor="ch" refForName="parentText" fact="-0.5"/>
+            </dgm:constrLst>
+          </dgm:if>
+          <dgm:else name="Name3">
+            <dgm:constrLst>
+              <dgm:constr type="t" for="ch" forName="parentText"/>
+              <dgm:constr type="r" for="ch" forName="parentText" refType="w"/>
+              <dgm:constr type="w" for="ch" forName="parentText" refType="w" fact="0.4"/>
+              <dgm:constr type="h" for="ch" forName="parentText" refType="h"/>
+              <dgm:constr type="w" for="ch" forName="parentText" refType="w" op="lte" fact="0.5"/>
+              <dgm:constr type="w" for="ch" forName="parentText" refType="h" refFor="ch" refForName="parentText" op="lte" fact="0.7"/>
+              <dgm:constr type="h" for="ch" forName="parentText" refType="w" refFor="ch" refForName="parentText" op="lte" fact="3"/>
+              <dgm:constr type="l" for="ch" forName="descendantText"/>
+              <dgm:constr type="w" for="ch" forName="descendantText" refType="w"/>
+              <dgm:constr type="wOff" for="ch" forName="descendantText" refType="w" refFor="ch" refForName="parentText" fact="-1"/>
+              <dgm:constr type="t" for="ch" forName="descendantText"/>
+              <dgm:constr type="b" for="ch" forName="descendantText" refType="h" refFor="ch" refForName="parentText"/>
+              <dgm:constr type="bOff" for="ch" forName="descendantText" refType="w" refFor="ch" refForName="parentText" fact="-0.5"/>
+            </dgm:constrLst>
+          </dgm:else>
+        </dgm:choose>
+        <dgm:ruleLst/>
+        <dgm:layoutNode name="parentText" styleLbl="alignNode1">
+          <dgm:varLst>
+            <dgm:chMax val="1"/>
+            <dgm:bulletEnabled val="1"/>
+          </dgm:varLst>
+          <dgm:alg type="tx"/>
+          <dgm:shape xmlns:r="http://schemas.openxmlformats.org/officeDocument/2006/relationships" rot="90" type="chevron" r:blip="">
+            <dgm:adjLst/>
+          </dgm:shape>
+          <dgm:presOf axis="self" ptType="node"/>
+          <dgm:constrLst>
+            <dgm:constr type="lMarg" refType="primFontSz" fact="0.05"/>
+            <dgm:constr type="rMarg" refType="primFontSz" fact="0.05"/>
+            <dgm:constr type="tMarg" refType="primFontSz" fact="0.05"/>
+            <dgm:constr type="bMarg" refType="primFontSz" fact="0.05"/>
+          </dgm:constrLst>
+          <dgm:ruleLst>
+            <dgm:rule type="h" val="100" fact="NaN" max="NaN"/>
+            <dgm:rule type="primFontSz" val="24" fact="NaN" max="NaN"/>
+            <dgm:rule type="h" val="110" fact="NaN" max="NaN"/>
+            <dgm:rule type="primFontSz" val="18" fact="NaN" max="NaN"/>
+            <dgm:rule type="h" val="INF" fact="NaN" max="NaN"/>
+            <dgm:rule type="primFontSz" val="5" fact="NaN" max="NaN"/>
+          </dgm:ruleLst>
+        </dgm:layoutNode>
+        <dgm:layoutNode name="descendantText" styleLbl="alignAcc1">
+          <dgm:varLst>
+            <dgm:bulletEnabled val="1"/>
+          </dgm:varLst>
+          <dgm:choose name="Name4">
+            <dgm:if name="Name5" func="var" arg="dir" op="equ" val="norm">
+              <dgm:alg type="tx">
+                <dgm:param type="stBulletLvl" val="1"/>
+                <dgm:param type="txAnchorVertCh" val="mid"/>
+              </dgm:alg>
+              <dgm:shape xmlns:r="http://schemas.openxmlformats.org/officeDocument/2006/relationships" rot="90" type="round2SameRect" r:blip="">
+                <dgm:adjLst/>
+              </dgm:shape>
+            </dgm:if>
+            <dgm:else name="Name6">
+              <dgm:alg type="tx">
+                <dgm:param type="stBulletLvl" val="1"/>
+                <dgm:param type="txAnchorVertCh" val="mid"/>
+              </dgm:alg>
+              <dgm:shape xmlns:r="http://schemas.openxmlformats.org/officeDocument/2006/relationships" rot="-90" type="round2SameRect" r:blip="">
+                <dgm:adjLst/>
+              </dgm:shape>
+            </dgm:else>
+          </dgm:choose>
+          <dgm:presOf axis="des" ptType="node"/>
+          <dgm:choose name="Name7">
+            <dgm:if name="Name8" func="var" arg="dir" op="equ" val="norm">
+              <dgm:constrLst>
+                <dgm:constr type="secFontSz" refType="primFontSz"/>
+                <dgm:constr type="tMarg" refType="primFontSz" fact="0.05"/>
+                <dgm:constr type="bMarg" refType="primFontSz" fact="0.05"/>
+                <dgm:constr type="rMarg" refType="primFontSz" fact="0.05"/>
+              </dgm:constrLst>
+            </dgm:if>
+            <dgm:else name="Name9">
+              <dgm:constrLst>
+                <dgm:constr type="secFontSz" refType="primFontSz"/>
+                <dgm:constr type="tMarg" refType="primFontSz" fact="0.05"/>
+                <dgm:constr type="bMarg" refType="primFontSz" fact="0.05"/>
+                <dgm:constr type="lMarg" refType="primFontSz" fact="0.05"/>
+              </dgm:constrLst>
+            </dgm:else>
+          </dgm:choose>
+          <dgm:ruleLst>
+            <dgm:rule type="primFontSz" val="5" fact="NaN" max="NaN"/>
+          </dgm:ruleLst>
+        </dgm:layoutNode>
+      </dgm:layoutNode>
+      <dgm:forEach name="Name10" axis="followSib" ptType="sibTrans" cnt="1">
+        <dgm:layoutNode name="sp">
+          <dgm:alg type="sp"/>
+          <dgm:shape xmlns:r="http://schemas.openxmlformats.org/officeDocument/2006/relationships" r:blip="">
+            <dgm:adjLst/>
+          </dgm:shape>
+          <dgm:presOf axis="self"/>
+          <dgm:constrLst>
+            <dgm:constr type="w" val="1"/>
+            <dgm:constr type="h" val="37.5"/>
+          </dgm:constrLst>
+          <dgm:ruleLst/>
+        </dgm:layoutNode>
+      </dgm:forEach>
+    </dgm:forEach>
+  </dgm:layoutNode>
+</dgm:layoutDef>
+</file>
+
 <file path=ppt/diagrams/quickStyle1.xml><?xml version="1.0" encoding="utf-8"?>
 <dgm:styleDef xmlns:dgm="http://schemas.openxmlformats.org/drawingml/2006/diagram" xmlns:a="http://schemas.openxmlformats.org/drawingml/2006/main" uniqueId="urn:microsoft.com/office/officeart/2005/8/quickstyle/simple1">
   <dgm:title val=""/>
@@ -5336,6 +8222,1040 @@
 </file>
 
 <file path=ppt/diagrams/quickStyle2.xml><?xml version="1.0" encoding="utf-8"?>
+<dgm:styleDef xmlns:dgm="http://schemas.openxmlformats.org/drawingml/2006/diagram" xmlns:a="http://schemas.openxmlformats.org/drawingml/2006/main" uniqueId="urn:microsoft.com/office/officeart/2005/8/quickstyle/simple1">
+  <dgm:title val=""/>
+  <dgm:desc val=""/>
+  <dgm:catLst>
+    <dgm:cat type="simple" pri="10100"/>
+  </dgm:catLst>
+  <dgm:scene3d>
+    <a:camera prst="orthographicFront"/>
+    <a:lightRig rig="threePt" dir="t"/>
+  </dgm:scene3d>
+  <dgm:styleLbl name="node0">
+    <dgm:scene3d>
+      <a:camera prst="orthographicFront"/>
+      <a:lightRig rig="threePt" dir="t"/>
+    </dgm:scene3d>
+    <dgm:sp3d/>
+    <dgm:txPr/>
+    <dgm:style>
+      <a:lnRef idx="2">
+        <a:scrgbClr r="0" g="0" b="0"/>
+      </a:lnRef>
+      <a:fillRef idx="1">
+        <a:scrgbClr r="0" g="0" b="0"/>
+      </a:fillRef>
+      <a:effectRef idx="0">
+        <a:scrgbClr r="0" g="0" b="0"/>
+      </a:effectRef>
+      <a:fontRef idx="minor">
+        <a:schemeClr val="lt1"/>
+      </a:fontRef>
+    </dgm:style>
+  </dgm:styleLbl>
+  <dgm:styleLbl name="lnNode1">
+    <dgm:scene3d>
+      <a:camera prst="orthographicFront"/>
+      <a:lightRig rig="threePt" dir="t"/>
+    </dgm:scene3d>
+    <dgm:sp3d/>
+    <dgm:txPr/>
+    <dgm:style>
+      <a:lnRef idx="2">
+        <a:scrgbClr r="0" g="0" b="0"/>
+      </a:lnRef>
+      <a:fillRef idx="1">
+        <a:scrgbClr r="0" g="0" b="0"/>
+      </a:fillRef>
+      <a:effectRef idx="0">
+        <a:scrgbClr r="0" g="0" b="0"/>
+      </a:effectRef>
+      <a:fontRef idx="minor">
+        <a:schemeClr val="lt1"/>
+      </a:fontRef>
+    </dgm:style>
+  </dgm:styleLbl>
+  <dgm:styleLbl name="vennNode1">
+    <dgm:scene3d>
+      <a:camera prst="orthographicFront"/>
+      <a:lightRig rig="threePt" dir="t"/>
+    </dgm:scene3d>
+    <dgm:sp3d/>
+    <dgm:txPr/>
+    <dgm:style>
+      <a:lnRef idx="2">
+        <a:scrgbClr r="0" g="0" b="0"/>
+      </a:lnRef>
+      <a:fillRef idx="1">
+        <a:scrgbClr r="0" g="0" b="0"/>
+      </a:fillRef>
+      <a:effectRef idx="0">
+        <a:scrgbClr r="0" g="0" b="0"/>
+      </a:effectRef>
+      <a:fontRef idx="minor">
+        <a:schemeClr val="tx1"/>
+      </a:fontRef>
+    </dgm:style>
+  </dgm:styleLbl>
+  <dgm:styleLbl name="alignNode1">
+    <dgm:scene3d>
+      <a:camera prst="orthographicFront"/>
+      <a:lightRig rig="threePt" dir="t"/>
+    </dgm:scene3d>
+    <dgm:sp3d/>
+    <dgm:txPr/>
+    <dgm:style>
+      <a:lnRef idx="2">
+        <a:scrgbClr r="0" g="0" b="0"/>
+      </a:lnRef>
+      <a:fillRef idx="1">
+        <a:scrgbClr r="0" g="0" b="0"/>
+      </a:fillRef>
+      <a:effectRef idx="0">
+        <a:scrgbClr r="0" g="0" b="0"/>
+      </a:effectRef>
+      <a:fontRef idx="minor">
+        <a:schemeClr val="lt1"/>
+      </a:fontRef>
+    </dgm:style>
+  </dgm:styleLbl>
+  <dgm:styleLbl name="node1">
+    <dgm:scene3d>
+      <a:camera prst="orthographicFront"/>
+      <a:lightRig rig="threePt" dir="t"/>
+    </dgm:scene3d>
+    <dgm:sp3d/>
+    <dgm:txPr/>
+    <dgm:style>
+      <a:lnRef idx="2">
+        <a:scrgbClr r="0" g="0" b="0"/>
+      </a:lnRef>
+      <a:fillRef idx="1">
+        <a:scrgbClr r="0" g="0" b="0"/>
+      </a:fillRef>
+      <a:effectRef idx="0">
+        <a:scrgbClr r="0" g="0" b="0"/>
+      </a:effectRef>
+      <a:fontRef idx="minor">
+        <a:schemeClr val="lt1"/>
+      </a:fontRef>
+    </dgm:style>
+  </dgm:styleLbl>
+  <dgm:styleLbl name="node2">
+    <dgm:scene3d>
+      <a:camera prst="orthographicFront"/>
+      <a:lightRig rig="threePt" dir="t"/>
+    </dgm:scene3d>
+    <dgm:sp3d/>
+    <dgm:txPr/>
+    <dgm:style>
+      <a:lnRef idx="2">
+        <a:scrgbClr r="0" g="0" b="0"/>
+      </a:lnRef>
+      <a:fillRef idx="1">
+        <a:scrgbClr r="0" g="0" b="0"/>
+      </a:fillRef>
+      <a:effectRef idx="0">
+        <a:scrgbClr r="0" g="0" b="0"/>
+      </a:effectRef>
+      <a:fontRef idx="minor">
+        <a:schemeClr val="lt1"/>
+      </a:fontRef>
+    </dgm:style>
+  </dgm:styleLbl>
+  <dgm:styleLbl name="node3">
+    <dgm:scene3d>
+      <a:camera prst="orthographicFront"/>
+      <a:lightRig rig="threePt" dir="t"/>
+    </dgm:scene3d>
+    <dgm:sp3d/>
+    <dgm:txPr/>
+    <dgm:style>
+      <a:lnRef idx="2">
+        <a:scrgbClr r="0" g="0" b="0"/>
+      </a:lnRef>
+      <a:fillRef idx="1">
+        <a:scrgbClr r="0" g="0" b="0"/>
+      </a:fillRef>
+      <a:effectRef idx="0">
+        <a:scrgbClr r="0" g="0" b="0"/>
+      </a:effectRef>
+      <a:fontRef idx="minor">
+        <a:schemeClr val="lt1"/>
+      </a:fontRef>
+    </dgm:style>
+  </dgm:styleLbl>
+  <dgm:styleLbl name="node4">
+    <dgm:scene3d>
+      <a:camera prst="orthographicFront"/>
+      <a:lightRig rig="threePt" dir="t"/>
+    </dgm:scene3d>
+    <dgm:sp3d/>
+    <dgm:txPr/>
+    <dgm:style>
+      <a:lnRef idx="2">
+        <a:scrgbClr r="0" g="0" b="0"/>
+      </a:lnRef>
+      <a:fillRef idx="1">
+        <a:scrgbClr r="0" g="0" b="0"/>
+      </a:fillRef>
+      <a:effectRef idx="0">
+        <a:scrgbClr r="0" g="0" b="0"/>
+      </a:effectRef>
+      <a:fontRef idx="minor">
+        <a:schemeClr val="lt1"/>
+      </a:fontRef>
+    </dgm:style>
+  </dgm:styleLbl>
+  <dgm:styleLbl name="fgImgPlace1">
+    <dgm:scene3d>
+      <a:camera prst="orthographicFront"/>
+      <a:lightRig rig="threePt" dir="t"/>
+    </dgm:scene3d>
+    <dgm:sp3d/>
+    <dgm:txPr/>
+    <dgm:style>
+      <a:lnRef idx="2">
+        <a:scrgbClr r="0" g="0" b="0"/>
+      </a:lnRef>
+      <a:fillRef idx="1">
+        <a:scrgbClr r="0" g="0" b="0"/>
+      </a:fillRef>
+      <a:effectRef idx="0">
+        <a:scrgbClr r="0" g="0" b="0"/>
+      </a:effectRef>
+      <a:fontRef idx="minor"/>
+    </dgm:style>
+  </dgm:styleLbl>
+  <dgm:styleLbl name="alignImgPlace1">
+    <dgm:scene3d>
+      <a:camera prst="orthographicFront"/>
+      <a:lightRig rig="threePt" dir="t"/>
+    </dgm:scene3d>
+    <dgm:sp3d/>
+    <dgm:txPr/>
+    <dgm:style>
+      <a:lnRef idx="2">
+        <a:scrgbClr r="0" g="0" b="0"/>
+      </a:lnRef>
+      <a:fillRef idx="1">
+        <a:scrgbClr r="0" g="0" b="0"/>
+      </a:fillRef>
+      <a:effectRef idx="0">
+        <a:scrgbClr r="0" g="0" b="0"/>
+      </a:effectRef>
+      <a:fontRef idx="minor"/>
+    </dgm:style>
+  </dgm:styleLbl>
+  <dgm:styleLbl name="bgImgPlace1">
+    <dgm:scene3d>
+      <a:camera prst="orthographicFront"/>
+      <a:lightRig rig="threePt" dir="t"/>
+    </dgm:scene3d>
+    <dgm:sp3d/>
+    <dgm:txPr/>
+    <dgm:style>
+      <a:lnRef idx="2">
+        <a:scrgbClr r="0" g="0" b="0"/>
+      </a:lnRef>
+      <a:fillRef idx="1">
+        <a:scrgbClr r="0" g="0" b="0"/>
+      </a:fillRef>
+      <a:effectRef idx="0">
+        <a:scrgbClr r="0" g="0" b="0"/>
+      </a:effectRef>
+      <a:fontRef idx="minor"/>
+    </dgm:style>
+  </dgm:styleLbl>
+  <dgm:styleLbl name="sibTrans2D1">
+    <dgm:scene3d>
+      <a:camera prst="orthographicFront"/>
+      <a:lightRig rig="threePt" dir="t"/>
+    </dgm:scene3d>
+    <dgm:sp3d/>
+    <dgm:txPr/>
+    <dgm:style>
+      <a:lnRef idx="0">
+        <a:scrgbClr r="0" g="0" b="0"/>
+      </a:lnRef>
+      <a:fillRef idx="1">
+        <a:scrgbClr r="0" g="0" b="0"/>
+      </a:fillRef>
+      <a:effectRef idx="0">
+        <a:scrgbClr r="0" g="0" b="0"/>
+      </a:effectRef>
+      <a:fontRef idx="minor">
+        <a:schemeClr val="lt1"/>
+      </a:fontRef>
+    </dgm:style>
+  </dgm:styleLbl>
+  <dgm:styleLbl name="fgSibTrans2D1">
+    <dgm:scene3d>
+      <a:camera prst="orthographicFront"/>
+      <a:lightRig rig="threePt" dir="t"/>
+    </dgm:scene3d>
+    <dgm:sp3d/>
+    <dgm:txPr/>
+    <dgm:style>
+      <a:lnRef idx="0">
+        <a:scrgbClr r="0" g="0" b="0"/>
+      </a:lnRef>
+      <a:fillRef idx="1">
+        <a:scrgbClr r="0" g="0" b="0"/>
+      </a:fillRef>
+      <a:effectRef idx="0">
+        <a:scrgbClr r="0" g="0" b="0"/>
+      </a:effectRef>
+      <a:fontRef idx="minor">
+        <a:schemeClr val="lt1"/>
+      </a:fontRef>
+    </dgm:style>
+  </dgm:styleLbl>
+  <dgm:styleLbl name="bgSibTrans2D1">
+    <dgm:scene3d>
+      <a:camera prst="orthographicFront"/>
+      <a:lightRig rig="threePt" dir="t"/>
+    </dgm:scene3d>
+    <dgm:sp3d/>
+    <dgm:txPr/>
+    <dgm:style>
+      <a:lnRef idx="0">
+        <a:scrgbClr r="0" g="0" b="0"/>
+      </a:lnRef>
+      <a:fillRef idx="1">
+        <a:scrgbClr r="0" g="0" b="0"/>
+      </a:fillRef>
+      <a:effectRef idx="0">
+        <a:scrgbClr r="0" g="0" b="0"/>
+      </a:effectRef>
+      <a:fontRef idx="minor">
+        <a:schemeClr val="lt1"/>
+      </a:fontRef>
+    </dgm:style>
+  </dgm:styleLbl>
+  <dgm:styleLbl name="sibTrans1D1">
+    <dgm:scene3d>
+      <a:camera prst="orthographicFront"/>
+      <a:lightRig rig="threePt" dir="t"/>
+    </dgm:scene3d>
+    <dgm:sp3d/>
+    <dgm:txPr/>
+    <dgm:style>
+      <a:lnRef idx="1">
+        <a:scrgbClr r="0" g="0" b="0"/>
+      </a:lnRef>
+      <a:fillRef idx="0">
+        <a:scrgbClr r="0" g="0" b="0"/>
+      </a:fillRef>
+      <a:effectRef idx="0">
+        <a:scrgbClr r="0" g="0" b="0"/>
+      </a:effectRef>
+      <a:fontRef idx="minor"/>
+    </dgm:style>
+  </dgm:styleLbl>
+  <dgm:styleLbl name="callout">
+    <dgm:scene3d>
+      <a:camera prst="orthographicFront"/>
+      <a:lightRig rig="threePt" dir="t"/>
+    </dgm:scene3d>
+    <dgm:sp3d/>
+    <dgm:txPr/>
+    <dgm:style>
+      <a:lnRef idx="2">
+        <a:scrgbClr r="0" g="0" b="0"/>
+      </a:lnRef>
+      <a:fillRef idx="1">
+        <a:scrgbClr r="0" g="0" b="0"/>
+      </a:fillRef>
+      <a:effectRef idx="0">
+        <a:scrgbClr r="0" g="0" b="0"/>
+      </a:effectRef>
+      <a:fontRef idx="minor"/>
+    </dgm:style>
+  </dgm:styleLbl>
+  <dgm:styleLbl name="asst0">
+    <dgm:scene3d>
+      <a:camera prst="orthographicFront"/>
+      <a:lightRig rig="threePt" dir="t"/>
+    </dgm:scene3d>
+    <dgm:sp3d/>
+    <dgm:txPr/>
+    <dgm:style>
+      <a:lnRef idx="2">
+        <a:scrgbClr r="0" g="0" b="0"/>
+      </a:lnRef>
+      <a:fillRef idx="1">
+        <a:scrgbClr r="0" g="0" b="0"/>
+      </a:fillRef>
+      <a:effectRef idx="0">
+        <a:scrgbClr r="0" g="0" b="0"/>
+      </a:effectRef>
+      <a:fontRef idx="minor">
+        <a:schemeClr val="lt1"/>
+      </a:fontRef>
+    </dgm:style>
+  </dgm:styleLbl>
+  <dgm:styleLbl name="asst1">
+    <dgm:scene3d>
+      <a:camera prst="orthographicFront"/>
+      <a:lightRig rig="threePt" dir="t"/>
+    </dgm:scene3d>
+    <dgm:sp3d/>
+    <dgm:txPr/>
+    <dgm:style>
+      <a:lnRef idx="2">
+        <a:scrgbClr r="0" g="0" b="0"/>
+      </a:lnRef>
+      <a:fillRef idx="1">
+        <a:scrgbClr r="0" g="0" b="0"/>
+      </a:fillRef>
+      <a:effectRef idx="0">
+        <a:scrgbClr r="0" g="0" b="0"/>
+      </a:effectRef>
+      <a:fontRef idx="minor">
+        <a:schemeClr val="lt1"/>
+      </a:fontRef>
+    </dgm:style>
+  </dgm:styleLbl>
+  <dgm:styleLbl name="asst2">
+    <dgm:scene3d>
+      <a:camera prst="orthographicFront"/>
+      <a:lightRig rig="threePt" dir="t"/>
+    </dgm:scene3d>
+    <dgm:sp3d/>
+    <dgm:txPr/>
+    <dgm:style>
+      <a:lnRef idx="2">
+        <a:scrgbClr r="0" g="0" b="0"/>
+      </a:lnRef>
+      <a:fillRef idx="1">
+        <a:scrgbClr r="0" g="0" b="0"/>
+      </a:fillRef>
+      <a:effectRef idx="0">
+        <a:scrgbClr r="0" g="0" b="0"/>
+      </a:effectRef>
+      <a:fontRef idx="minor">
+        <a:schemeClr val="lt1"/>
+      </a:fontRef>
+    </dgm:style>
+  </dgm:styleLbl>
+  <dgm:styleLbl name="asst3">
+    <dgm:scene3d>
+      <a:camera prst="orthographicFront"/>
+      <a:lightRig rig="threePt" dir="t"/>
+    </dgm:scene3d>
+    <dgm:sp3d/>
+    <dgm:txPr/>
+    <dgm:style>
+      <a:lnRef idx="2">
+        <a:scrgbClr r="0" g="0" b="0"/>
+      </a:lnRef>
+      <a:fillRef idx="1">
+        <a:scrgbClr r="0" g="0" b="0"/>
+      </a:fillRef>
+      <a:effectRef idx="0">
+        <a:scrgbClr r="0" g="0" b="0"/>
+      </a:effectRef>
+      <a:fontRef idx="minor">
+        <a:schemeClr val="lt1"/>
+      </a:fontRef>
+    </dgm:style>
+  </dgm:styleLbl>
+  <dgm:styleLbl name="asst4">
+    <dgm:scene3d>
+      <a:camera prst="orthographicFront"/>
+      <a:lightRig rig="threePt" dir="t"/>
+    </dgm:scene3d>
+    <dgm:sp3d/>
+    <dgm:txPr/>
+    <dgm:style>
+      <a:lnRef idx="2">
+        <a:scrgbClr r="0" g="0" b="0"/>
+      </a:lnRef>
+      <a:fillRef idx="1">
+        <a:scrgbClr r="0" g="0" b="0"/>
+      </a:fillRef>
+      <a:effectRef idx="0">
+        <a:scrgbClr r="0" g="0" b="0"/>
+      </a:effectRef>
+      <a:fontRef idx="minor">
+        <a:schemeClr val="lt1"/>
+      </a:fontRef>
+    </dgm:style>
+  </dgm:styleLbl>
+  <dgm:styleLbl name="parChTrans2D1">
+    <dgm:scene3d>
+      <a:camera prst="orthographicFront"/>
+      <a:lightRig rig="threePt" dir="t"/>
+    </dgm:scene3d>
+    <dgm:sp3d/>
+    <dgm:txPr/>
+    <dgm:style>
+      <a:lnRef idx="2">
+        <a:scrgbClr r="0" g="0" b="0"/>
+      </a:lnRef>
+      <a:fillRef idx="1">
+        <a:scrgbClr r="0" g="0" b="0"/>
+      </a:fillRef>
+      <a:effectRef idx="0">
+        <a:scrgbClr r="0" g="0" b="0"/>
+      </a:effectRef>
+      <a:fontRef idx="minor">
+        <a:schemeClr val="lt1"/>
+      </a:fontRef>
+    </dgm:style>
+  </dgm:styleLbl>
+  <dgm:styleLbl name="parChTrans2D2">
+    <dgm:scene3d>
+      <a:camera prst="orthographicFront"/>
+      <a:lightRig rig="threePt" dir="t"/>
+    </dgm:scene3d>
+    <dgm:sp3d/>
+    <dgm:txPr/>
+    <dgm:style>
+      <a:lnRef idx="2">
+        <a:scrgbClr r="0" g="0" b="0"/>
+      </a:lnRef>
+      <a:fillRef idx="1">
+        <a:scrgbClr r="0" g="0" b="0"/>
+      </a:fillRef>
+      <a:effectRef idx="0">
+        <a:scrgbClr r="0" g="0" b="0"/>
+      </a:effectRef>
+      <a:fontRef idx="minor">
+        <a:schemeClr val="lt1"/>
+      </a:fontRef>
+    </dgm:style>
+  </dgm:styleLbl>
+  <dgm:styleLbl name="parChTrans2D3">
+    <dgm:scene3d>
+      <a:camera prst="orthographicFront"/>
+      <a:lightRig rig="threePt" dir="t"/>
+    </dgm:scene3d>
+    <dgm:sp3d/>
+    <dgm:txPr/>
+    <dgm:style>
+      <a:lnRef idx="2">
+        <a:scrgbClr r="0" g="0" b="0"/>
+      </a:lnRef>
+      <a:fillRef idx="1">
+        <a:scrgbClr r="0" g="0" b="0"/>
+      </a:fillRef>
+      <a:effectRef idx="0">
+        <a:scrgbClr r="0" g="0" b="0"/>
+      </a:effectRef>
+      <a:fontRef idx="minor">
+        <a:schemeClr val="lt1"/>
+      </a:fontRef>
+    </dgm:style>
+  </dgm:styleLbl>
+  <dgm:styleLbl name="parChTrans2D4">
+    <dgm:scene3d>
+      <a:camera prst="orthographicFront"/>
+      <a:lightRig rig="threePt" dir="t"/>
+    </dgm:scene3d>
+    <dgm:sp3d/>
+    <dgm:txPr/>
+    <dgm:style>
+      <a:lnRef idx="2">
+        <a:scrgbClr r="0" g="0" b="0"/>
+      </a:lnRef>
+      <a:fillRef idx="1">
+        <a:scrgbClr r="0" g="0" b="0"/>
+      </a:fillRef>
+      <a:effectRef idx="0">
+        <a:scrgbClr r="0" g="0" b="0"/>
+      </a:effectRef>
+      <a:fontRef idx="minor">
+        <a:schemeClr val="lt1"/>
+      </a:fontRef>
+    </dgm:style>
+  </dgm:styleLbl>
+  <dgm:styleLbl name="parChTrans1D1">
+    <dgm:scene3d>
+      <a:camera prst="orthographicFront"/>
+      <a:lightRig rig="threePt" dir="t"/>
+    </dgm:scene3d>
+    <dgm:sp3d/>
+    <dgm:txPr/>
+    <dgm:style>
+      <a:lnRef idx="2">
+        <a:scrgbClr r="0" g="0" b="0"/>
+      </a:lnRef>
+      <a:fillRef idx="0">
+        <a:scrgbClr r="0" g="0" b="0"/>
+      </a:fillRef>
+      <a:effectRef idx="0">
+        <a:scrgbClr r="0" g="0" b="0"/>
+      </a:effectRef>
+      <a:fontRef idx="minor"/>
+    </dgm:style>
+  </dgm:styleLbl>
+  <dgm:styleLbl name="parChTrans1D2">
+    <dgm:scene3d>
+      <a:camera prst="orthographicFront"/>
+      <a:lightRig rig="threePt" dir="t"/>
+    </dgm:scene3d>
+    <dgm:sp3d/>
+    <dgm:txPr/>
+    <dgm:style>
+      <a:lnRef idx="2">
+        <a:scrgbClr r="0" g="0" b="0"/>
+      </a:lnRef>
+      <a:fillRef idx="0">
+        <a:scrgbClr r="0" g="0" b="0"/>
+      </a:fillRef>
+      <a:effectRef idx="0">
+        <a:scrgbClr r="0" g="0" b="0"/>
+      </a:effectRef>
+      <a:fontRef idx="minor"/>
+    </dgm:style>
+  </dgm:styleLbl>
+  <dgm:styleLbl name="parChTrans1D3">
+    <dgm:scene3d>
+      <a:camera prst="orthographicFront"/>
+      <a:lightRig rig="threePt" dir="t"/>
+    </dgm:scene3d>
+    <dgm:sp3d/>
+    <dgm:txPr/>
+    <dgm:style>
+      <a:lnRef idx="2">
+        <a:scrgbClr r="0" g="0" b="0"/>
+      </a:lnRef>
+      <a:fillRef idx="0">
+        <a:scrgbClr r="0" g="0" b="0"/>
+      </a:fillRef>
+      <a:effectRef idx="0">
+        <a:scrgbClr r="0" g="0" b="0"/>
+      </a:effectRef>
+      <a:fontRef idx="minor"/>
+    </dgm:style>
+  </dgm:styleLbl>
+  <dgm:styleLbl name="parChTrans1D4">
+    <dgm:scene3d>
+      <a:camera prst="orthographicFront"/>
+      <a:lightRig rig="threePt" dir="t"/>
+    </dgm:scene3d>
+    <dgm:sp3d/>
+    <dgm:txPr/>
+    <dgm:style>
+      <a:lnRef idx="2">
+        <a:scrgbClr r="0" g="0" b="0"/>
+      </a:lnRef>
+      <a:fillRef idx="0">
+        <a:scrgbClr r="0" g="0" b="0"/>
+      </a:fillRef>
+      <a:effectRef idx="0">
+        <a:scrgbClr r="0" g="0" b="0"/>
+      </a:effectRef>
+      <a:fontRef idx="minor"/>
+    </dgm:style>
+  </dgm:styleLbl>
+  <dgm:styleLbl name="fgAcc1">
+    <dgm:scene3d>
+      <a:camera prst="orthographicFront"/>
+      <a:lightRig rig="threePt" dir="t"/>
+    </dgm:scene3d>
+    <dgm:sp3d/>
+    <dgm:txPr/>
+    <dgm:style>
+      <a:lnRef idx="2">
+        <a:scrgbClr r="0" g="0" b="0"/>
+      </a:lnRef>
+      <a:fillRef idx="1">
+        <a:scrgbClr r="0" g="0" b="0"/>
+      </a:fillRef>
+      <a:effectRef idx="0">
+        <a:scrgbClr r="0" g="0" b="0"/>
+      </a:effectRef>
+      <a:fontRef idx="minor"/>
+    </dgm:style>
+  </dgm:styleLbl>
+  <dgm:styleLbl name="conFgAcc1">
+    <dgm:scene3d>
+      <a:camera prst="orthographicFront"/>
+      <a:lightRig rig="threePt" dir="t"/>
+    </dgm:scene3d>
+    <dgm:sp3d/>
+    <dgm:txPr/>
+    <dgm:style>
+      <a:lnRef idx="2">
+        <a:scrgbClr r="0" g="0" b="0"/>
+      </a:lnRef>
+      <a:fillRef idx="1">
+        <a:scrgbClr r="0" g="0" b="0"/>
+      </a:fillRef>
+      <a:effectRef idx="0">
+        <a:scrgbClr r="0" g="0" b="0"/>
+      </a:effectRef>
+      <a:fontRef idx="minor"/>
+    </dgm:style>
+  </dgm:styleLbl>
+  <dgm:styleLbl name="alignAcc1">
+    <dgm:scene3d>
+      <a:camera prst="orthographicFront"/>
+      <a:lightRig rig="threePt" dir="t"/>
+    </dgm:scene3d>
+    <dgm:sp3d/>
+    <dgm:txPr/>
+    <dgm:style>
+      <a:lnRef idx="2">
+        <a:scrgbClr r="0" g="0" b="0"/>
+      </a:lnRef>
+      <a:fillRef idx="1">
+        <a:scrgbClr r="0" g="0" b="0"/>
+      </a:fillRef>
+      <a:effectRef idx="0">
+        <a:scrgbClr r="0" g="0" b="0"/>
+      </a:effectRef>
+      <a:fontRef idx="minor"/>
+    </dgm:style>
+  </dgm:styleLbl>
+  <dgm:styleLbl name="trAlignAcc1">
+    <dgm:scene3d>
+      <a:camera prst="orthographicFront"/>
+      <a:lightRig rig="threePt" dir="t"/>
+    </dgm:scene3d>
+    <dgm:sp3d/>
+    <dgm:txPr/>
+    <dgm:style>
+      <a:lnRef idx="1">
+        <a:scrgbClr r="0" g="0" b="0"/>
+      </a:lnRef>
+      <a:fillRef idx="1">
+        <a:scrgbClr r="0" g="0" b="0"/>
+      </a:fillRef>
+      <a:effectRef idx="0">
+        <a:scrgbClr r="0" g="0" b="0"/>
+      </a:effectRef>
+      <a:fontRef idx="minor"/>
+    </dgm:style>
+  </dgm:styleLbl>
+  <dgm:styleLbl name="bgAcc1">
+    <dgm:scene3d>
+      <a:camera prst="orthographicFront"/>
+      <a:lightRig rig="threePt" dir="t"/>
+    </dgm:scene3d>
+    <dgm:sp3d/>
+    <dgm:txPr/>
+    <dgm:style>
+      <a:lnRef idx="2">
+        <a:scrgbClr r="0" g="0" b="0"/>
+      </a:lnRef>
+      <a:fillRef idx="1">
+        <a:scrgbClr r="0" g="0" b="0"/>
+      </a:fillRef>
+      <a:effectRef idx="0">
+        <a:scrgbClr r="0" g="0" b="0"/>
+      </a:effectRef>
+      <a:fontRef idx="minor"/>
+    </dgm:style>
+  </dgm:styleLbl>
+  <dgm:styleLbl name="solidFgAcc1">
+    <dgm:scene3d>
+      <a:camera prst="orthographicFront"/>
+      <a:lightRig rig="threePt" dir="t"/>
+    </dgm:scene3d>
+    <dgm:sp3d/>
+    <dgm:txPr/>
+    <dgm:style>
+      <a:lnRef idx="2">
+        <a:scrgbClr r="0" g="0" b="0"/>
+      </a:lnRef>
+      <a:fillRef idx="1">
+        <a:scrgbClr r="0" g="0" b="0"/>
+      </a:fillRef>
+      <a:effectRef idx="0">
+        <a:scrgbClr r="0" g="0" b="0"/>
+      </a:effectRef>
+      <a:fontRef idx="minor"/>
+    </dgm:style>
+  </dgm:styleLbl>
+  <dgm:styleLbl name="solidAlignAcc1">
+    <dgm:scene3d>
+      <a:camera prst="orthographicFront"/>
+      <a:lightRig rig="threePt" dir="t"/>
+    </dgm:scene3d>
+    <dgm:sp3d/>
+    <dgm:txPr/>
+    <dgm:style>
+      <a:lnRef idx="2">
+        <a:scrgbClr r="0" g="0" b="0"/>
+      </a:lnRef>
+      <a:fillRef idx="1">
+        <a:scrgbClr r="0" g="0" b="0"/>
+      </a:fillRef>
+      <a:effectRef idx="0">
+        <a:scrgbClr r="0" g="0" b="0"/>
+      </a:effectRef>
+      <a:fontRef idx="minor"/>
+    </dgm:style>
+  </dgm:styleLbl>
+  <dgm:styleLbl name="solidBgAcc1">
+    <dgm:scene3d>
+      <a:camera prst="orthographicFront"/>
+      <a:lightRig rig="threePt" dir="t"/>
+    </dgm:scene3d>
+    <dgm:sp3d/>
+    <dgm:txPr/>
+    <dgm:style>
+      <a:lnRef idx="2">
+        <a:scrgbClr r="0" g="0" b="0"/>
+      </a:lnRef>
+      <a:fillRef idx="1">
+        <a:scrgbClr r="0" g="0" b="0"/>
+      </a:fillRef>
+      <a:effectRef idx="0">
+        <a:scrgbClr r="0" g="0" b="0"/>
+      </a:effectRef>
+      <a:fontRef idx="minor"/>
+    </dgm:style>
+  </dgm:styleLbl>
+  <dgm:styleLbl name="fgAccFollowNode1">
+    <dgm:scene3d>
+      <a:camera prst="orthographicFront"/>
+      <a:lightRig rig="threePt" dir="t"/>
+    </dgm:scene3d>
+    <dgm:sp3d/>
+    <dgm:txPr/>
+    <dgm:style>
+      <a:lnRef idx="2">
+        <a:scrgbClr r="0" g="0" b="0"/>
+      </a:lnRef>
+      <a:fillRef idx="1">
+        <a:scrgbClr r="0" g="0" b="0"/>
+      </a:fillRef>
+      <a:effectRef idx="0">
+        <a:scrgbClr r="0" g="0" b="0"/>
+      </a:effectRef>
+      <a:fontRef idx="minor"/>
+    </dgm:style>
+  </dgm:styleLbl>
+  <dgm:styleLbl name="alignAccFollowNode1">
+    <dgm:scene3d>
+      <a:camera prst="orthographicFront"/>
+      <a:lightRig rig="threePt" dir="t"/>
+    </dgm:scene3d>
+    <dgm:sp3d/>
+    <dgm:txPr/>
+    <dgm:style>
+      <a:lnRef idx="2">
+        <a:scrgbClr r="0" g="0" b="0"/>
+      </a:lnRef>
+      <a:fillRef idx="1">
+        <a:scrgbClr r="0" g="0" b="0"/>
+      </a:fillRef>
+      <a:effectRef idx="0">
+        <a:scrgbClr r="0" g="0" b="0"/>
+      </a:effectRef>
+      <a:fontRef idx="minor"/>
+    </dgm:style>
+  </dgm:styleLbl>
+  <dgm:styleLbl name="bgAccFollowNode1">
+    <dgm:scene3d>
+      <a:camera prst="orthographicFront"/>
+      <a:lightRig rig="threePt" dir="t"/>
+    </dgm:scene3d>
+    <dgm:sp3d/>
+    <dgm:txPr/>
+    <dgm:style>
+      <a:lnRef idx="2">
+        <a:scrgbClr r="0" g="0" b="0"/>
+      </a:lnRef>
+      <a:fillRef idx="1">
+        <a:scrgbClr r="0" g="0" b="0"/>
+      </a:fillRef>
+      <a:effectRef idx="0">
+        <a:scrgbClr r="0" g="0" b="0"/>
+      </a:effectRef>
+      <a:fontRef idx="minor"/>
+    </dgm:style>
+  </dgm:styleLbl>
+  <dgm:styleLbl name="fgAcc0">
+    <dgm:scene3d>
+      <a:camera prst="orthographicFront"/>
+      <a:lightRig rig="threePt" dir="t"/>
+    </dgm:scene3d>
+    <dgm:sp3d/>
+    <dgm:txPr/>
+    <dgm:style>
+      <a:lnRef idx="2">
+        <a:scrgbClr r="0" g="0" b="0"/>
+      </a:lnRef>
+      <a:fillRef idx="1">
+        <a:scrgbClr r="0" g="0" b="0"/>
+      </a:fillRef>
+      <a:effectRef idx="0">
+        <a:scrgbClr r="0" g="0" b="0"/>
+      </a:effectRef>
+      <a:fontRef idx="minor"/>
+    </dgm:style>
+  </dgm:styleLbl>
+  <dgm:styleLbl name="fgAcc2">
+    <dgm:scene3d>
+      <a:camera prst="orthographicFront"/>
+      <a:lightRig rig="threePt" dir="t"/>
+    </dgm:scene3d>
+    <dgm:sp3d/>
+    <dgm:txPr/>
+    <dgm:style>
+      <a:lnRef idx="2">
+        <a:scrgbClr r="0" g="0" b="0"/>
+      </a:lnRef>
+      <a:fillRef idx="1">
+        <a:scrgbClr r="0" g="0" b="0"/>
+      </a:fillRef>
+      <a:effectRef idx="0">
+        <a:scrgbClr r="0" g="0" b="0"/>
+      </a:effectRef>
+      <a:fontRef idx="minor"/>
+    </dgm:style>
+  </dgm:styleLbl>
+  <dgm:styleLbl name="fgAcc3">
+    <dgm:scene3d>
+      <a:camera prst="orthographicFront"/>
+      <a:lightRig rig="threePt" dir="t"/>
+    </dgm:scene3d>
+    <dgm:sp3d/>
+    <dgm:txPr/>
+    <dgm:style>
+      <a:lnRef idx="2">
+        <a:scrgbClr r="0" g="0" b="0"/>
+      </a:lnRef>
+      <a:fillRef idx="1">
+        <a:scrgbClr r="0" g="0" b="0"/>
+      </a:fillRef>
+      <a:effectRef idx="0">
+        <a:scrgbClr r="0" g="0" b="0"/>
+      </a:effectRef>
+      <a:fontRef idx="minor"/>
+    </dgm:style>
+  </dgm:styleLbl>
+  <dgm:styleLbl name="fgAcc4">
+    <dgm:scene3d>
+      <a:camera prst="orthographicFront"/>
+      <a:lightRig rig="threePt" dir="t"/>
+    </dgm:scene3d>
+    <dgm:sp3d/>
+    <dgm:txPr/>
+    <dgm:style>
+      <a:lnRef idx="2">
+        <a:scrgbClr r="0" g="0" b="0"/>
+      </a:lnRef>
+      <a:fillRef idx="1">
+        <a:scrgbClr r="0" g="0" b="0"/>
+      </a:fillRef>
+      <a:effectRef idx="0">
+        <a:scrgbClr r="0" g="0" b="0"/>
+      </a:effectRef>
+      <a:fontRef idx="minor"/>
+    </dgm:style>
+  </dgm:styleLbl>
+  <dgm:styleLbl name="bgShp">
+    <dgm:scene3d>
+      <a:camera prst="orthographicFront"/>
+      <a:lightRig rig="threePt" dir="t"/>
+    </dgm:scene3d>
+    <dgm:sp3d/>
+    <dgm:txPr/>
+    <dgm:style>
+      <a:lnRef idx="0">
+        <a:scrgbClr r="0" g="0" b="0"/>
+      </a:lnRef>
+      <a:fillRef idx="1">
+        <a:scrgbClr r="0" g="0" b="0"/>
+      </a:fillRef>
+      <a:effectRef idx="0">
+        <a:scrgbClr r="0" g="0" b="0"/>
+      </a:effectRef>
+      <a:fontRef idx="minor"/>
+    </dgm:style>
+  </dgm:styleLbl>
+  <dgm:styleLbl name="dkBgShp">
+    <dgm:scene3d>
+      <a:camera prst="orthographicFront"/>
+      <a:lightRig rig="threePt" dir="t"/>
+    </dgm:scene3d>
+    <dgm:sp3d/>
+    <dgm:txPr/>
+    <dgm:style>
+      <a:lnRef idx="0">
+        <a:scrgbClr r="0" g="0" b="0"/>
+      </a:lnRef>
+      <a:fillRef idx="1">
+        <a:scrgbClr r="0" g="0" b="0"/>
+      </a:fillRef>
+      <a:effectRef idx="0">
+        <a:scrgbClr r="0" g="0" b="0"/>
+      </a:effectRef>
+      <a:fontRef idx="minor"/>
+    </dgm:style>
+  </dgm:styleLbl>
+  <dgm:styleLbl name="trBgShp">
+    <dgm:scene3d>
+      <a:camera prst="orthographicFront"/>
+      <a:lightRig rig="threePt" dir="t"/>
+    </dgm:scene3d>
+    <dgm:sp3d/>
+    <dgm:txPr/>
+    <dgm:style>
+      <a:lnRef idx="0">
+        <a:scrgbClr r="0" g="0" b="0"/>
+      </a:lnRef>
+      <a:fillRef idx="1">
+        <a:scrgbClr r="0" g="0" b="0"/>
+      </a:fillRef>
+      <a:effectRef idx="0">
+        <a:scrgbClr r="0" g="0" b="0"/>
+      </a:effectRef>
+      <a:fontRef idx="minor"/>
+    </dgm:style>
+  </dgm:styleLbl>
+  <dgm:styleLbl name="fgShp">
+    <dgm:scene3d>
+      <a:camera prst="orthographicFront"/>
+      <a:lightRig rig="threePt" dir="t"/>
+    </dgm:scene3d>
+    <dgm:sp3d/>
+    <dgm:txPr/>
+    <dgm:style>
+      <a:lnRef idx="2">
+        <a:scrgbClr r="0" g="0" b="0"/>
+      </a:lnRef>
+      <a:fillRef idx="1">
+        <a:scrgbClr r="0" g="0" b="0"/>
+      </a:fillRef>
+      <a:effectRef idx="0">
+        <a:scrgbClr r="0" g="0" b="0"/>
+      </a:effectRef>
+      <a:fontRef idx="minor"/>
+    </dgm:style>
+  </dgm:styleLbl>
+  <dgm:styleLbl name="revTx">
+    <dgm:scene3d>
+      <a:camera prst="orthographicFront"/>
+      <a:lightRig rig="threePt" dir="t"/>
+    </dgm:scene3d>
+    <dgm:sp3d/>
+    <dgm:txPr/>
+    <dgm:style>
+      <a:lnRef idx="0">
+        <a:scrgbClr r="0" g="0" b="0"/>
+      </a:lnRef>
+      <a:fillRef idx="0">
+        <a:scrgbClr r="0" g="0" b="0"/>
+      </a:fillRef>
+      <a:effectRef idx="0">
+        <a:scrgbClr r="0" g="0" b="0"/>
+      </a:effectRef>
+      <a:fontRef idx="minor"/>
+    </dgm:style>
+  </dgm:styleLbl>
+</dgm:styleDef>
+</file>
+
+<file path=ppt/diagrams/quickStyle3.xml><?xml version="1.0" encoding="utf-8"?>
 <dgm:styleDef xmlns:dgm="http://schemas.openxmlformats.org/drawingml/2006/diagram" xmlns:a="http://schemas.openxmlformats.org/drawingml/2006/main" uniqueId="urn:microsoft.com/office/officeart/2005/8/quickstyle/simple1">
   <dgm:title val=""/>
   <dgm:desc val=""/>
@@ -6516,7 +10436,7 @@
           <a:p>
             <a:fld id="{04E15C71-672D-455D-9F83-7BEFA731841B}" type="datetimeFigureOut">
               <a:rPr lang="en-US" smtClean="0"/>
-              <a:t>11/29/2017</a:t>
+              <a:t>11/30/2017</a:t>
             </a:fld>
             <a:endParaRPr lang="en-US"/>
           </a:p>
@@ -6714,7 +10634,7 @@
           <a:p>
             <a:fld id="{04E15C71-672D-455D-9F83-7BEFA731841B}" type="datetimeFigureOut">
               <a:rPr lang="en-US" smtClean="0"/>
-              <a:t>11/29/2017</a:t>
+              <a:t>11/30/2017</a:t>
             </a:fld>
             <a:endParaRPr lang="en-US"/>
           </a:p>
@@ -6922,7 +10842,7 @@
           <a:p>
             <a:fld id="{04E15C71-672D-455D-9F83-7BEFA731841B}" type="datetimeFigureOut">
               <a:rPr lang="en-US" smtClean="0"/>
-              <a:t>11/29/2017</a:t>
+              <a:t>11/30/2017</a:t>
             </a:fld>
             <a:endParaRPr lang="en-US"/>
           </a:p>
@@ -7120,7 +11040,7 @@
           <a:p>
             <a:fld id="{04E15C71-672D-455D-9F83-7BEFA731841B}" type="datetimeFigureOut">
               <a:rPr lang="en-US" smtClean="0"/>
-              <a:t>11/29/2017</a:t>
+              <a:t>11/30/2017</a:t>
             </a:fld>
             <a:endParaRPr lang="en-US"/>
           </a:p>
@@ -7395,7 +11315,7 @@
           <a:p>
             <a:fld id="{04E15C71-672D-455D-9F83-7BEFA731841B}" type="datetimeFigureOut">
               <a:rPr lang="en-US" smtClean="0"/>
-              <a:t>11/29/2017</a:t>
+              <a:t>11/30/2017</a:t>
             </a:fld>
             <a:endParaRPr lang="en-US"/>
           </a:p>
@@ -7660,7 +11580,7 @@
           <a:p>
             <a:fld id="{04E15C71-672D-455D-9F83-7BEFA731841B}" type="datetimeFigureOut">
               <a:rPr lang="en-US" smtClean="0"/>
-              <a:t>11/29/2017</a:t>
+              <a:t>11/30/2017</a:t>
             </a:fld>
             <a:endParaRPr lang="en-US"/>
           </a:p>
@@ -8072,7 +11992,7 @@
           <a:p>
             <a:fld id="{04E15C71-672D-455D-9F83-7BEFA731841B}" type="datetimeFigureOut">
               <a:rPr lang="en-US" smtClean="0"/>
-              <a:t>11/29/2017</a:t>
+              <a:t>11/30/2017</a:t>
             </a:fld>
             <a:endParaRPr lang="en-US"/>
           </a:p>
@@ -8213,7 +12133,7 @@
           <a:p>
             <a:fld id="{04E15C71-672D-455D-9F83-7BEFA731841B}" type="datetimeFigureOut">
               <a:rPr lang="en-US" smtClean="0"/>
-              <a:t>11/29/2017</a:t>
+              <a:t>11/30/2017</a:t>
             </a:fld>
             <a:endParaRPr lang="en-US"/>
           </a:p>
@@ -8326,7 +12246,7 @@
           <a:p>
             <a:fld id="{04E15C71-672D-455D-9F83-7BEFA731841B}" type="datetimeFigureOut">
               <a:rPr lang="en-US" smtClean="0"/>
-              <a:t>11/29/2017</a:t>
+              <a:t>11/30/2017</a:t>
             </a:fld>
             <a:endParaRPr lang="en-US"/>
           </a:p>
@@ -8637,7 +12557,7 @@
           <a:p>
             <a:fld id="{04E15C71-672D-455D-9F83-7BEFA731841B}" type="datetimeFigureOut">
               <a:rPr lang="en-US" smtClean="0"/>
-              <a:t>11/29/2017</a:t>
+              <a:t>11/30/2017</a:t>
             </a:fld>
             <a:endParaRPr lang="en-US"/>
           </a:p>
@@ -8925,7 +12845,7 @@
           <a:p>
             <a:fld id="{04E15C71-672D-455D-9F83-7BEFA731841B}" type="datetimeFigureOut">
               <a:rPr lang="en-US" smtClean="0"/>
-              <a:t>11/29/2017</a:t>
+              <a:t>11/30/2017</a:t>
             </a:fld>
             <a:endParaRPr lang="en-US"/>
           </a:p>
@@ -9166,7 +13086,7 @@
           <a:p>
             <a:fld id="{04E15C71-672D-455D-9F83-7BEFA731841B}" type="datetimeFigureOut">
               <a:rPr lang="en-US" smtClean="0"/>
-              <a:t>11/29/2017</a:t>
+              <a:t>11/30/2017</a:t>
             </a:fld>
             <a:endParaRPr lang="en-US"/>
           </a:p>
@@ -9698,7 +13618,7 @@
           <p:cNvPr id="2" name="Title 1">
             <a:extLst>
               <a:ext uri="{FF2B5EF4-FFF2-40B4-BE49-F238E27FC236}">
-                <a16:creationId xmlns:a16="http://schemas.microsoft.com/office/drawing/2014/main" id="{16A8936F-AA59-4754-8158-790633715D63}"/>
+                <a16:creationId xmlns:a16="http://schemas.microsoft.com/office/drawing/2014/main" id="{E0E6208A-84E8-40DD-8834-E56ACFC48055}"/>
               </a:ext>
             </a:extLst>
           </p:cNvPr>
@@ -9715,9 +13635,102 @@
           <a:lstStyle/>
           <a:p>
             <a:r>
-              <a:rPr lang="en-US" dirty="0"/>
-              <a:t>Steps</a:t>
+              <a:rPr lang="en-US" dirty="0" smtClean="0"/>
+              <a:t>Results</a:t>
             </a:r>
+            <a:endParaRPr lang="en-US" dirty="0"/>
+          </a:p>
+        </p:txBody>
+      </p:sp>
+      <p:sp>
+        <p:nvSpPr>
+          <p:cNvPr id="3" name="Content Placeholder 2">
+            <a:extLst>
+              <a:ext uri="{FF2B5EF4-FFF2-40B4-BE49-F238E27FC236}">
+                <a16:creationId xmlns:a16="http://schemas.microsoft.com/office/drawing/2014/main" id="{0A9C75DE-D7BD-4ECC-9875-189F5E3011D8}"/>
+              </a:ext>
+            </a:extLst>
+          </p:cNvPr>
+          <p:cNvSpPr>
+            <a:spLocks noGrp="1"/>
+          </p:cNvSpPr>
+          <p:nvPr>
+            <p:ph idx="1"/>
+          </p:nvPr>
+        </p:nvSpPr>
+        <p:spPr/>
+        <p:txBody>
+          <a:bodyPr/>
+          <a:lstStyle/>
+          <a:p>
+            <a:endParaRPr lang="en-US" dirty="0"/>
+          </a:p>
+        </p:txBody>
+      </p:sp>
+    </p:spTree>
+    <p:extLst>
+      <p:ext uri="{BB962C8B-B14F-4D97-AF65-F5344CB8AC3E}">
+        <p14:creationId xmlns:p14="http://schemas.microsoft.com/office/powerpoint/2010/main" val="2415861598"/>
+      </p:ext>
+    </p:extLst>
+  </p:cSld>
+  <p:clrMapOvr>
+    <a:masterClrMapping/>
+  </p:clrMapOvr>
+  <p:timing>
+    <p:tnLst>
+      <p:par>
+        <p:cTn id="1" dur="indefinite" restart="never" nodeType="tmRoot"/>
+      </p:par>
+    </p:tnLst>
+  </p:timing>
+</p:sld>
+</file>
+
+<file path=ppt/slides/slide11.xml><?xml version="1.0" encoding="utf-8"?>
+<p:sld xmlns:a="http://schemas.openxmlformats.org/drawingml/2006/main" xmlns:r="http://schemas.openxmlformats.org/officeDocument/2006/relationships" xmlns:p="http://schemas.openxmlformats.org/presentationml/2006/main">
+  <p:cSld>
+    <p:spTree>
+      <p:nvGrpSpPr>
+        <p:cNvPr id="1" name=""/>
+        <p:cNvGrpSpPr/>
+        <p:nvPr/>
+      </p:nvGrpSpPr>
+      <p:grpSpPr>
+        <a:xfrm>
+          <a:off x="0" y="0"/>
+          <a:ext cx="0" cy="0"/>
+          <a:chOff x="0" y="0"/>
+          <a:chExt cx="0" cy="0"/>
+        </a:xfrm>
+      </p:grpSpPr>
+      <p:sp>
+        <p:nvSpPr>
+          <p:cNvPr id="2" name="Title 1"/>
+          <p:cNvSpPr>
+            <a:spLocks noGrp="1"/>
+          </p:cNvSpPr>
+          <p:nvPr>
+            <p:ph type="title"/>
+          </p:nvPr>
+        </p:nvSpPr>
+        <p:spPr>
+          <a:xfrm>
+            <a:off x="838200" y="161925"/>
+            <a:ext cx="10515600" cy="691515"/>
+          </a:xfrm>
+        </p:spPr>
+        <p:txBody>
+          <a:bodyPr>
+            <a:normAutofit fontScale="90000"/>
+          </a:bodyPr>
+          <a:lstStyle/>
+          <a:p>
+            <a:r>
+              <a:rPr lang="en-US" dirty="0" smtClean="0"/>
+              <a:t>Identifying dishes in a random dining image</a:t>
+            </a:r>
+            <a:endParaRPr lang="en-US" dirty="0"/>
           </a:p>
         </p:txBody>
       </p:sp>
@@ -9731,20 +13744,19 @@
             </a:extLst>
           </p:cNvPr>
           <p:cNvGraphicFramePr>
-            <a:graphicFrameLocks noGrp="1"/>
+            <a:graphicFrameLocks/>
           </p:cNvGraphicFramePr>
           <p:nvPr>
-            <p:ph idx="1"/>
             <p:extLst>
               <p:ext uri="{D42A27DB-BD31-4B8C-83A1-F6EECF244321}">
-                <p14:modId xmlns:p14="http://schemas.microsoft.com/office/powerpoint/2010/main" val="3405286806"/>
+                <p14:modId xmlns:p14="http://schemas.microsoft.com/office/powerpoint/2010/main" val="4099789255"/>
               </p:ext>
             </p:extLst>
           </p:nvPr>
         </p:nvGraphicFramePr>
         <p:xfrm>
-          <a:off x="838200" y="1825625"/>
-          <a:ext cx="10515600" cy="4351338"/>
+          <a:off x="660400" y="975360"/>
+          <a:ext cx="11115040" cy="5638800"/>
         </p:xfrm>
         <a:graphic>
           <a:graphicData uri="http://schemas.openxmlformats.org/drawingml/2006/diagram">
@@ -9755,7 +13767,125 @@
     </p:spTree>
     <p:extLst>
       <p:ext uri="{BB962C8B-B14F-4D97-AF65-F5344CB8AC3E}">
-        <p14:creationId xmlns:p14="http://schemas.microsoft.com/office/powerpoint/2010/main" val="4032174475"/>
+        <p14:creationId xmlns:p14="http://schemas.microsoft.com/office/powerpoint/2010/main" val="3347192103"/>
+      </p:ext>
+    </p:extLst>
+  </p:cSld>
+  <p:clrMapOvr>
+    <a:masterClrMapping/>
+  </p:clrMapOvr>
+  <p:timing>
+    <p:tnLst>
+      <p:par>
+        <p:cTn id="1" dur="indefinite" restart="never" nodeType="tmRoot"/>
+      </p:par>
+    </p:tnLst>
+  </p:timing>
+</p:sld>
+</file>
+
+<file path=ppt/slides/slide12.xml><?xml version="1.0" encoding="utf-8"?>
+<p:sld xmlns:a="http://schemas.openxmlformats.org/drawingml/2006/main" xmlns:r="http://schemas.openxmlformats.org/officeDocument/2006/relationships" xmlns:p="http://schemas.openxmlformats.org/presentationml/2006/main">
+  <p:cSld>
+    <p:spTree>
+      <p:nvGrpSpPr>
+        <p:cNvPr id="1" name=""/>
+        <p:cNvGrpSpPr/>
+        <p:nvPr/>
+      </p:nvGrpSpPr>
+      <p:grpSpPr>
+        <a:xfrm>
+          <a:off x="0" y="0"/>
+          <a:ext cx="0" cy="0"/>
+          <a:chOff x="0" y="0"/>
+          <a:chExt cx="0" cy="0"/>
+        </a:xfrm>
+      </p:grpSpPr>
+      <p:sp>
+        <p:nvSpPr>
+          <p:cNvPr id="4" name="Title 3"/>
+          <p:cNvSpPr>
+            <a:spLocks noGrp="1"/>
+          </p:cNvSpPr>
+          <p:nvPr>
+            <p:ph type="title"/>
+          </p:nvPr>
+        </p:nvSpPr>
+        <p:spPr/>
+        <p:txBody>
+          <a:bodyPr/>
+          <a:lstStyle/>
+          <a:p>
+            <a:r>
+              <a:rPr lang="en-US" dirty="0" smtClean="0"/>
+              <a:t>Results</a:t>
+            </a:r>
+            <a:endParaRPr lang="en-US" dirty="0"/>
+          </a:p>
+        </p:txBody>
+      </p:sp>
+      <p:pic>
+        <p:nvPicPr>
+          <p:cNvPr id="7" name="Content Placeholder 6"/>
+          <p:cNvPicPr>
+            <a:picLocks noGrp="1" noChangeAspect="1"/>
+          </p:cNvPicPr>
+          <p:nvPr>
+            <p:ph sz="half" idx="1"/>
+          </p:nvPr>
+        </p:nvPicPr>
+        <p:blipFill>
+          <a:blip r:embed="rId2">
+            <a:extLst>
+              <a:ext uri="{28A0092B-C50C-407E-A947-70E740481C1C}">
+                <a14:useLocalDpi xmlns:a14="http://schemas.microsoft.com/office/drawing/2010/main" val="0"/>
+              </a:ext>
+            </a:extLst>
+          </a:blip>
+          <a:stretch>
+            <a:fillRect/>
+          </a:stretch>
+        </p:blipFill>
+        <p:spPr>
+          <a:xfrm>
+            <a:off x="264794" y="2178368"/>
+            <a:ext cx="5705749" cy="3328352"/>
+          </a:xfrm>
+        </p:spPr>
+      </p:pic>
+      <p:pic>
+        <p:nvPicPr>
+          <p:cNvPr id="8" name="Content Placeholder 7"/>
+          <p:cNvPicPr>
+            <a:picLocks noGrp="1" noChangeAspect="1"/>
+          </p:cNvPicPr>
+          <p:nvPr>
+            <p:ph sz="half" idx="2"/>
+          </p:nvPr>
+        </p:nvPicPr>
+        <p:blipFill>
+          <a:blip r:embed="rId3">
+            <a:extLst>
+              <a:ext uri="{28A0092B-C50C-407E-A947-70E740481C1C}">
+                <a14:useLocalDpi xmlns:a14="http://schemas.microsoft.com/office/drawing/2010/main" val="0"/>
+              </a:ext>
+            </a:extLst>
+          </a:blip>
+          <a:stretch>
+            <a:fillRect/>
+          </a:stretch>
+        </p:blipFill>
+        <p:spPr>
+          <a:xfrm>
+            <a:off x="6094221" y="2021840"/>
+            <a:ext cx="5790616" cy="3350749"/>
+          </a:xfrm>
+        </p:spPr>
+      </p:pic>
+    </p:spTree>
+    <p:extLst>
+      <p:ext uri="{BB962C8B-B14F-4D97-AF65-F5344CB8AC3E}">
+        <p14:creationId xmlns:p14="http://schemas.microsoft.com/office/powerpoint/2010/main" val="3675507553"/>
       </p:ext>
     </p:extLst>
   </p:cSld>
@@ -9832,14 +13962,43 @@
           <a:lstStyle/>
           <a:p>
             <a:r>
+              <a:rPr lang="en-US" dirty="0" smtClean="0"/>
+              <a:t>The objective of this project is to train the </a:t>
+            </a:r>
+            <a:r>
+              <a:rPr lang="en-US" dirty="0" err="1" smtClean="0"/>
+              <a:t>Scikit</a:t>
+            </a:r>
+            <a:r>
+              <a:rPr lang="en-US" dirty="0" smtClean="0"/>
+              <a:t>-Learn classifiers with images of Entrée</a:t>
+            </a:r>
+            <a:r>
               <a:rPr lang="en-US" dirty="0"/>
-              <a:t>We have a dataset of about 300 images. Our goal is to train our model to classify these images as Entrée, Salad and Dessert.</a:t>
+              <a:t>, Salad and </a:t>
             </a:r>
+            <a:r>
+              <a:rPr lang="en-US" dirty="0" smtClean="0"/>
+              <a:t>Dessert dishes and be able to predict if a given image is </a:t>
+            </a:r>
+            <a:r>
+              <a:rPr lang="en-US" dirty="0"/>
+              <a:t>an Entrée, Salad </a:t>
+            </a:r>
+            <a:r>
+              <a:rPr lang="en-US" dirty="0" smtClean="0"/>
+              <a:t>or </a:t>
+            </a:r>
+            <a:r>
+              <a:rPr lang="en-US" dirty="0"/>
+              <a:t>Dessert.</a:t>
+            </a:r>
+            <a:endParaRPr lang="en-US" dirty="0"/>
           </a:p>
           <a:p>
             <a:r>
-              <a:rPr lang="en-US" dirty="0"/>
-              <a:t>We have used two approaches to get our results. Unsupervised learning where we do not use the labels that we have and Supervised learning where we use the labels</a:t>
+              <a:rPr lang="en-US" dirty="0" smtClean="0"/>
+              <a:t>The second part of the project is to take any arbitrary image with different food servings on a table and then mark sections of the image containing food. </a:t>
             </a:r>
           </a:p>
         </p:txBody>
@@ -9858,6 +14017,96 @@
 </file>
 
 <file path=ppt/slides/slide3.xml><?xml version="1.0" encoding="utf-8"?>
+<p:sld xmlns:a="http://schemas.openxmlformats.org/drawingml/2006/main" xmlns:r="http://schemas.openxmlformats.org/officeDocument/2006/relationships" xmlns:p="http://schemas.openxmlformats.org/presentationml/2006/main">
+  <p:cSld>
+    <p:spTree>
+      <p:nvGrpSpPr>
+        <p:cNvPr id="1" name=""/>
+        <p:cNvGrpSpPr/>
+        <p:nvPr/>
+      </p:nvGrpSpPr>
+      <p:grpSpPr>
+        <a:xfrm>
+          <a:off x="0" y="0"/>
+          <a:ext cx="0" cy="0"/>
+          <a:chOff x="0" y="0"/>
+          <a:chExt cx="0" cy="0"/>
+        </a:xfrm>
+      </p:grpSpPr>
+      <p:sp>
+        <p:nvSpPr>
+          <p:cNvPr id="2" name="Title 1"/>
+          <p:cNvSpPr>
+            <a:spLocks noGrp="1"/>
+          </p:cNvSpPr>
+          <p:nvPr>
+            <p:ph type="title"/>
+          </p:nvPr>
+        </p:nvSpPr>
+        <p:spPr/>
+        <p:txBody>
+          <a:bodyPr/>
+          <a:lstStyle/>
+          <a:p>
+            <a:r>
+              <a:rPr lang="en-US" dirty="0" smtClean="0"/>
+              <a:t>Test Data</a:t>
+            </a:r>
+            <a:endParaRPr lang="en-US" dirty="0"/>
+          </a:p>
+        </p:txBody>
+      </p:sp>
+      <p:sp>
+        <p:nvSpPr>
+          <p:cNvPr id="3" name="Content Placeholder 2"/>
+          <p:cNvSpPr>
+            <a:spLocks noGrp="1"/>
+          </p:cNvSpPr>
+          <p:nvPr>
+            <p:ph idx="1"/>
+          </p:nvPr>
+        </p:nvSpPr>
+        <p:spPr/>
+        <p:txBody>
+          <a:bodyPr/>
+          <a:lstStyle/>
+          <a:p>
+            <a:r>
+              <a:rPr lang="en-US" dirty="0" smtClean="0"/>
+              <a:t>We have collected 100 images each of Entrée, Dessert and Salad from various cuisines from publicly available images.</a:t>
+            </a:r>
+          </a:p>
+          <a:p>
+            <a:r>
+              <a:rPr lang="en-US" dirty="0" smtClean="0"/>
+              <a:t>We have used 100 random images of empty plates, and other images as negative images to train the </a:t>
+            </a:r>
+            <a:r>
+              <a:rPr lang="en-US" dirty="0" err="1" smtClean="0"/>
+              <a:t>Scikit</a:t>
+            </a:r>
+            <a:r>
+              <a:rPr lang="en-US" dirty="0" smtClean="0"/>
+              <a:t>-Learn classifier for negative cases.</a:t>
+            </a:r>
+            <a:endParaRPr lang="en-US" dirty="0"/>
+          </a:p>
+        </p:txBody>
+      </p:sp>
+    </p:spTree>
+    <p:extLst>
+      <p:ext uri="{BB962C8B-B14F-4D97-AF65-F5344CB8AC3E}">
+        <p14:creationId xmlns:p14="http://schemas.microsoft.com/office/powerpoint/2010/main" val="3466614305"/>
+      </p:ext>
+    </p:extLst>
+  </p:cSld>
+  <p:clrMapOvr>
+    <a:masterClrMapping/>
+  </p:clrMapOvr>
+</p:sld>
+</file>
+
+<file path=ppt/slides/slide4.xml><?xml version="1.0" encoding="utf-8"?>
 <p:sld xmlns:a="http://schemas.openxmlformats.org/drawingml/2006/main" xmlns:r="http://schemas.openxmlformats.org/officeDocument/2006/relationships" xmlns:p="http://schemas.openxmlformats.org/presentationml/2006/main">
   <p:cSld>
     <p:spTree>
@@ -9896,9 +14145,18 @@
           <a:lstStyle/>
           <a:p>
             <a:r>
-              <a:rPr lang="en-US" dirty="0"/>
-              <a:t>Sections</a:t>
+              <a:rPr lang="en-US" dirty="0" smtClean="0"/>
+              <a:t>Classifying images of food using </a:t>
             </a:r>
+            <a:r>
+              <a:rPr lang="en-US" dirty="0" err="1" smtClean="0"/>
+              <a:t>Scikit</a:t>
+            </a:r>
+            <a:r>
+              <a:rPr lang="en-US" dirty="0" smtClean="0"/>
+              <a:t>-Learn</a:t>
+            </a:r>
+            <a:endParaRPr lang="en-US" dirty="0"/>
           </a:p>
         </p:txBody>
       </p:sp>
@@ -9923,15 +14181,39 @@
           <a:bodyPr/>
           <a:lstStyle/>
           <a:p>
+            <a:pPr marL="514350" indent="-514350">
+              <a:buFont typeface="+mj-lt"/>
+              <a:buAutoNum type="arabicPeriod"/>
+            </a:pPr>
+            <a:r>
+              <a:rPr lang="en-US" dirty="0" smtClean="0"/>
+              <a:t>Supervised Learning</a:t>
+            </a:r>
             <a:r>
               <a:rPr lang="en-US" dirty="0"/>
-              <a:t>Unsupervised Learning</a:t>
+              <a:t> </a:t>
+            </a:r>
+            <a:r>
+              <a:rPr lang="en-US" dirty="0" smtClean="0"/>
+              <a:t>– SVM/SVC classifier was used as the supervised learner to train and predict randomized sample images of Entrée, Salad and Dessert.</a:t>
             </a:r>
           </a:p>
           <a:p>
+            <a:pPr marL="514350" indent="-514350">
+              <a:buFont typeface="+mj-lt"/>
+              <a:buAutoNum type="arabicPeriod"/>
+            </a:pPr>
             <a:r>
-              <a:rPr lang="en-US" dirty="0"/>
-              <a:t>Supervised Learning</a:t>
+              <a:rPr lang="en-US" dirty="0" smtClean="0"/>
+              <a:t>Unsupervised Learning – </a:t>
+            </a:r>
+            <a:r>
+              <a:rPr lang="en-US" dirty="0" err="1" smtClean="0"/>
+              <a:t>KMeans</a:t>
+            </a:r>
+            <a:r>
+              <a:rPr lang="en-US" dirty="0" smtClean="0"/>
+              <a:t> classifier was used as the unsupervised learner to train the same images samples without labels.</a:t>
             </a:r>
           </a:p>
         </p:txBody>
@@ -9949,7 +14231,7 @@
 </p:sld>
 </file>
 
-<file path=ppt/slides/slide4.xml><?xml version="1.0" encoding="utf-8"?>
+<file path=ppt/slides/slide5.xml><?xml version="1.0" encoding="utf-8"?>
 <p:sld xmlns:a="http://schemas.openxmlformats.org/drawingml/2006/main" xmlns:r="http://schemas.openxmlformats.org/officeDocument/2006/relationships" xmlns:p="http://schemas.openxmlformats.org/presentationml/2006/main">
   <p:cSld>
     <p:spTree>
@@ -9988,9 +14270,10 @@
           <a:lstStyle/>
           <a:p>
             <a:r>
-              <a:rPr lang="en-US" dirty="0"/>
-              <a:t>Unsupervised Learning</a:t>
+              <a:rPr lang="en-US" dirty="0" smtClean="0"/>
+              <a:t>Image preprocessing</a:t>
             </a:r>
+            <a:endParaRPr lang="en-US" dirty="0"/>
           </a:p>
         </p:txBody>
       </p:sp>
@@ -10015,19 +14298,71 @@
           <a:bodyPr/>
           <a:lstStyle/>
           <a:p>
+            <a:pPr marL="514350" indent="-514350">
+              <a:buFont typeface="+mj-lt"/>
+              <a:buAutoNum type="arabicPeriod"/>
+            </a:pPr>
             <a:r>
-              <a:rPr lang="en-US" dirty="0" err="1"/>
-              <a:t>Unsuperivsed</a:t>
-            </a:r>
-            <a:r>
-              <a:rPr lang="en-US" dirty="0"/>
-              <a:t> learning is used where we do not have the labels for our dataset. The algorithm clusters together similar data points based on the features that we supply to the model.</a:t>
+              <a:rPr lang="en-US" dirty="0" smtClean="0"/>
+              <a:t>We have used various image processing techniques before training and testing the classifiers.</a:t>
             </a:r>
           </a:p>
           <a:p>
+            <a:pPr marL="971550" lvl="1" indent="-514350">
+              <a:buFont typeface="+mj-lt"/>
+              <a:buAutoNum type="arabicPeriod"/>
+            </a:pPr>
             <a:r>
-              <a:rPr lang="en-US" dirty="0"/>
-              <a:t>We have used the K-Means algorithm into to separate the data into three clusters.</a:t>
+              <a:rPr lang="en-US" dirty="0" smtClean="0"/>
+              <a:t>Image Resizing – All training sample images were resized to 80x80 pixels.</a:t>
+            </a:r>
+          </a:p>
+          <a:p>
+            <a:pPr marL="971550" lvl="1" indent="-514350">
+              <a:buFont typeface="+mj-lt"/>
+              <a:buAutoNum type="arabicPeriod"/>
+            </a:pPr>
+            <a:r>
+              <a:rPr lang="en-US" dirty="0" smtClean="0"/>
+              <a:t>Binary </a:t>
+            </a:r>
+            <a:r>
+              <a:rPr lang="en-US" dirty="0" err="1" smtClean="0"/>
+              <a:t>Thresholding</a:t>
+            </a:r>
+            <a:r>
+              <a:rPr lang="en-US" dirty="0" smtClean="0"/>
+              <a:t> – All pixel values greater than a given threshold value were set to a fixed value. This was used to mask backgrounds in images that is not part of food.</a:t>
+            </a:r>
+          </a:p>
+          <a:p>
+            <a:pPr marL="971550" lvl="1" indent="-514350">
+              <a:buFont typeface="+mj-lt"/>
+              <a:buAutoNum type="arabicPeriod"/>
+            </a:pPr>
+            <a:r>
+              <a:rPr lang="en-US" dirty="0" smtClean="0"/>
+              <a:t>Canny - function used for edge detection</a:t>
+            </a:r>
+          </a:p>
+          <a:p>
+            <a:pPr marL="971550" lvl="1" indent="-514350">
+              <a:buFont typeface="+mj-lt"/>
+              <a:buAutoNum type="arabicPeriod"/>
+            </a:pPr>
+            <a:r>
+              <a:rPr lang="en-US" dirty="0" smtClean="0"/>
+              <a:t>Contour Detection – was used to separate out different dishes in a given dining table image with different food servings.</a:t>
+            </a:r>
+          </a:p>
+          <a:p>
+            <a:pPr marL="971550" lvl="1" indent="-514350">
+              <a:buFont typeface="+mj-lt"/>
+              <a:buAutoNum type="arabicPeriod"/>
+            </a:pPr>
+            <a:r>
+              <a:rPr lang="en-US" dirty="0" smtClean="0"/>
+              <a:t>HOG – Feature descriptor to convert image data into histogram data.</a:t>
             </a:r>
           </a:p>
         </p:txBody>
@@ -10045,7 +14380,7 @@
 </p:sld>
 </file>
 
-<file path=ppt/slides/slide5.xml><?xml version="1.0" encoding="utf-8"?>
+<file path=ppt/slides/slide6.xml><?xml version="1.0" encoding="utf-8"?>
 <p:sld xmlns:a="http://schemas.openxmlformats.org/drawingml/2006/main" xmlns:r="http://schemas.openxmlformats.org/officeDocument/2006/relationships" xmlns:p="http://schemas.openxmlformats.org/presentationml/2006/main">
   <p:cSld>
     <p:spTree>
@@ -10241,7 +14576,7 @@
 </p:sld>
 </file>
 
-<file path=ppt/slides/slide6.xml><?xml version="1.0" encoding="utf-8"?>
+<file path=ppt/slides/slide7.xml><?xml version="1.0" encoding="utf-8"?>
 <p:sld xmlns:a="http://schemas.openxmlformats.org/drawingml/2006/main" xmlns:r="http://schemas.openxmlformats.org/officeDocument/2006/relationships" xmlns:p="http://schemas.openxmlformats.org/presentationml/2006/main">
   <p:cSld>
     <p:spTree>
@@ -10276,13 +14611,20 @@
         </p:nvSpPr>
         <p:spPr/>
         <p:txBody>
-          <a:bodyPr/>
+          <a:bodyPr>
+            <a:normAutofit/>
+          </a:bodyPr>
           <a:lstStyle/>
           <a:p>
             <a:r>
-              <a:rPr lang="en-US" dirty="0"/>
-              <a:t>Steps</a:t>
+              <a:rPr lang="en-US" sz="4000" dirty="0" smtClean="0"/>
+              <a:t>Unsupervised Image Classification Using </a:t>
             </a:r>
+            <a:r>
+              <a:rPr lang="en-US" sz="4000" dirty="0" err="1" smtClean="0"/>
+              <a:t>KMeans</a:t>
+            </a:r>
+            <a:endParaRPr lang="en-US" sz="4000" dirty="0"/>
           </a:p>
         </p:txBody>
       </p:sp>
@@ -10330,7 +14672,7 @@
 </p:sld>
 </file>
 
-<file path=ppt/slides/slide7.xml><?xml version="1.0" encoding="utf-8"?>
+<file path=ppt/slides/slide8.xml><?xml version="1.0" encoding="utf-8"?>
 <p:sld xmlns:a="http://schemas.openxmlformats.org/drawingml/2006/main" xmlns:r="http://schemas.openxmlformats.org/officeDocument/2006/relationships" xmlns:p="http://schemas.openxmlformats.org/presentationml/2006/main">
   <p:cSld>
     <p:spTree>
@@ -10720,89 +15062,6 @@
 </p:sld>
 </file>
 
-<file path=ppt/slides/slide8.xml><?xml version="1.0" encoding="utf-8"?>
-<p:sld xmlns:a="http://schemas.openxmlformats.org/drawingml/2006/main" xmlns:r="http://schemas.openxmlformats.org/officeDocument/2006/relationships" xmlns:p="http://schemas.openxmlformats.org/presentationml/2006/main">
-  <p:cSld>
-    <p:spTree>
-      <p:nvGrpSpPr>
-        <p:cNvPr id="1" name=""/>
-        <p:cNvGrpSpPr/>
-        <p:nvPr/>
-      </p:nvGrpSpPr>
-      <p:grpSpPr>
-        <a:xfrm>
-          <a:off x="0" y="0"/>
-          <a:ext cx="0" cy="0"/>
-          <a:chOff x="0" y="0"/>
-          <a:chExt cx="0" cy="0"/>
-        </a:xfrm>
-      </p:grpSpPr>
-      <p:sp>
-        <p:nvSpPr>
-          <p:cNvPr id="2" name="Title 1">
-            <a:extLst>
-              <a:ext uri="{FF2B5EF4-FFF2-40B4-BE49-F238E27FC236}">
-                <a16:creationId xmlns:a16="http://schemas.microsoft.com/office/drawing/2014/main" id="{E0E6208A-84E8-40DD-8834-E56ACFC48055}"/>
-              </a:ext>
-            </a:extLst>
-          </p:cNvPr>
-          <p:cNvSpPr>
-            <a:spLocks noGrp="1"/>
-          </p:cNvSpPr>
-          <p:nvPr>
-            <p:ph type="title"/>
-          </p:nvPr>
-        </p:nvSpPr>
-        <p:spPr/>
-        <p:txBody>
-          <a:bodyPr/>
-          <a:lstStyle/>
-          <a:p>
-            <a:r>
-              <a:rPr lang="en-US" dirty="0"/>
-              <a:t>Supervised Algorithm</a:t>
-            </a:r>
-          </a:p>
-        </p:txBody>
-      </p:sp>
-      <p:sp>
-        <p:nvSpPr>
-          <p:cNvPr id="3" name="Content Placeholder 2">
-            <a:extLst>
-              <a:ext uri="{FF2B5EF4-FFF2-40B4-BE49-F238E27FC236}">
-                <a16:creationId xmlns:a16="http://schemas.microsoft.com/office/drawing/2014/main" id="{0A9C75DE-D7BD-4ECC-9875-189F5E3011D8}"/>
-              </a:ext>
-            </a:extLst>
-          </p:cNvPr>
-          <p:cNvSpPr>
-            <a:spLocks noGrp="1"/>
-          </p:cNvSpPr>
-          <p:nvPr>
-            <p:ph idx="1"/>
-          </p:nvPr>
-        </p:nvSpPr>
-        <p:spPr/>
-        <p:txBody>
-          <a:bodyPr/>
-          <a:lstStyle/>
-          <a:p>
-            <a:endParaRPr lang="en-US" dirty="0"/>
-          </a:p>
-        </p:txBody>
-      </p:sp>
-    </p:spTree>
-    <p:extLst>
-      <p:ext uri="{BB962C8B-B14F-4D97-AF65-F5344CB8AC3E}">
-        <p14:creationId xmlns:p14="http://schemas.microsoft.com/office/powerpoint/2010/main" val="2415861598"/>
-      </p:ext>
-    </p:extLst>
-  </p:cSld>
-  <p:clrMapOvr>
-    <a:masterClrMapping/>
-  </p:clrMapOvr>
-</p:sld>
-</file>
-
 <file path=ppt/slides/slide9.xml><?xml version="1.0" encoding="utf-8"?>
 <p:sld xmlns:a="http://schemas.openxmlformats.org/drawingml/2006/main" xmlns:r="http://schemas.openxmlformats.org/officeDocument/2006/relationships" xmlns:p="http://schemas.openxmlformats.org/presentationml/2006/main">
   <p:cSld>
@@ -10825,7 +15084,7 @@
           <p:cNvPr id="2" name="Title 1">
             <a:extLst>
               <a:ext uri="{FF2B5EF4-FFF2-40B4-BE49-F238E27FC236}">
-                <a16:creationId xmlns:a16="http://schemas.microsoft.com/office/drawing/2014/main" id="{D89542B3-367F-4928-AB96-91EB7FCFE7B7}"/>
+                <a16:creationId xmlns:a16="http://schemas.microsoft.com/office/drawing/2014/main" id="{16A8936F-AA59-4754-8158-790633715D63}"/>
               </a:ext>
             </a:extLst>
           </p:cNvPr>
@@ -10843,151 +15102,47 @@
           <a:p>
             <a:r>
               <a:rPr lang="en-US" dirty="0"/>
-              <a:t>binary thresholding</a:t>
+              <a:t>Supervised Image Classification Using SVC</a:t>
             </a:r>
-          </a:p>
-        </p:txBody>
-      </p:sp>
-      <p:sp>
-        <p:nvSpPr>
-          <p:cNvPr id="3" name="Content Placeholder 2">
-            <a:extLst>
-              <a:ext uri="{FF2B5EF4-FFF2-40B4-BE49-F238E27FC236}">
-                <a16:creationId xmlns:a16="http://schemas.microsoft.com/office/drawing/2014/main" id="{099219D9-0805-409F-B3BC-5923648B084B}"/>
-              </a:ext>
-            </a:extLst>
-          </p:cNvPr>
-          <p:cNvSpPr>
-            <a:spLocks noGrp="1"/>
-          </p:cNvSpPr>
-          <p:nvPr>
-            <p:ph idx="1"/>
-          </p:nvPr>
-        </p:nvSpPr>
-        <p:spPr/>
-        <p:txBody>
-          <a:bodyPr/>
-          <a:lstStyle/>
-          <a:p>
-            <a:pPr marL="0" indent="0">
-              <a:buNone/>
-            </a:pPr>
-            <a:r>
-              <a:rPr lang="en-US" dirty="0"/>
-              <a:t>Used a preprocessing technique on all the images called binary thresholding in order to eliminate the backgrounds we had in our image and made a new set of images.</a:t>
-            </a:r>
-          </a:p>
-          <a:p>
             <a:endParaRPr lang="en-US" dirty="0"/>
           </a:p>
         </p:txBody>
       </p:sp>
-      <p:pic>
-        <p:nvPicPr>
-          <p:cNvPr id="5" name="Picture 4">
+      <p:graphicFrame>
+        <p:nvGraphicFramePr>
+          <p:cNvPr id="4" name="Content Placeholder 3">
             <a:extLst>
               <a:ext uri="{FF2B5EF4-FFF2-40B4-BE49-F238E27FC236}">
-                <a16:creationId xmlns:a16="http://schemas.microsoft.com/office/drawing/2014/main" id="{5F8333CA-896A-483F-93B2-E68DC211CDC7}"/>
+                <a16:creationId xmlns:a16="http://schemas.microsoft.com/office/drawing/2014/main" id="{7CABEDC5-F8DC-410E-9121-D0E7BF4F8D3A}"/>
               </a:ext>
             </a:extLst>
           </p:cNvPr>
-          <p:cNvPicPr>
-            <a:picLocks noChangeAspect="1"/>
-          </p:cNvPicPr>
-          <p:nvPr/>
-        </p:nvPicPr>
-        <p:blipFill>
-          <a:blip r:embed="rId2">
-            <a:extLst>
-              <a:ext uri="{28A0092B-C50C-407E-A947-70E740481C1C}">
-                <a14:useLocalDpi xmlns:a14="http://schemas.microsoft.com/office/drawing/2010/main" val="0"/>
-              </a:ext>
-            </a:extLst>
-          </a:blip>
-          <a:stretch>
-            <a:fillRect/>
-          </a:stretch>
-        </p:blipFill>
-        <p:spPr>
-          <a:xfrm>
-            <a:off x="6652591" y="3710401"/>
-            <a:ext cx="3443287" cy="2041042"/>
-          </a:xfrm>
-          <a:prstGeom prst="rect">
-            <a:avLst/>
-          </a:prstGeom>
-        </p:spPr>
-      </p:pic>
-      <p:pic>
-        <p:nvPicPr>
-          <p:cNvPr id="7" name="Picture 6">
-            <a:extLst>
-              <a:ext uri="{FF2B5EF4-FFF2-40B4-BE49-F238E27FC236}">
-                <a16:creationId xmlns:a16="http://schemas.microsoft.com/office/drawing/2014/main" id="{40B6EB9A-7411-4DFB-B3B0-5D289B92EAD2}"/>
-              </a:ext>
-            </a:extLst>
-          </p:cNvPr>
-          <p:cNvPicPr>
-            <a:picLocks noChangeAspect="1"/>
-          </p:cNvPicPr>
-          <p:nvPr/>
-        </p:nvPicPr>
-        <p:blipFill>
-          <a:blip r:embed="rId3">
-            <a:extLst>
-              <a:ext uri="{28A0092B-C50C-407E-A947-70E740481C1C}">
-                <a14:useLocalDpi xmlns:a14="http://schemas.microsoft.com/office/drawing/2010/main" val="0"/>
-              </a:ext>
-            </a:extLst>
-          </a:blip>
-          <a:stretch>
-            <a:fillRect/>
-          </a:stretch>
-        </p:blipFill>
-        <p:spPr>
-          <a:xfrm>
-            <a:off x="1502569" y="3710401"/>
-            <a:ext cx="2989918" cy="1921773"/>
-          </a:xfrm>
-          <a:prstGeom prst="rect">
-            <a:avLst/>
-          </a:prstGeom>
-          <a:solidFill>
-            <a:srgbClr val="FFFFFF">
-              <a:shade val="85000"/>
-            </a:srgbClr>
-          </a:solidFill>
-          <a:ln w="88900" cap="sq">
-            <a:solidFill>
-              <a:srgbClr val="FFFFFF"/>
-            </a:solidFill>
-            <a:miter lim="800000"/>
-          </a:ln>
-          <a:effectLst>
-            <a:outerShdw blurRad="55000" dist="18000" dir="5400000" algn="tl" rotWithShape="0">
-              <a:srgbClr val="000000">
-                <a:alpha val="40000"/>
-              </a:srgbClr>
-            </a:outerShdw>
-          </a:effectLst>
-          <a:scene3d>
-            <a:camera prst="orthographicFront"/>
-            <a:lightRig rig="twoPt" dir="t">
-              <a:rot lat="0" lon="0" rev="7200000"/>
-            </a:lightRig>
-          </a:scene3d>
-          <a:sp3d>
-            <a:bevelT w="25400" h="19050"/>
-            <a:contourClr>
-              <a:srgbClr val="FFFFFF"/>
-            </a:contourClr>
-          </a:sp3d>
-        </p:spPr>
-      </p:pic>
+          <p:cNvGraphicFramePr>
+            <a:graphicFrameLocks noGrp="1"/>
+          </p:cNvGraphicFramePr>
+          <p:nvPr>
+            <p:ph idx="1"/>
+            <p:extLst>
+              <p:ext uri="{D42A27DB-BD31-4B8C-83A1-F6EECF244321}">
+                <p14:modId xmlns:p14="http://schemas.microsoft.com/office/powerpoint/2010/main" val="3117730817"/>
+              </p:ext>
+            </p:extLst>
+          </p:nvPr>
+        </p:nvGraphicFramePr>
+        <p:xfrm>
+          <a:off x="838200" y="1825625"/>
+          <a:ext cx="10515600" cy="4351338"/>
+        </p:xfrm>
+        <a:graphic>
+          <a:graphicData uri="http://schemas.openxmlformats.org/drawingml/2006/diagram">
+            <dgm:relIds xmlns:dgm="http://schemas.openxmlformats.org/drawingml/2006/diagram" xmlns:r="http://schemas.openxmlformats.org/officeDocument/2006/relationships" r:dm="rId2" r:lo="rId3" r:qs="rId4" r:cs="rId5"/>
+          </a:graphicData>
+        </a:graphic>
+      </p:graphicFrame>
     </p:spTree>
     <p:extLst>
       <p:ext uri="{BB962C8B-B14F-4D97-AF65-F5344CB8AC3E}">
-        <p14:creationId xmlns:p14="http://schemas.microsoft.com/office/powerpoint/2010/main" val="334527532"/>
+        <p14:creationId xmlns:p14="http://schemas.microsoft.com/office/powerpoint/2010/main" val="4032174475"/>
       </p:ext>
     </p:extLst>
   </p:cSld>

--- a/Food image classification.pptx
+++ b/Food image classification.pptx
@@ -4110,6 +4110,13 @@
         </dgm:presLayoutVars>
       </dgm:prSet>
       <dgm:spPr/>
+      <dgm:t>
+        <a:bodyPr/>
+        <a:lstStyle/>
+        <a:p>
+          <a:endParaRPr lang="en-US"/>
+        </a:p>
+      </dgm:t>
     </dgm:pt>
     <dgm:pt modelId="{BC1E10C5-94EF-4AAE-98DB-19924E6A5216}" type="pres">
       <dgm:prSet presAssocID="{395B8AC7-DB73-489C-BB1E-E8854937680D}" presName="descendantText" presStyleLbl="alignAcc1" presStyleIdx="5" presStyleCnt="6">
@@ -10436,7 +10443,7 @@
           <a:p>
             <a:fld id="{04E15C71-672D-455D-9F83-7BEFA731841B}" type="datetimeFigureOut">
               <a:rPr lang="en-US" smtClean="0"/>
-              <a:t>11/30/2017</a:t>
+              <a:t>12/1/2017</a:t>
             </a:fld>
             <a:endParaRPr lang="en-US"/>
           </a:p>
@@ -10634,7 +10641,7 @@
           <a:p>
             <a:fld id="{04E15C71-672D-455D-9F83-7BEFA731841B}" type="datetimeFigureOut">
               <a:rPr lang="en-US" smtClean="0"/>
-              <a:t>11/30/2017</a:t>
+              <a:t>12/1/2017</a:t>
             </a:fld>
             <a:endParaRPr lang="en-US"/>
           </a:p>
@@ -10842,7 +10849,7 @@
           <a:p>
             <a:fld id="{04E15C71-672D-455D-9F83-7BEFA731841B}" type="datetimeFigureOut">
               <a:rPr lang="en-US" smtClean="0"/>
-              <a:t>11/30/2017</a:t>
+              <a:t>12/1/2017</a:t>
             </a:fld>
             <a:endParaRPr lang="en-US"/>
           </a:p>
@@ -11040,7 +11047,7 @@
           <a:p>
             <a:fld id="{04E15C71-672D-455D-9F83-7BEFA731841B}" type="datetimeFigureOut">
               <a:rPr lang="en-US" smtClean="0"/>
-              <a:t>11/30/2017</a:t>
+              <a:t>12/1/2017</a:t>
             </a:fld>
             <a:endParaRPr lang="en-US"/>
           </a:p>
@@ -11315,7 +11322,7 @@
           <a:p>
             <a:fld id="{04E15C71-672D-455D-9F83-7BEFA731841B}" type="datetimeFigureOut">
               <a:rPr lang="en-US" smtClean="0"/>
-              <a:t>11/30/2017</a:t>
+              <a:t>12/1/2017</a:t>
             </a:fld>
             <a:endParaRPr lang="en-US"/>
           </a:p>
@@ -11580,7 +11587,7 @@
           <a:p>
             <a:fld id="{04E15C71-672D-455D-9F83-7BEFA731841B}" type="datetimeFigureOut">
               <a:rPr lang="en-US" smtClean="0"/>
-              <a:t>11/30/2017</a:t>
+              <a:t>12/1/2017</a:t>
             </a:fld>
             <a:endParaRPr lang="en-US"/>
           </a:p>
@@ -11992,7 +11999,7 @@
           <a:p>
             <a:fld id="{04E15C71-672D-455D-9F83-7BEFA731841B}" type="datetimeFigureOut">
               <a:rPr lang="en-US" smtClean="0"/>
-              <a:t>11/30/2017</a:t>
+              <a:t>12/1/2017</a:t>
             </a:fld>
             <a:endParaRPr lang="en-US"/>
           </a:p>
@@ -12133,7 +12140,7 @@
           <a:p>
             <a:fld id="{04E15C71-672D-455D-9F83-7BEFA731841B}" type="datetimeFigureOut">
               <a:rPr lang="en-US" smtClean="0"/>
-              <a:t>11/30/2017</a:t>
+              <a:t>12/1/2017</a:t>
             </a:fld>
             <a:endParaRPr lang="en-US"/>
           </a:p>
@@ -12246,7 +12253,7 @@
           <a:p>
             <a:fld id="{04E15C71-672D-455D-9F83-7BEFA731841B}" type="datetimeFigureOut">
               <a:rPr lang="en-US" smtClean="0"/>
-              <a:t>11/30/2017</a:t>
+              <a:t>12/1/2017</a:t>
             </a:fld>
             <a:endParaRPr lang="en-US"/>
           </a:p>
@@ -12557,7 +12564,7 @@
           <a:p>
             <a:fld id="{04E15C71-672D-455D-9F83-7BEFA731841B}" type="datetimeFigureOut">
               <a:rPr lang="en-US" smtClean="0"/>
-              <a:t>11/30/2017</a:t>
+              <a:t>12/1/2017</a:t>
             </a:fld>
             <a:endParaRPr lang="en-US"/>
           </a:p>
@@ -12845,7 +12852,7 @@
           <a:p>
             <a:fld id="{04E15C71-672D-455D-9F83-7BEFA731841B}" type="datetimeFigureOut">
               <a:rPr lang="en-US" smtClean="0"/>
-              <a:t>11/30/2017</a:t>
+              <a:t>12/1/2017</a:t>
             </a:fld>
             <a:endParaRPr lang="en-US"/>
           </a:p>
@@ -13086,7 +13093,7 @@
           <a:p>
             <a:fld id="{04E15C71-672D-455D-9F83-7BEFA731841B}" type="datetimeFigureOut">
               <a:rPr lang="en-US" smtClean="0"/>
-              <a:t>11/30/2017</a:t>
+              <a:t>12/1/2017</a:t>
             </a:fld>
             <a:endParaRPr lang="en-US"/>
           </a:p>
@@ -13642,31 +13649,35 @@
           </a:p>
         </p:txBody>
       </p:sp>
-      <p:sp>
-        <p:nvSpPr>
-          <p:cNvPr id="3" name="Content Placeholder 2">
-            <a:extLst>
-              <a:ext uri="{FF2B5EF4-FFF2-40B4-BE49-F238E27FC236}">
-                <a16:creationId xmlns:a16="http://schemas.microsoft.com/office/drawing/2014/main" id="{0A9C75DE-D7BD-4ECC-9875-189F5E3011D8}"/>
-              </a:ext>
-            </a:extLst>
-          </p:cNvPr>
-          <p:cNvSpPr>
-            <a:spLocks noGrp="1"/>
-          </p:cNvSpPr>
+      <p:pic>
+        <p:nvPicPr>
+          <p:cNvPr id="4" name="Content Placeholder 3"/>
+          <p:cNvPicPr>
+            <a:picLocks noGrp="1" noChangeAspect="1"/>
+          </p:cNvPicPr>
           <p:nvPr>
             <p:ph idx="1"/>
           </p:nvPr>
-        </p:nvSpPr>
-        <p:spPr/>
-        <p:txBody>
-          <a:bodyPr/>
-          <a:lstStyle/>
-          <a:p>
-            <a:endParaRPr lang="en-US" dirty="0"/>
-          </a:p>
-        </p:txBody>
-      </p:sp>
+        </p:nvPicPr>
+        <p:blipFill>
+          <a:blip r:embed="rId2">
+            <a:extLst>
+              <a:ext uri="{28A0092B-C50C-407E-A947-70E740481C1C}">
+                <a14:useLocalDpi xmlns:a14="http://schemas.microsoft.com/office/drawing/2010/main" val="0"/>
+              </a:ext>
+            </a:extLst>
+          </a:blip>
+          <a:stretch>
+            <a:fillRect/>
+          </a:stretch>
+        </p:blipFill>
+        <p:spPr>
+          <a:xfrm>
+            <a:off x="1776461" y="1885243"/>
+            <a:ext cx="9152950" cy="3409243"/>
+          </a:xfrm>
+        </p:spPr>
+      </p:pic>
     </p:spTree>
     <p:extLst>
       <p:ext uri="{BB962C8B-B14F-4D97-AF65-F5344CB8AC3E}">
@@ -13993,7 +14004,6 @@
               <a:rPr lang="en-US" dirty="0"/>
               <a:t>Dessert.</a:t>
             </a:r>
-            <a:endParaRPr lang="en-US" dirty="0"/>
           </a:p>
           <a:p>
             <a:r>
@@ -15104,7 +15114,6 @@
               <a:rPr lang="en-US" dirty="0"/>
               <a:t>Supervised Image Classification Using SVC</a:t>
             </a:r>
-            <a:endParaRPr lang="en-US" dirty="0"/>
           </a:p>
         </p:txBody>
       </p:sp>

--- a/Food image classification.pptx
+++ b/Food image classification.pptx
@@ -17,6 +17,7 @@
     <p:sldId id="261" r:id="rId11"/>
     <p:sldId id="268" r:id="rId12"/>
     <p:sldId id="269" r:id="rId13"/>
+    <p:sldId id="270" r:id="rId14"/>
   </p:sldIdLst>
   <p:sldSz cx="12192000" cy="6858000"/>
   <p:notesSz cx="6858000" cy="9144000"/>
@@ -13600,6 +13601,13 @@
   <p:clrMapOvr>
     <a:masterClrMapping/>
   </p:clrMapOvr>
+  <p:timing>
+    <p:tnLst>
+      <p:par>
+        <p:cTn id="1" dur="indefinite" restart="never" nodeType="tmRoot"/>
+      </p:par>
+    </p:tnLst>
+  </p:timing>
 </p:sld>
 </file>
 
@@ -13903,6 +13911,74 @@
   <p:clrMapOvr>
     <a:masterClrMapping/>
   </p:clrMapOvr>
+  <p:timing>
+    <p:tnLst>
+      <p:par>
+        <p:cTn id="1" dur="indefinite" restart="never" nodeType="tmRoot"/>
+      </p:par>
+    </p:tnLst>
+  </p:timing>
+</p:sld>
+</file>
+
+<file path=ppt/slides/slide13.xml><?xml version="1.0" encoding="utf-8"?>
+<p:sld xmlns:a="http://schemas.openxmlformats.org/drawingml/2006/main" xmlns:r="http://schemas.openxmlformats.org/officeDocument/2006/relationships" xmlns:p="http://schemas.openxmlformats.org/presentationml/2006/main">
+  <p:cSld>
+    <p:spTree>
+      <p:nvGrpSpPr>
+        <p:cNvPr id="1" name=""/>
+        <p:cNvGrpSpPr/>
+        <p:nvPr/>
+      </p:nvGrpSpPr>
+      <p:grpSpPr>
+        <a:xfrm>
+          <a:off x="0" y="0"/>
+          <a:ext cx="0" cy="0"/>
+          <a:chOff x="0" y="0"/>
+          <a:chExt cx="0" cy="0"/>
+        </a:xfrm>
+      </p:grpSpPr>
+      <p:sp>
+        <p:nvSpPr>
+          <p:cNvPr id="2" name="Title 1"/>
+          <p:cNvSpPr>
+            <a:spLocks noGrp="1"/>
+          </p:cNvSpPr>
+          <p:nvPr>
+            <p:ph type="title"/>
+          </p:nvPr>
+        </p:nvSpPr>
+        <p:spPr>
+          <a:xfrm>
+            <a:off x="770467" y="2566459"/>
+            <a:ext cx="10515600" cy="1779764"/>
+          </a:xfrm>
+        </p:spPr>
+        <p:txBody>
+          <a:bodyPr>
+            <a:noAutofit/>
+          </a:bodyPr>
+          <a:lstStyle/>
+          <a:p>
+            <a:pPr algn="ctr"/>
+            <a:r>
+              <a:rPr lang="en-US" sz="11500" dirty="0" smtClean="0"/>
+              <a:t>Thank You!</a:t>
+            </a:r>
+            <a:endParaRPr lang="en-US" sz="11500" dirty="0"/>
+          </a:p>
+        </p:txBody>
+      </p:sp>
+    </p:spTree>
+    <p:extLst>
+      <p:ext uri="{BB962C8B-B14F-4D97-AF65-F5344CB8AC3E}">
+        <p14:creationId xmlns:p14="http://schemas.microsoft.com/office/powerpoint/2010/main" val="226652710"/>
+      </p:ext>
+    </p:extLst>
+  </p:cSld>
+  <p:clrMapOvr>
+    <a:masterClrMapping/>
+  </p:clrMapOvr>
 </p:sld>
 </file>
 
@@ -14023,6 +14099,13 @@
   <p:clrMapOvr>
     <a:masterClrMapping/>
   </p:clrMapOvr>
+  <p:timing>
+    <p:tnLst>
+      <p:par>
+        <p:cTn id="1" dur="indefinite" restart="never" nodeType="tmRoot"/>
+      </p:par>
+    </p:tnLst>
+  </p:timing>
 </p:sld>
 </file>
 
@@ -14113,6 +14196,13 @@
   <p:clrMapOvr>
     <a:masterClrMapping/>
   </p:clrMapOvr>
+  <p:timing>
+    <p:tnLst>
+      <p:par>
+        <p:cTn id="1" dur="indefinite" restart="never" nodeType="tmRoot"/>
+      </p:par>
+    </p:tnLst>
+  </p:timing>
 </p:sld>
 </file>
 
@@ -14238,6 +14328,13 @@
   <p:clrMapOvr>
     <a:masterClrMapping/>
   </p:clrMapOvr>
+  <p:timing>
+    <p:tnLst>
+      <p:par>
+        <p:cTn id="1" dur="indefinite" restart="never" nodeType="tmRoot"/>
+      </p:par>
+    </p:tnLst>
+  </p:timing>
 </p:sld>
 </file>
 
@@ -14387,6 +14484,13 @@
   <p:clrMapOvr>
     <a:masterClrMapping/>
   </p:clrMapOvr>
+  <p:timing>
+    <p:tnLst>
+      <p:par>
+        <p:cTn id="1" dur="indefinite" restart="never" nodeType="tmRoot"/>
+      </p:par>
+    </p:tnLst>
+  </p:timing>
 </p:sld>
 </file>
 
@@ -14583,6 +14687,13 @@
   <p:clrMapOvr>
     <a:masterClrMapping/>
   </p:clrMapOvr>
+  <p:timing>
+    <p:tnLst>
+      <p:par>
+        <p:cTn id="1" dur="indefinite" restart="never" nodeType="tmRoot"/>
+      </p:par>
+    </p:tnLst>
+  </p:timing>
 </p:sld>
 </file>
 
@@ -14679,6 +14790,13 @@
   <p:clrMapOvr>
     <a:masterClrMapping/>
   </p:clrMapOvr>
+  <p:timing>
+    <p:tnLst>
+      <p:par>
+        <p:cTn id="1" dur="indefinite" restart="never" nodeType="tmRoot"/>
+      </p:par>
+    </p:tnLst>
+  </p:timing>
 </p:sld>
 </file>
 
@@ -15069,6 +15187,13 @@
   <p:clrMapOvr>
     <a:masterClrMapping/>
   </p:clrMapOvr>
+  <p:timing>
+    <p:tnLst>
+      <p:par>
+        <p:cTn id="1" dur="indefinite" restart="never" nodeType="tmRoot"/>
+      </p:par>
+    </p:tnLst>
+  </p:timing>
 </p:sld>
 </file>
 
@@ -15158,6 +15283,13 @@
   <p:clrMapOvr>
     <a:masterClrMapping/>
   </p:clrMapOvr>
+  <p:timing>
+    <p:tnLst>
+      <p:par>
+        <p:cTn id="1" dur="indefinite" restart="never" nodeType="tmRoot"/>
+      </p:par>
+    </p:tnLst>
+  </p:timing>
 </p:sld>
 </file>
 
